--- a/第二次组会.pptx
+++ b/第二次组会.pptx
@@ -5,7 +5,7 @@
     <p:sldMasterId id="2147483660" r:id="rId1"/>
   </p:sldMasterIdLst>
   <p:notesMasterIdLst>
-    <p:notesMasterId r:id="rId15"/>
+    <p:notesMasterId r:id="rId18"/>
   </p:notesMasterIdLst>
   <p:sldIdLst>
     <p:sldId id="259" r:id="rId2"/>
@@ -20,7 +20,10 @@
     <p:sldId id="281" r:id="rId11"/>
     <p:sldId id="283" r:id="rId12"/>
     <p:sldId id="284" r:id="rId13"/>
-    <p:sldId id="274" r:id="rId14"/>
+    <p:sldId id="285" r:id="rId14"/>
+    <p:sldId id="286" r:id="rId15"/>
+    <p:sldId id="287" r:id="rId16"/>
+    <p:sldId id="274" r:id="rId17"/>
   </p:sldIdLst>
   <p:sldSz cx="12192000" cy="6858000"/>
   <p:notesSz cx="6858000" cy="9144000"/>
@@ -209,7 +212,7 @@
           <a:p>
             <a:fld id="{3637E75D-83BC-1843-86E7-4E3C95770EBE}" type="datetimeFigureOut">
               <a:rPr kumimoji="1" lang="zh-CN" altLang="en-US" smtClean="0"/>
-              <a:t>2021/11/12</a:t>
+              <a:t>2021/11/13</a:t>
             </a:fld>
             <a:endParaRPr kumimoji="1" lang="zh-CN" altLang="en-US"/>
           </a:p>
@@ -652,6 +655,202 @@
               <a:rPr lang="zh-CN" altLang="en-US" dirty="0"/>
               <a:t>给定文件信息，如何找到存储该文件相应机器的IP地址</a:t>
             </a:r>
+            <a:endParaRPr lang="en-US" altLang="zh-CN" dirty="0"/>
+          </a:p>
+          <a:p>
+            <a:r>
+              <a:rPr kumimoji="1" lang="en-US" altLang="zh-CN" dirty="0"/>
+              <a:t>Chord</a:t>
+            </a:r>
+            <a:r>
+              <a:rPr kumimoji="1" lang="zh-CN" altLang="en-US" dirty="0"/>
+              <a:t>的方法是，将文件名、</a:t>
+            </a:r>
+            <a:r>
+              <a:rPr kumimoji="1" lang="en-US" altLang="zh-CN" dirty="0" err="1"/>
+              <a:t>ip</a:t>
+            </a:r>
+            <a:r>
+              <a:rPr kumimoji="1" lang="zh-CN" altLang="en-US" dirty="0"/>
+              <a:t>地址通过</a:t>
+            </a:r>
+            <a:r>
+              <a:rPr kumimoji="1" lang="en-US" altLang="zh-CN" dirty="0"/>
+              <a:t>SHA-1</a:t>
+            </a:r>
+            <a:r>
+              <a:rPr kumimoji="1" lang="zh-CN" altLang="en-US" dirty="0"/>
+              <a:t>作为哈希函数，计算出一个</a:t>
+            </a:r>
+            <a:r>
+              <a:rPr kumimoji="1" lang="en-US" altLang="zh-CN" dirty="0"/>
+              <a:t>key</a:t>
+            </a:r>
+            <a:r>
+              <a:rPr kumimoji="1" lang="zh-CN" altLang="en-US" dirty="0"/>
+              <a:t>值，</a:t>
+            </a:r>
+            <a:r>
+              <a:rPr kumimoji="1" lang="en-US" altLang="zh-CN" dirty="0"/>
+              <a:t>m</a:t>
+            </a:r>
+            <a:r>
+              <a:rPr kumimoji="1" lang="zh-CN" altLang="en-US" dirty="0"/>
+              <a:t>作为一个限制网络规模的变量一般取</a:t>
+            </a:r>
+            <a:r>
+              <a:rPr kumimoji="1" lang="en-US" altLang="zh-CN" dirty="0"/>
+              <a:t>160</a:t>
+            </a:r>
+            <a:r>
+              <a:rPr kumimoji="1" lang="zh-CN" altLang="en-US" dirty="0"/>
+              <a:t>，通过哈希函数计算出的结果对</a:t>
+            </a:r>
+            <a:r>
+              <a:rPr kumimoji="1" lang="en-US" altLang="zh-CN" dirty="0"/>
+              <a:t>2m</a:t>
+            </a:r>
+            <a:r>
+              <a:rPr kumimoji="1" lang="zh-CN" altLang="en-US" dirty="0"/>
+              <a:t>取余就得到了</a:t>
+            </a:r>
+            <a:r>
+              <a:rPr kumimoji="1" lang="en-US" altLang="zh-CN" dirty="0"/>
+              <a:t>key</a:t>
+            </a:r>
+          </a:p>
+          <a:p>
+            <a:r>
+              <a:rPr kumimoji="1" lang="zh-CN" altLang="en-US" dirty="0"/>
+              <a:t>可以看出，</a:t>
+            </a:r>
+            <a:r>
+              <a:rPr kumimoji="1" lang="en-US" altLang="zh-CN" dirty="0"/>
+              <a:t>key</a:t>
+            </a:r>
+            <a:r>
+              <a:rPr kumimoji="1" lang="zh-CN" altLang="en-US" dirty="0"/>
+              <a:t>应该是等概率散布在 </a:t>
+            </a:r>
+            <a:r>
+              <a:rPr kumimoji="1" lang="en-US" altLang="zh-CN" dirty="0"/>
+              <a:t>0</a:t>
+            </a:r>
+            <a:r>
+              <a:rPr kumimoji="1" lang="zh-CN" altLang="en-US" dirty="0"/>
+              <a:t> ～ </a:t>
+            </a:r>
+            <a:r>
+              <a:rPr kumimoji="1" lang="en-US" altLang="zh-CN" dirty="0"/>
+              <a:t>2m-1</a:t>
+            </a:r>
+            <a:r>
+              <a:rPr kumimoji="1" lang="zh-CN" altLang="en-US" dirty="0"/>
+              <a:t> 中的。同时我们也得到了一个 </a:t>
+            </a:r>
+            <a:r>
+              <a:rPr kumimoji="1" lang="en-US" altLang="zh-CN" dirty="0"/>
+              <a:t>0</a:t>
+            </a:r>
+            <a:r>
+              <a:rPr kumimoji="1" lang="zh-CN" altLang="en-US" dirty="0"/>
+              <a:t>～</a:t>
+            </a:r>
+            <a:r>
+              <a:rPr kumimoji="1" lang="en-US" altLang="zh-CN" dirty="0"/>
+              <a:t>2m-1</a:t>
+            </a:r>
+            <a:r>
+              <a:rPr kumimoji="1" lang="zh-CN" altLang="en-US" dirty="0"/>
+              <a:t> 的地址空间</a:t>
+            </a:r>
+            <a:endParaRPr kumimoji="1" lang="en-US" altLang="zh-CN" dirty="0"/>
+          </a:p>
+          <a:p>
+            <a:r>
+              <a:rPr kumimoji="1" lang="zh-CN" altLang="en-US" dirty="0"/>
+              <a:t>我们可以认为这些整数首尾相连形成一个环，称之为</a:t>
+            </a:r>
+            <a:r>
+              <a:rPr kumimoji="1" lang="en-US" altLang="zh-CN" dirty="0"/>
+              <a:t>Chord</a:t>
+            </a:r>
+            <a:r>
+              <a:rPr kumimoji="1" lang="zh-CN" altLang="en-US" dirty="0"/>
+              <a:t>环。整数在</a:t>
+            </a:r>
+            <a:r>
+              <a:rPr kumimoji="1" lang="en-US" altLang="zh-CN" dirty="0"/>
+              <a:t>Chord</a:t>
+            </a:r>
+            <a:r>
+              <a:rPr kumimoji="1" lang="zh-CN" altLang="en-US" dirty="0"/>
+              <a:t>环上按大小顺时针排列，</a:t>
+            </a:r>
+            <a:r>
+              <a:rPr kumimoji="1" lang="en-US" altLang="zh-CN" dirty="0"/>
+              <a:t>Node</a:t>
+            </a:r>
+            <a:r>
+              <a:rPr kumimoji="1" lang="zh-CN" altLang="en-US" dirty="0"/>
+              <a:t>（机器的</a:t>
+            </a:r>
+            <a:r>
+              <a:rPr kumimoji="1" lang="en-US" altLang="zh-CN" dirty="0"/>
+              <a:t>IP</a:t>
+            </a:r>
+            <a:r>
+              <a:rPr kumimoji="1" lang="zh-CN" altLang="en-US" dirty="0"/>
+              <a:t>地址和</a:t>
+            </a:r>
+            <a:r>
+              <a:rPr kumimoji="1" lang="en-US" altLang="zh-CN" dirty="0"/>
+              <a:t>Port</a:t>
+            </a:r>
+            <a:r>
+              <a:rPr kumimoji="1" lang="zh-CN" altLang="en-US" dirty="0"/>
+              <a:t>）与</a:t>
+            </a:r>
+            <a:r>
+              <a:rPr kumimoji="1" lang="en-US" altLang="zh-CN" dirty="0"/>
+              <a:t>Key</a:t>
+            </a:r>
+            <a:r>
+              <a:rPr kumimoji="1" lang="zh-CN" altLang="en-US" dirty="0"/>
+              <a:t>（资源标识）都被哈希到</a:t>
+            </a:r>
+            <a:r>
+              <a:rPr kumimoji="1" lang="en-US" altLang="zh-CN" dirty="0"/>
+              <a:t>Chord</a:t>
+            </a:r>
+            <a:r>
+              <a:rPr kumimoji="1" lang="zh-CN" altLang="en-US" dirty="0"/>
+              <a:t>环上，这样我们就假定了整个</a:t>
+            </a:r>
+            <a:r>
+              <a:rPr kumimoji="1" lang="en-US" altLang="zh-CN" dirty="0"/>
+              <a:t>P2P</a:t>
+            </a:r>
+            <a:r>
+              <a:rPr kumimoji="1" lang="zh-CN" altLang="en-US" dirty="0"/>
+              <a:t>网络的状态为一个虚拟的环，因此我们说</a:t>
+            </a:r>
+            <a:r>
+              <a:rPr kumimoji="1" lang="en-US" altLang="zh-CN" dirty="0"/>
+              <a:t>Chord</a:t>
+            </a:r>
+            <a:r>
+              <a:rPr kumimoji="1" lang="zh-CN" altLang="en-US" dirty="0"/>
+              <a:t>是结构化的</a:t>
+            </a:r>
+            <a:r>
+              <a:rPr kumimoji="1" lang="en-US" altLang="zh-CN" dirty="0"/>
+              <a:t>P2P</a:t>
+            </a:r>
+            <a:r>
+              <a:rPr kumimoji="1" lang="zh-CN" altLang="en-US" dirty="0"/>
+              <a:t>网络。</a:t>
+            </a:r>
             <a:endParaRPr kumimoji="1" lang="en-US" altLang="zh-CN" dirty="0"/>
           </a:p>
         </p:txBody>
@@ -736,6 +935,162 @@
           <a:bodyPr/>
           <a:lstStyle/>
           <a:p>
+            <a:r>
+              <a:rPr lang="zh-CN" altLang="en-US" sz="1200" b="0" i="0" u="none" strike="noStrike" kern="1200" dirty="0">
+                <a:solidFill>
+                  <a:schemeClr val="tx1"/>
+                </a:solidFill>
+                <a:effectLst/>
+                <a:latin typeface="+mn-lt"/>
+                <a:ea typeface="+mn-ea"/>
+                <a:cs typeface="+mn-cs"/>
+              </a:rPr>
+              <a:t>沿</a:t>
+            </a:r>
+            <a:r>
+              <a:rPr lang="en" altLang="zh-CN" sz="1200" b="0" i="0" u="none" strike="noStrike" kern="1200" dirty="0">
+                <a:solidFill>
+                  <a:schemeClr val="tx1"/>
+                </a:solidFill>
+                <a:effectLst/>
+                <a:latin typeface="+mn-lt"/>
+                <a:ea typeface="+mn-ea"/>
+                <a:cs typeface="+mn-cs"/>
+              </a:rPr>
+              <a:t>Chord</a:t>
+            </a:r>
+            <a:r>
+              <a:rPr lang="zh-CN" altLang="en-US" sz="1200" b="0" i="0" u="none" strike="noStrike" kern="1200" dirty="0">
+                <a:solidFill>
+                  <a:schemeClr val="tx1"/>
+                </a:solidFill>
+                <a:effectLst/>
+                <a:latin typeface="+mn-lt"/>
+                <a:ea typeface="+mn-ea"/>
+                <a:cs typeface="+mn-cs"/>
+              </a:rPr>
+              <a:t>环，</a:t>
+            </a:r>
+            <a:r>
+              <a:rPr lang="en" altLang="zh-CN" sz="1200" b="0" i="0" u="none" strike="noStrike" kern="1200" dirty="0">
+                <a:solidFill>
+                  <a:schemeClr val="tx1"/>
+                </a:solidFill>
+                <a:effectLst/>
+                <a:latin typeface="+mn-lt"/>
+                <a:ea typeface="+mn-ea"/>
+                <a:cs typeface="+mn-cs"/>
+              </a:rPr>
+              <a:t>hash(Node)&gt;=hash(key)</a:t>
+            </a:r>
+            <a:r>
+              <a:rPr lang="zh-CN" altLang="en-US" sz="1200" b="0" i="0" u="none" strike="noStrike" kern="1200" dirty="0">
+                <a:solidFill>
+                  <a:schemeClr val="tx1"/>
+                </a:solidFill>
+                <a:effectLst/>
+                <a:latin typeface="+mn-lt"/>
+                <a:ea typeface="+mn-ea"/>
+                <a:cs typeface="+mn-cs"/>
+              </a:rPr>
+              <a:t>的第一个</a:t>
+            </a:r>
+            <a:r>
+              <a:rPr lang="en" altLang="zh-CN" sz="1200" b="0" i="0" u="none" strike="noStrike" kern="1200" dirty="0">
+                <a:solidFill>
+                  <a:schemeClr val="tx1"/>
+                </a:solidFill>
+                <a:effectLst/>
+                <a:latin typeface="+mn-lt"/>
+                <a:ea typeface="+mn-ea"/>
+                <a:cs typeface="+mn-cs"/>
+              </a:rPr>
+              <a:t>Node</a:t>
+            </a:r>
+            <a:r>
+              <a:rPr lang="zh-CN" altLang="en" sz="1200" b="0" i="0" u="none" strike="noStrike" kern="1200" dirty="0">
+                <a:solidFill>
+                  <a:schemeClr val="tx1"/>
+                </a:solidFill>
+                <a:effectLst/>
+                <a:latin typeface="+mn-lt"/>
+                <a:ea typeface="+mn-ea"/>
+                <a:cs typeface="+mn-cs"/>
+              </a:rPr>
+              <a:t>，</a:t>
+            </a:r>
+            <a:r>
+              <a:rPr lang="zh-CN" altLang="en-US" sz="1200" b="0" i="0" u="none" strike="noStrike" kern="1200" dirty="0">
+                <a:solidFill>
+                  <a:schemeClr val="tx1"/>
+                </a:solidFill>
+                <a:effectLst/>
+                <a:latin typeface="+mn-lt"/>
+                <a:ea typeface="+mn-ea"/>
+                <a:cs typeface="+mn-cs"/>
+              </a:rPr>
+              <a:t>我们称这个</a:t>
+            </a:r>
+            <a:r>
+              <a:rPr lang="en" altLang="zh-CN" sz="1200" b="0" i="0" u="none" strike="noStrike" kern="1200" dirty="0">
+                <a:solidFill>
+                  <a:schemeClr val="tx1"/>
+                </a:solidFill>
+                <a:effectLst/>
+                <a:latin typeface="+mn-lt"/>
+                <a:ea typeface="+mn-ea"/>
+                <a:cs typeface="+mn-cs"/>
+              </a:rPr>
+              <a:t>Node</a:t>
+            </a:r>
+            <a:r>
+              <a:rPr lang="zh-CN" altLang="en-US" sz="1200" b="0" i="0" u="none" strike="noStrike" kern="1200" dirty="0">
+                <a:solidFill>
+                  <a:schemeClr val="tx1"/>
+                </a:solidFill>
+                <a:effectLst/>
+                <a:latin typeface="+mn-lt"/>
+                <a:ea typeface="+mn-ea"/>
+                <a:cs typeface="+mn-cs"/>
+              </a:rPr>
+              <a:t>为这个</a:t>
+            </a:r>
+            <a:r>
+              <a:rPr lang="en" altLang="zh-CN" sz="1200" b="0" i="0" u="none" strike="noStrike" kern="1200" dirty="0">
+                <a:solidFill>
+                  <a:schemeClr val="tx1"/>
+                </a:solidFill>
+                <a:effectLst/>
+                <a:latin typeface="+mn-lt"/>
+                <a:ea typeface="+mn-ea"/>
+                <a:cs typeface="+mn-cs"/>
+              </a:rPr>
+              <a:t>Key</a:t>
+            </a:r>
+            <a:r>
+              <a:rPr lang="zh-CN" altLang="en-US" sz="1200" b="0" i="0" u="none" strike="noStrike" kern="1200" dirty="0">
+                <a:solidFill>
+                  <a:schemeClr val="tx1"/>
+                </a:solidFill>
+                <a:effectLst/>
+                <a:latin typeface="+mn-lt"/>
+                <a:ea typeface="+mn-ea"/>
+                <a:cs typeface="+mn-cs"/>
+              </a:rPr>
+              <a:t>的</a:t>
+            </a:r>
+            <a:r>
+              <a:rPr lang="en" altLang="zh-CN" sz="1200" b="0" i="0" u="none" strike="noStrike" kern="1200" dirty="0">
+                <a:solidFill>
+                  <a:schemeClr val="tx1"/>
+                </a:solidFill>
+                <a:effectLst/>
+                <a:latin typeface="+mn-lt"/>
+                <a:ea typeface="+mn-ea"/>
+                <a:cs typeface="+mn-cs"/>
+              </a:rPr>
+              <a:t>successor</a:t>
+            </a:r>
             <a:endParaRPr kumimoji="1" lang="en-US" altLang="zh-CN" dirty="0"/>
           </a:p>
         </p:txBody>
@@ -821,9 +1176,341 @@
           <a:lstStyle/>
           <a:p>
             <a:r>
+              <a:rPr lang="zh-CN" altLang="en-US" sz="1200" b="0" i="0" u="none" strike="noStrike" kern="1200" dirty="0">
+                <a:solidFill>
+                  <a:schemeClr val="tx1"/>
+                </a:solidFill>
+                <a:effectLst/>
+                <a:latin typeface="+mn-lt"/>
+                <a:ea typeface="+mn-ea"/>
+                <a:cs typeface="+mn-cs"/>
+              </a:rPr>
+              <a:t>很显然，任何查找只要沿</a:t>
+            </a:r>
+            <a:r>
+              <a:rPr lang="en" altLang="zh-CN" sz="1200" b="0" i="0" u="none" strike="noStrike" kern="1200" dirty="0">
+                <a:solidFill>
+                  <a:schemeClr val="tx1"/>
+                </a:solidFill>
+                <a:effectLst/>
+                <a:latin typeface="+mn-lt"/>
+                <a:ea typeface="+mn-ea"/>
+                <a:cs typeface="+mn-cs"/>
+              </a:rPr>
+              <a:t>Chord</a:t>
+            </a:r>
+            <a:r>
+              <a:rPr lang="zh-CN" altLang="en-US" sz="1200" b="0" i="0" u="none" strike="noStrike" kern="1200" dirty="0">
+                <a:solidFill>
+                  <a:schemeClr val="tx1"/>
+                </a:solidFill>
+                <a:effectLst/>
+                <a:latin typeface="+mn-lt"/>
+                <a:ea typeface="+mn-ea"/>
+                <a:cs typeface="+mn-cs"/>
+              </a:rPr>
+              <a:t>环一圈结果肯定可以找到，这样的时间复杂度是</a:t>
+            </a:r>
+            <a:r>
+              <a:rPr lang="en" altLang="zh-CN" sz="1200" b="0" i="0" u="none" strike="noStrike" kern="1200" dirty="0">
+                <a:solidFill>
+                  <a:schemeClr val="tx1"/>
+                </a:solidFill>
+                <a:effectLst/>
+                <a:latin typeface="+mn-lt"/>
+                <a:ea typeface="+mn-ea"/>
+                <a:cs typeface="+mn-cs"/>
+              </a:rPr>
+              <a:t>O(N)</a:t>
+            </a:r>
+            <a:r>
+              <a:rPr lang="zh-CN" altLang="en" sz="1200" b="0" i="0" u="none" strike="noStrike" kern="1200" dirty="0">
+                <a:solidFill>
+                  <a:schemeClr val="tx1"/>
+                </a:solidFill>
+                <a:effectLst/>
+                <a:latin typeface="+mn-lt"/>
+                <a:ea typeface="+mn-ea"/>
+                <a:cs typeface="+mn-cs"/>
+              </a:rPr>
+              <a:t>，</a:t>
+            </a:r>
+            <a:endParaRPr lang="en-US" altLang="zh-CN" sz="1200" b="0" i="0" u="none" strike="noStrike" kern="1200" dirty="0">
+              <a:solidFill>
+                <a:schemeClr val="tx1"/>
+              </a:solidFill>
+              <a:effectLst/>
+              <a:latin typeface="+mn-lt"/>
+              <a:ea typeface="+mn-ea"/>
+              <a:cs typeface="+mn-cs"/>
+            </a:endParaRPr>
+          </a:p>
+          <a:p>
+            <a:r>
+              <a:rPr lang="en" altLang="zh-CN" sz="1200" b="0" i="0" u="none" strike="noStrike" kern="1200" dirty="0">
+                <a:solidFill>
+                  <a:schemeClr val="tx1"/>
+                </a:solidFill>
+                <a:effectLst/>
+                <a:latin typeface="+mn-lt"/>
+                <a:ea typeface="+mn-ea"/>
+                <a:cs typeface="+mn-cs"/>
+              </a:rPr>
+              <a:t>N</a:t>
+            </a:r>
+            <a:r>
+              <a:rPr lang="zh-CN" altLang="en-US" sz="1200" b="0" i="0" u="none" strike="noStrike" kern="1200" dirty="0">
+                <a:solidFill>
+                  <a:schemeClr val="tx1"/>
+                </a:solidFill>
+                <a:effectLst/>
+                <a:latin typeface="+mn-lt"/>
+                <a:ea typeface="+mn-ea"/>
+                <a:cs typeface="+mn-cs"/>
+              </a:rPr>
+              <a:t>为网络节点数，但对一个上百万节点，且节点经常加入、退出的</a:t>
+            </a:r>
+            <a:r>
+              <a:rPr lang="en" altLang="zh-CN" sz="1200" b="0" i="0" u="none" strike="noStrike" kern="1200" dirty="0">
+                <a:solidFill>
+                  <a:schemeClr val="tx1"/>
+                </a:solidFill>
+                <a:effectLst/>
+                <a:latin typeface="+mn-lt"/>
+                <a:ea typeface="+mn-ea"/>
+                <a:cs typeface="+mn-cs"/>
+              </a:rPr>
+              <a:t>P2P</a:t>
+            </a:r>
+            <a:r>
+              <a:rPr lang="zh-CN" altLang="en-US" sz="1200" b="0" i="0" u="none" strike="noStrike" kern="1200" dirty="0">
+                <a:solidFill>
+                  <a:schemeClr val="tx1"/>
+                </a:solidFill>
+                <a:effectLst/>
+                <a:latin typeface="+mn-lt"/>
+                <a:ea typeface="+mn-ea"/>
+                <a:cs typeface="+mn-cs"/>
+              </a:rPr>
+              <a:t>网络来说，</a:t>
+            </a:r>
+            <a:endParaRPr lang="en-US" altLang="zh-CN" sz="1200" b="0" i="0" u="none" strike="noStrike" kern="1200" dirty="0">
+              <a:solidFill>
+                <a:schemeClr val="tx1"/>
+              </a:solidFill>
+              <a:effectLst/>
+              <a:latin typeface="+mn-lt"/>
+              <a:ea typeface="+mn-ea"/>
+              <a:cs typeface="+mn-cs"/>
+            </a:endParaRPr>
+          </a:p>
+          <a:p>
+            <a:r>
+              <a:rPr lang="en" altLang="zh-CN" sz="1200" b="0" i="0" u="none" strike="noStrike" kern="1200" dirty="0">
+                <a:solidFill>
+                  <a:schemeClr val="tx1"/>
+                </a:solidFill>
+                <a:effectLst/>
+                <a:latin typeface="+mn-lt"/>
+                <a:ea typeface="+mn-ea"/>
+                <a:cs typeface="+mn-cs"/>
+              </a:rPr>
+              <a:t>O(N)</a:t>
+            </a:r>
+            <a:r>
+              <a:rPr lang="zh-CN" altLang="en-US" sz="1200" b="0" i="0" u="none" strike="noStrike" kern="1200" dirty="0">
+                <a:solidFill>
+                  <a:schemeClr val="tx1"/>
+                </a:solidFill>
+                <a:effectLst/>
+                <a:latin typeface="+mn-lt"/>
+                <a:ea typeface="+mn-ea"/>
+                <a:cs typeface="+mn-cs"/>
+              </a:rPr>
+              <a:t>是不可忍受的，因此</a:t>
+            </a:r>
+            <a:r>
+              <a:rPr lang="en" altLang="zh-CN" sz="1200" b="0" i="0" u="none" strike="noStrike" kern="1200" dirty="0">
+                <a:solidFill>
+                  <a:schemeClr val="tx1"/>
+                </a:solidFill>
+                <a:effectLst/>
+                <a:latin typeface="+mn-lt"/>
+                <a:ea typeface="+mn-ea"/>
+                <a:cs typeface="+mn-cs"/>
+              </a:rPr>
+              <a:t>Chord</a:t>
+            </a:r>
+            <a:r>
+              <a:rPr lang="zh-CN" altLang="en-US" sz="1200" b="0" i="0" u="none" strike="noStrike" kern="1200" dirty="0">
+                <a:solidFill>
+                  <a:schemeClr val="tx1"/>
+                </a:solidFill>
+                <a:effectLst/>
+                <a:latin typeface="+mn-lt"/>
+                <a:ea typeface="+mn-ea"/>
+                <a:cs typeface="+mn-cs"/>
+              </a:rPr>
+              <a:t>提出了下面非线性查找的算法：</a:t>
+            </a:r>
+            <a:endParaRPr lang="en-US" altLang="zh-CN" sz="1200" b="0" i="0" u="none" strike="noStrike" kern="1200" dirty="0">
+              <a:solidFill>
+                <a:schemeClr val="tx1"/>
+              </a:solidFill>
+              <a:effectLst/>
+              <a:latin typeface="+mn-lt"/>
+              <a:ea typeface="+mn-ea"/>
+              <a:cs typeface="+mn-cs"/>
+            </a:endParaRPr>
+          </a:p>
+          <a:p>
+            <a:r>
+              <a:rPr kumimoji="1" lang="en-US" altLang="zh-CN" dirty="0"/>
+              <a:t>1. </a:t>
+            </a:r>
+            <a:r>
               <a:rPr kumimoji="1" lang="zh-CN" altLang="en-US" dirty="0"/>
-              <a:t>这些就是我今天分享的全部内容，希望大家都能有所收获，同时对我的项目存在的问题提出宝贵的意见，谢谢大家。</a:t>
-            </a:r>
+              <a:t>查看</a:t>
+            </a:r>
+            <a:r>
+              <a:rPr kumimoji="1" lang="en-US" altLang="zh-CN" dirty="0"/>
+              <a:t>Key</a:t>
+            </a:r>
+            <a:r>
+              <a:rPr kumimoji="1" lang="zh-CN" altLang="en-US" dirty="0"/>
+              <a:t>的哈希是否落在节点</a:t>
+            </a:r>
+            <a:r>
+              <a:rPr kumimoji="1" lang="en-US" altLang="zh-CN" dirty="0"/>
+              <a:t>n</a:t>
+            </a:r>
+            <a:r>
+              <a:rPr kumimoji="1" lang="zh-CN" altLang="en-US" dirty="0"/>
+              <a:t>和其直接</a:t>
+            </a:r>
+            <a:r>
+              <a:rPr kumimoji="1" lang="en-US" altLang="zh-CN" dirty="0"/>
+              <a:t>successor</a:t>
+            </a:r>
+            <a:r>
+              <a:rPr kumimoji="1" lang="zh-CN" altLang="en-US" dirty="0"/>
+              <a:t>之间，若是结束查找，</a:t>
+            </a:r>
+            <a:r>
+              <a:rPr kumimoji="1" lang="en-US" altLang="zh-CN" dirty="0"/>
+              <a:t>n</a:t>
+            </a:r>
+            <a:r>
+              <a:rPr kumimoji="1" lang="zh-CN" altLang="en-US" dirty="0"/>
+              <a:t>的</a:t>
+            </a:r>
+            <a:r>
+              <a:rPr kumimoji="1" lang="en-US" altLang="zh-CN" dirty="0"/>
+              <a:t>successor</a:t>
+            </a:r>
+            <a:r>
+              <a:rPr kumimoji="1" lang="zh-CN" altLang="en-US" dirty="0"/>
+              <a:t>即为所找</a:t>
+            </a:r>
+          </a:p>
+          <a:p>
+            <a:r>
+              <a:rPr kumimoji="1" lang="en-US" altLang="zh-CN" dirty="0"/>
+              <a:t>2. </a:t>
+            </a:r>
+            <a:r>
+              <a:rPr kumimoji="1" lang="zh-CN" altLang="en-US" dirty="0"/>
+              <a:t>在</a:t>
+            </a:r>
+            <a:r>
+              <a:rPr kumimoji="1" lang="en-US" altLang="zh-CN" dirty="0"/>
+              <a:t>n</a:t>
+            </a:r>
+            <a:r>
+              <a:rPr kumimoji="1" lang="zh-CN" altLang="en-US" dirty="0"/>
+              <a:t>的</a:t>
+            </a:r>
+            <a:r>
+              <a:rPr kumimoji="1" lang="en-US" altLang="zh-CN" dirty="0"/>
+              <a:t>Finger</a:t>
+            </a:r>
+            <a:r>
+              <a:rPr kumimoji="1" lang="zh-CN" altLang="en-US" dirty="0"/>
+              <a:t>表中，找出与</a:t>
+            </a:r>
+            <a:r>
+              <a:rPr kumimoji="1" lang="en-US" altLang="zh-CN" dirty="0"/>
+              <a:t>hash(Key)</a:t>
+            </a:r>
+            <a:r>
+              <a:rPr kumimoji="1" lang="zh-CN" altLang="en-US" dirty="0"/>
+              <a:t>距离最近且</a:t>
+            </a:r>
+            <a:r>
+              <a:rPr kumimoji="1" lang="en-US" altLang="zh-CN" dirty="0"/>
+              <a:t>&lt;hash(Key)</a:t>
+            </a:r>
+            <a:r>
+              <a:rPr kumimoji="1" lang="zh-CN" altLang="en-US" dirty="0"/>
+              <a:t>的</a:t>
+            </a:r>
+            <a:r>
+              <a:rPr kumimoji="1" lang="en-US" altLang="zh-CN" dirty="0"/>
+              <a:t>n</a:t>
+            </a:r>
+            <a:r>
+              <a:rPr kumimoji="1" lang="zh-CN" altLang="en-US" dirty="0"/>
+              <a:t>的</a:t>
+            </a:r>
+            <a:r>
+              <a:rPr kumimoji="1" lang="en-US" altLang="zh-CN" dirty="0"/>
+              <a:t>successor</a:t>
+            </a:r>
+            <a:r>
+              <a:rPr kumimoji="1" lang="zh-CN" altLang="en-US" dirty="0"/>
+              <a:t>，该节点也是</a:t>
+            </a:r>
+            <a:r>
+              <a:rPr kumimoji="1" lang="en-US" altLang="zh-CN" dirty="0"/>
+              <a:t>Finger</a:t>
+            </a:r>
+            <a:r>
+              <a:rPr kumimoji="1" lang="zh-CN" altLang="en-US" dirty="0"/>
+              <a:t>表中最接近</a:t>
+            </a:r>
+            <a:r>
+              <a:rPr kumimoji="1" lang="en-US" altLang="zh-CN" dirty="0"/>
+              <a:t>Key</a:t>
+            </a:r>
+            <a:r>
+              <a:rPr kumimoji="1" lang="zh-CN" altLang="en-US" dirty="0"/>
+              <a:t>的</a:t>
+            </a:r>
+            <a:r>
+              <a:rPr kumimoji="1" lang="en-US" altLang="zh-CN" dirty="0"/>
+              <a:t>predecessor</a:t>
+            </a:r>
+            <a:r>
+              <a:rPr kumimoji="1" lang="zh-CN" altLang="en-US" dirty="0"/>
+              <a:t>，把查找请求转发到该节点</a:t>
+            </a:r>
+          </a:p>
+          <a:p>
+            <a:r>
+              <a:rPr kumimoji="1" lang="zh-CN" altLang="en-US" dirty="0"/>
+              <a:t>继续上述过程，直至找到</a:t>
+            </a:r>
+            <a:r>
+              <a:rPr kumimoji="1" lang="en-US" altLang="zh-CN" dirty="0"/>
+              <a:t>Key</a:t>
+            </a:r>
+            <a:r>
+              <a:rPr kumimoji="1" lang="zh-CN" altLang="en-US" dirty="0"/>
+              <a:t>对应的节点</a:t>
+            </a:r>
+          </a:p>
+          <a:p>
+            <a:endParaRPr kumimoji="1" lang="en-US" altLang="zh-CN" dirty="0"/>
           </a:p>
         </p:txBody>
       </p:sp>
@@ -845,6 +1532,1325 @@
             <a:fld id="{EBCC0F69-F585-9943-B292-525F7496AE34}" type="slidenum">
               <a:rPr kumimoji="1" lang="zh-CN" altLang="en-US" smtClean="0"/>
               <a:t>13</a:t>
+            </a:fld>
+            <a:endParaRPr kumimoji="1" lang="zh-CN" altLang="en-US"/>
+          </a:p>
+        </p:txBody>
+      </p:sp>
+    </p:spTree>
+    <p:extLst>
+      <p:ext uri="{BB962C8B-B14F-4D97-AF65-F5344CB8AC3E}">
+        <p14:creationId xmlns:p14="http://schemas.microsoft.com/office/powerpoint/2010/main" val="1730792685"/>
+      </p:ext>
+    </p:extLst>
+  </p:cSld>
+  <p:clrMapOvr>
+    <a:masterClrMapping/>
+  </p:clrMapOvr>
+</p:notes>
+</file>
+
+<file path=ppt/notesSlides/notesSlide13.xml><?xml version="1.0" encoding="utf-8"?>
+<p:notes xmlns:a="http://schemas.openxmlformats.org/drawingml/2006/main" xmlns:r="http://schemas.openxmlformats.org/officeDocument/2006/relationships" xmlns:p="http://schemas.openxmlformats.org/presentationml/2006/main">
+  <p:cSld>
+    <p:spTree>
+      <p:nvGrpSpPr>
+        <p:cNvPr id="1" name=""/>
+        <p:cNvGrpSpPr/>
+        <p:nvPr/>
+      </p:nvGrpSpPr>
+      <p:grpSpPr>
+        <a:xfrm>
+          <a:off x="0" y="0"/>
+          <a:ext cx="0" cy="0"/>
+          <a:chOff x="0" y="0"/>
+          <a:chExt cx="0" cy="0"/>
+        </a:xfrm>
+      </p:grpSpPr>
+      <p:sp>
+        <p:nvSpPr>
+          <p:cNvPr id="2" name="幻灯片图像占位符 1"/>
+          <p:cNvSpPr>
+            <a:spLocks noGrp="1" noRot="1" noChangeAspect="1"/>
+          </p:cNvSpPr>
+          <p:nvPr>
+            <p:ph type="sldImg"/>
+          </p:nvPr>
+        </p:nvSpPr>
+        <p:spPr/>
+      </p:sp>
+      <p:sp>
+        <p:nvSpPr>
+          <p:cNvPr id="3" name="备注占位符 2"/>
+          <p:cNvSpPr>
+            <a:spLocks noGrp="1"/>
+          </p:cNvSpPr>
+          <p:nvPr>
+            <p:ph type="body" idx="1"/>
+          </p:nvPr>
+        </p:nvSpPr>
+        <p:spPr/>
+        <p:txBody>
+          <a:bodyPr/>
+          <a:lstStyle/>
+          <a:p>
+            <a:endParaRPr kumimoji="1" lang="en-US" altLang="zh-CN" dirty="0"/>
+          </a:p>
+        </p:txBody>
+      </p:sp>
+      <p:sp>
+        <p:nvSpPr>
+          <p:cNvPr id="4" name="灯片编号占位符 3"/>
+          <p:cNvSpPr>
+            <a:spLocks noGrp="1"/>
+          </p:cNvSpPr>
+          <p:nvPr>
+            <p:ph type="sldNum" sz="quarter" idx="5"/>
+          </p:nvPr>
+        </p:nvSpPr>
+        <p:spPr/>
+        <p:txBody>
+          <a:bodyPr/>
+          <a:lstStyle/>
+          <a:p>
+            <a:fld id="{EBCC0F69-F585-9943-B292-525F7496AE34}" type="slidenum">
+              <a:rPr kumimoji="1" lang="zh-CN" altLang="en-US" smtClean="0"/>
+              <a:t>14</a:t>
+            </a:fld>
+            <a:endParaRPr kumimoji="1" lang="zh-CN" altLang="en-US"/>
+          </a:p>
+        </p:txBody>
+      </p:sp>
+    </p:spTree>
+    <p:extLst>
+      <p:ext uri="{BB962C8B-B14F-4D97-AF65-F5344CB8AC3E}">
+        <p14:creationId xmlns:p14="http://schemas.microsoft.com/office/powerpoint/2010/main" val="1801459653"/>
+      </p:ext>
+    </p:extLst>
+  </p:cSld>
+  <p:clrMapOvr>
+    <a:masterClrMapping/>
+  </p:clrMapOvr>
+</p:notes>
+</file>
+
+<file path=ppt/notesSlides/notesSlide14.xml><?xml version="1.0" encoding="utf-8"?>
+<p:notes xmlns:a="http://schemas.openxmlformats.org/drawingml/2006/main" xmlns:r="http://schemas.openxmlformats.org/officeDocument/2006/relationships" xmlns:p="http://schemas.openxmlformats.org/presentationml/2006/main">
+  <p:cSld>
+    <p:spTree>
+      <p:nvGrpSpPr>
+        <p:cNvPr id="1" name=""/>
+        <p:cNvGrpSpPr/>
+        <p:nvPr/>
+      </p:nvGrpSpPr>
+      <p:grpSpPr>
+        <a:xfrm>
+          <a:off x="0" y="0"/>
+          <a:ext cx="0" cy="0"/>
+          <a:chOff x="0" y="0"/>
+          <a:chExt cx="0" cy="0"/>
+        </a:xfrm>
+      </p:grpSpPr>
+      <p:sp>
+        <p:nvSpPr>
+          <p:cNvPr id="2" name="幻灯片图像占位符 1"/>
+          <p:cNvSpPr>
+            <a:spLocks noGrp="1" noRot="1" noChangeAspect="1"/>
+          </p:cNvSpPr>
+          <p:nvPr>
+            <p:ph type="sldImg"/>
+          </p:nvPr>
+        </p:nvSpPr>
+        <p:spPr/>
+      </p:sp>
+      <p:sp>
+        <p:nvSpPr>
+          <p:cNvPr id="3" name="备注占位符 2"/>
+          <p:cNvSpPr>
+            <a:spLocks noGrp="1"/>
+          </p:cNvSpPr>
+          <p:nvPr>
+            <p:ph type="body" idx="1"/>
+          </p:nvPr>
+        </p:nvSpPr>
+        <p:spPr/>
+        <p:txBody>
+          <a:bodyPr/>
+          <a:lstStyle/>
+          <a:p>
+            <a:r>
+              <a:rPr lang="zh-CN" altLang="en-US" sz="1200" b="0" i="0" u="none" strike="noStrike" kern="1200" dirty="0">
+                <a:solidFill>
+                  <a:schemeClr val="tx1"/>
+                </a:solidFill>
+                <a:effectLst/>
+                <a:latin typeface="+mn-lt"/>
+                <a:ea typeface="+mn-ea"/>
+                <a:cs typeface="+mn-cs"/>
+              </a:rPr>
+              <a:t>假如节点</a:t>
+            </a:r>
+            <a:r>
+              <a:rPr lang="en" altLang="zh-CN" sz="1200" b="0" i="0" u="none" strike="noStrike" kern="1200" dirty="0">
+                <a:solidFill>
+                  <a:schemeClr val="tx1"/>
+                </a:solidFill>
+                <a:effectLst/>
+                <a:latin typeface="+mn-lt"/>
+                <a:ea typeface="+mn-ea"/>
+                <a:cs typeface="+mn-cs"/>
+              </a:rPr>
+              <a:t>n</a:t>
+            </a:r>
+            <a:r>
+              <a:rPr lang="zh-CN" altLang="en-US" sz="1200" b="0" i="0" u="none" strike="noStrike" kern="1200" dirty="0">
+                <a:solidFill>
+                  <a:schemeClr val="tx1"/>
+                </a:solidFill>
+                <a:effectLst/>
+                <a:latin typeface="+mn-lt"/>
+                <a:ea typeface="+mn-ea"/>
+                <a:cs typeface="+mn-cs"/>
+              </a:rPr>
+              <a:t>的</a:t>
+            </a:r>
+            <a:r>
+              <a:rPr lang="en" altLang="zh-CN" sz="1200" b="0" i="0" u="none" strike="noStrike" kern="1200" dirty="0">
+                <a:solidFill>
+                  <a:schemeClr val="tx1"/>
+                </a:solidFill>
+                <a:effectLst/>
+                <a:latin typeface="+mn-lt"/>
+                <a:ea typeface="+mn-ea"/>
+                <a:cs typeface="+mn-cs"/>
+              </a:rPr>
+              <a:t>Finger</a:t>
+            </a:r>
+            <a:r>
+              <a:rPr lang="zh-CN" altLang="en-US" sz="1200" b="0" i="0" u="none" strike="noStrike" kern="1200" dirty="0">
+                <a:solidFill>
+                  <a:schemeClr val="tx1"/>
+                </a:solidFill>
+                <a:effectLst/>
+                <a:latin typeface="+mn-lt"/>
+                <a:ea typeface="+mn-ea"/>
+                <a:cs typeface="+mn-cs"/>
+              </a:rPr>
+              <a:t>表中的第</a:t>
+            </a:r>
+            <a:r>
+              <a:rPr lang="en" altLang="zh-CN" sz="1200" b="0" i="0" u="none" strike="noStrike" kern="1200" dirty="0" err="1">
+                <a:solidFill>
+                  <a:schemeClr val="tx1"/>
+                </a:solidFill>
+                <a:effectLst/>
+                <a:latin typeface="+mn-lt"/>
+                <a:ea typeface="+mn-ea"/>
+                <a:cs typeface="+mn-cs"/>
+              </a:rPr>
+              <a:t>i</a:t>
+            </a:r>
+            <a:r>
+              <a:rPr lang="zh-CN" altLang="en-US" sz="1200" b="0" i="0" u="none" strike="noStrike" kern="1200" dirty="0">
+                <a:solidFill>
+                  <a:schemeClr val="tx1"/>
+                </a:solidFill>
+                <a:effectLst/>
+                <a:latin typeface="+mn-lt"/>
+                <a:ea typeface="+mn-ea"/>
+                <a:cs typeface="+mn-cs"/>
+              </a:rPr>
+              <a:t>个</a:t>
+            </a:r>
+            <a:r>
+              <a:rPr lang="en" altLang="zh-CN" sz="1200" b="0" i="0" u="none" strike="noStrike" kern="1200" dirty="0">
+                <a:solidFill>
+                  <a:schemeClr val="tx1"/>
+                </a:solidFill>
+                <a:effectLst/>
+                <a:latin typeface="+mn-lt"/>
+                <a:ea typeface="+mn-ea"/>
+                <a:cs typeface="+mn-cs"/>
+              </a:rPr>
+              <a:t>successor</a:t>
+            </a:r>
+            <a:r>
+              <a:rPr lang="zh-CN" altLang="en-US" sz="1200" b="0" i="0" u="none" strike="noStrike" kern="1200" dirty="0">
+                <a:solidFill>
+                  <a:schemeClr val="tx1"/>
+                </a:solidFill>
+                <a:effectLst/>
+                <a:latin typeface="+mn-lt"/>
+                <a:ea typeface="+mn-ea"/>
+                <a:cs typeface="+mn-cs"/>
+              </a:rPr>
+              <a:t>与</a:t>
+            </a:r>
+            <a:r>
+              <a:rPr lang="en" altLang="zh-CN" sz="1200" b="0" i="0" u="none" strike="noStrike" kern="1200" dirty="0">
+                <a:solidFill>
+                  <a:schemeClr val="tx1"/>
+                </a:solidFill>
+                <a:effectLst/>
+                <a:latin typeface="+mn-lt"/>
+                <a:ea typeface="+mn-ea"/>
+                <a:cs typeface="+mn-cs"/>
+              </a:rPr>
+              <a:t>Key</a:t>
+            </a:r>
+            <a:r>
+              <a:rPr lang="zh-CN" altLang="en-US" sz="1200" b="0" i="0" u="none" strike="noStrike" kern="1200" dirty="0">
+                <a:solidFill>
+                  <a:schemeClr val="tx1"/>
+                </a:solidFill>
+                <a:effectLst/>
+                <a:latin typeface="+mn-lt"/>
+                <a:ea typeface="+mn-ea"/>
+                <a:cs typeface="+mn-cs"/>
+              </a:rPr>
+              <a:t>的距离最近，则满足：</a:t>
+            </a:r>
+            <a:r>
+              <a:rPr lang="en" altLang="zh-CN" sz="1200" b="0" i="0" u="none" strike="noStrike" kern="1200" dirty="0">
+                <a:solidFill>
+                  <a:schemeClr val="tx1"/>
+                </a:solidFill>
+                <a:effectLst/>
+                <a:latin typeface="+mn-lt"/>
+                <a:ea typeface="+mn-ea"/>
+                <a:cs typeface="+mn-cs"/>
+              </a:rPr>
+              <a:t>Key</a:t>
+            </a:r>
+            <a:r>
+              <a:rPr lang="zh-CN" altLang="en-US" sz="1200" b="0" i="0" u="none" strike="noStrike" kern="1200" dirty="0">
+                <a:solidFill>
+                  <a:schemeClr val="tx1"/>
+                </a:solidFill>
+                <a:effectLst/>
+                <a:latin typeface="+mn-lt"/>
+                <a:ea typeface="+mn-ea"/>
+                <a:cs typeface="+mn-cs"/>
+              </a:rPr>
+              <a:t>处在第</a:t>
+            </a:r>
+            <a:r>
+              <a:rPr lang="en" altLang="zh-CN" sz="1200" b="0" i="0" u="none" strike="noStrike" kern="1200" dirty="0" err="1">
+                <a:solidFill>
+                  <a:schemeClr val="tx1"/>
+                </a:solidFill>
+                <a:effectLst/>
+                <a:latin typeface="+mn-lt"/>
+                <a:ea typeface="+mn-ea"/>
+                <a:cs typeface="+mn-cs"/>
+              </a:rPr>
+              <a:t>i</a:t>
+            </a:r>
+            <a:r>
+              <a:rPr lang="zh-CN" altLang="en-US" sz="1200" b="0" i="0" u="none" strike="noStrike" kern="1200" dirty="0">
+                <a:solidFill>
+                  <a:schemeClr val="tx1"/>
+                </a:solidFill>
+                <a:effectLst/>
+                <a:latin typeface="+mn-lt"/>
+                <a:ea typeface="+mn-ea"/>
+                <a:cs typeface="+mn-cs"/>
+              </a:rPr>
+              <a:t>项与第</a:t>
+            </a:r>
+            <a:r>
+              <a:rPr lang="en" altLang="zh-CN" sz="1200" b="0" i="0" u="none" strike="noStrike" kern="1200" dirty="0">
+                <a:solidFill>
+                  <a:schemeClr val="tx1"/>
+                </a:solidFill>
+                <a:effectLst/>
+                <a:latin typeface="+mn-lt"/>
+                <a:ea typeface="+mn-ea"/>
+                <a:cs typeface="+mn-cs"/>
+              </a:rPr>
+              <a:t>i+1</a:t>
+            </a:r>
+            <a:r>
+              <a:rPr lang="zh-CN" altLang="en-US" sz="1200" b="0" i="0" u="none" strike="noStrike" kern="1200" dirty="0">
+                <a:solidFill>
+                  <a:schemeClr val="tx1"/>
+                </a:solidFill>
+                <a:effectLst/>
+                <a:latin typeface="+mn-lt"/>
+                <a:ea typeface="+mn-ea"/>
+                <a:cs typeface="+mn-cs"/>
+              </a:rPr>
+              <a:t>项中间</a:t>
+            </a:r>
+            <a:endParaRPr lang="en-US" altLang="zh-CN" sz="1200" b="0" i="0" u="none" strike="noStrike" kern="1200" dirty="0">
+              <a:solidFill>
+                <a:schemeClr val="tx1"/>
+              </a:solidFill>
+              <a:effectLst/>
+              <a:latin typeface="+mn-lt"/>
+              <a:ea typeface="+mn-ea"/>
+              <a:cs typeface="+mn-cs"/>
+            </a:endParaRPr>
+          </a:p>
+          <a:p>
+            <a:r>
+              <a:rPr lang="zh-CN" altLang="en-US" dirty="0">
+                <a:effectLst/>
+              </a:rPr>
+              <a:t>不妨记</a:t>
+            </a:r>
+            <a:r>
+              <a:rPr lang="zh-CN" altLang="en-US" sz="1200" b="0" i="0" u="none" strike="noStrike" kern="1200" dirty="0">
+                <a:solidFill>
+                  <a:schemeClr val="tx1"/>
+                </a:solidFill>
+                <a:effectLst/>
+                <a:latin typeface="+mn-lt"/>
+                <a:ea typeface="+mn-ea"/>
+                <a:cs typeface="+mn-cs"/>
+              </a:rPr>
+              <a:t>第</a:t>
+            </a:r>
+            <a:r>
+              <a:rPr lang="en" altLang="zh-CN" sz="1200" b="0" i="0" u="none" strike="noStrike" kern="1200" dirty="0" err="1">
+                <a:solidFill>
+                  <a:schemeClr val="tx1"/>
+                </a:solidFill>
+                <a:effectLst/>
+                <a:latin typeface="+mn-lt"/>
+                <a:ea typeface="+mn-ea"/>
+                <a:cs typeface="+mn-cs"/>
+              </a:rPr>
+              <a:t>i</a:t>
+            </a:r>
+            <a:r>
+              <a:rPr lang="zh-CN" altLang="en-US" sz="1200" b="0" i="0" u="none" strike="noStrike" kern="1200" dirty="0">
+                <a:solidFill>
+                  <a:schemeClr val="tx1"/>
+                </a:solidFill>
+                <a:effectLst/>
+                <a:latin typeface="+mn-lt"/>
+                <a:ea typeface="+mn-ea"/>
+                <a:cs typeface="+mn-cs"/>
+              </a:rPr>
+              <a:t>项为</a:t>
+            </a:r>
+            <a:r>
+              <a:rPr lang="en" altLang="zh-CN" sz="1200" b="0" i="0" u="none" strike="noStrike" kern="1200" dirty="0">
+                <a:solidFill>
+                  <a:schemeClr val="tx1"/>
+                </a:solidFill>
+                <a:effectLst/>
+                <a:latin typeface="+mn-lt"/>
+                <a:ea typeface="+mn-ea"/>
+                <a:cs typeface="+mn-cs"/>
+              </a:rPr>
+              <a:t>J,</a:t>
+            </a:r>
+            <a:r>
+              <a:rPr lang="zh-CN" altLang="en-US" sz="1200" b="0" i="0" u="none" strike="noStrike" kern="1200" dirty="0">
+                <a:solidFill>
+                  <a:schemeClr val="tx1"/>
+                </a:solidFill>
+                <a:effectLst/>
+                <a:latin typeface="+mn-lt"/>
+                <a:ea typeface="+mn-ea"/>
+                <a:cs typeface="+mn-cs"/>
+              </a:rPr>
+              <a:t>第</a:t>
+            </a:r>
+            <a:r>
+              <a:rPr lang="en" altLang="zh-CN" sz="1200" b="0" i="0" u="none" strike="noStrike" kern="1200" dirty="0">
+                <a:solidFill>
+                  <a:schemeClr val="tx1"/>
+                </a:solidFill>
+                <a:effectLst/>
+                <a:latin typeface="+mn-lt"/>
+                <a:ea typeface="+mn-ea"/>
+                <a:cs typeface="+mn-cs"/>
+              </a:rPr>
+              <a:t>i+1</a:t>
+            </a:r>
+            <a:r>
+              <a:rPr lang="zh-CN" altLang="en-US" sz="1200" b="0" i="0" u="none" strike="noStrike" kern="1200" dirty="0">
+                <a:solidFill>
+                  <a:schemeClr val="tx1"/>
+                </a:solidFill>
+                <a:effectLst/>
+                <a:latin typeface="+mn-lt"/>
+                <a:ea typeface="+mn-ea"/>
+                <a:cs typeface="+mn-cs"/>
+              </a:rPr>
+              <a:t>项为</a:t>
+            </a:r>
+            <a:r>
+              <a:rPr lang="en" altLang="zh-CN" sz="1200" b="0" i="0" u="none" strike="noStrike" kern="1200" dirty="0">
+                <a:solidFill>
+                  <a:schemeClr val="tx1"/>
+                </a:solidFill>
+                <a:effectLst/>
+                <a:latin typeface="+mn-lt"/>
+                <a:ea typeface="+mn-ea"/>
+                <a:cs typeface="+mn-cs"/>
+              </a:rPr>
+              <a:t>P</a:t>
+            </a:r>
+          </a:p>
+          <a:p>
+            <a:r>
+              <a:rPr lang="en" altLang="zh-CN" sz="1200" b="0" i="0" u="none" strike="noStrike" kern="1200" dirty="0">
+                <a:solidFill>
+                  <a:schemeClr val="tx1"/>
+                </a:solidFill>
+                <a:effectLst/>
+                <a:latin typeface="+mn-lt"/>
+                <a:ea typeface="+mn-ea"/>
+                <a:cs typeface="+mn-cs"/>
+              </a:rPr>
+              <a:t>J&lt;hash(Key)</a:t>
+            </a:r>
+          </a:p>
+          <a:p>
+            <a:r>
+              <a:rPr lang="en" altLang="zh-CN" sz="1200" b="0" i="0" u="none" strike="noStrike" kern="1200" dirty="0">
+                <a:solidFill>
+                  <a:schemeClr val="tx1"/>
+                </a:solidFill>
+                <a:effectLst/>
+                <a:latin typeface="+mn-lt"/>
+                <a:ea typeface="+mn-ea"/>
+                <a:cs typeface="+mn-cs"/>
+              </a:rPr>
+              <a:t>P&gt;hash(Key)</a:t>
+            </a:r>
+          </a:p>
+          <a:p>
+            <a:pPr marL="0" marR="0" lvl="0" indent="0" algn="l" defTabSz="914400" rtl="0" eaLnBrk="1" fontAlgn="auto" latinLnBrk="0" hangingPunct="1">
+              <a:lnSpc>
+                <a:spcPct val="100000"/>
+              </a:lnSpc>
+              <a:spcBef>
+                <a:spcPts val="0"/>
+              </a:spcBef>
+              <a:spcAft>
+                <a:spcPts val="0"/>
+              </a:spcAft>
+              <a:buClrTx/>
+              <a:buSzTx/>
+              <a:buFontTx/>
+              <a:buNone/>
+              <a:tabLst/>
+              <a:defRPr/>
+            </a:pPr>
+            <a:r>
+              <a:rPr lang="zh-CN" altLang="en-US" dirty="0">
+                <a:effectLst/>
+              </a:rPr>
+              <a:t>可以推出节点</a:t>
+            </a:r>
+            <a:r>
+              <a:rPr lang="en" altLang="zh-CN" sz="1200" b="0" i="0" kern="1200" dirty="0">
+                <a:solidFill>
+                  <a:schemeClr val="tx1"/>
+                </a:solidFill>
+                <a:effectLst/>
+                <a:latin typeface="+mn-lt"/>
+                <a:ea typeface="+mn-ea"/>
+                <a:cs typeface="+mn-cs"/>
+              </a:rPr>
+              <a:t>n</a:t>
+            </a:r>
+            <a:r>
+              <a:rPr lang="zh-CN" altLang="en-US" dirty="0">
+                <a:effectLst/>
+              </a:rPr>
+              <a:t>与</a:t>
+            </a:r>
+            <a:r>
+              <a:rPr lang="en" altLang="zh-CN" sz="1200" b="0" i="0" kern="1200" dirty="0">
+                <a:solidFill>
+                  <a:schemeClr val="tx1"/>
+                </a:solidFill>
+                <a:effectLst/>
+                <a:latin typeface="+mn-lt"/>
+                <a:ea typeface="+mn-ea"/>
+                <a:cs typeface="+mn-cs"/>
+              </a:rPr>
+              <a:t>Key</a:t>
+            </a:r>
+            <a:r>
+              <a:rPr lang="zh-CN" altLang="en-US" dirty="0">
+                <a:effectLst/>
+              </a:rPr>
+              <a:t>的距离应该处在</a:t>
+            </a:r>
+            <a:r>
+              <a:rPr lang="en" altLang="zh-CN" sz="1200" b="0" i="0" kern="1200" dirty="0">
+                <a:solidFill>
+                  <a:schemeClr val="tx1"/>
+                </a:solidFill>
+                <a:effectLst/>
+                <a:latin typeface="+mn-lt"/>
+                <a:ea typeface="+mn-ea"/>
+                <a:cs typeface="+mn-cs"/>
+              </a:rPr>
+              <a:t>n</a:t>
+            </a:r>
+            <a:r>
+              <a:rPr lang="zh-CN" altLang="en-US" dirty="0">
+                <a:effectLst/>
+              </a:rPr>
+              <a:t>与</a:t>
+            </a:r>
+            <a:r>
+              <a:rPr lang="en" altLang="zh-CN" sz="1200" b="0" i="0" kern="1200" dirty="0">
+                <a:solidFill>
+                  <a:schemeClr val="tx1"/>
+                </a:solidFill>
+                <a:effectLst/>
+                <a:latin typeface="+mn-lt"/>
+                <a:ea typeface="+mn-ea"/>
+                <a:cs typeface="+mn-cs"/>
+              </a:rPr>
+              <a:t>J</a:t>
+            </a:r>
+            <a:r>
+              <a:rPr lang="en" altLang="zh-CN" sz="1200" b="0" i="1" kern="1200" dirty="0">
+                <a:solidFill>
+                  <a:schemeClr val="tx1"/>
+                </a:solidFill>
+                <a:effectLst/>
+                <a:latin typeface="+mn-lt"/>
+                <a:ea typeface="+mn-ea"/>
+                <a:cs typeface="+mn-cs"/>
+              </a:rPr>
+              <a:t>J</a:t>
+            </a:r>
+            <a:r>
+              <a:rPr lang="zh-CN" altLang="en-US" dirty="0">
+                <a:effectLst/>
+              </a:rPr>
+              <a:t>和</a:t>
+            </a:r>
+            <a:r>
+              <a:rPr lang="en" altLang="zh-CN" sz="1200" b="0" i="0" kern="1200" dirty="0">
+                <a:solidFill>
+                  <a:schemeClr val="tx1"/>
+                </a:solidFill>
+                <a:effectLst/>
+                <a:latin typeface="+mn-lt"/>
+                <a:ea typeface="+mn-ea"/>
+                <a:cs typeface="+mn-cs"/>
+              </a:rPr>
+              <a:t>P</a:t>
+            </a:r>
+            <a:r>
+              <a:rPr lang="zh-CN" altLang="en-US" dirty="0">
+                <a:effectLst/>
+              </a:rPr>
+              <a:t>的中间，即</a:t>
+            </a:r>
+            <a:r>
+              <a:rPr lang="en-US" altLang="zh-CN" sz="1200" b="0" i="0" kern="1200" dirty="0">
+                <a:solidFill>
+                  <a:schemeClr val="tx1"/>
+                </a:solidFill>
+                <a:effectLst/>
+                <a:latin typeface="+mn-lt"/>
+                <a:ea typeface="+mn-ea"/>
+                <a:cs typeface="+mn-cs"/>
+              </a:rPr>
+              <a:t>2</a:t>
+            </a:r>
+            <a:r>
+              <a:rPr lang="en" altLang="zh-CN" sz="1200" b="0" i="0" kern="1200" dirty="0">
+                <a:solidFill>
+                  <a:schemeClr val="tx1"/>
+                </a:solidFill>
+                <a:effectLst/>
+                <a:latin typeface="+mn-lt"/>
+                <a:ea typeface="+mn-ea"/>
+                <a:cs typeface="+mn-cs"/>
+              </a:rPr>
+              <a:t>i−1&lt;n−hash(Key)&lt;2i2</a:t>
+            </a:r>
+            <a:r>
+              <a:rPr lang="en" altLang="zh-CN" sz="1200" b="0" i="1" kern="1200" dirty="0">
+                <a:solidFill>
+                  <a:schemeClr val="tx1"/>
+                </a:solidFill>
+                <a:effectLst/>
+                <a:latin typeface="+mn-lt"/>
+                <a:ea typeface="+mn-ea"/>
+                <a:cs typeface="+mn-cs"/>
+              </a:rPr>
+              <a:t>i</a:t>
+            </a:r>
+            <a:r>
+              <a:rPr lang="en" altLang="zh-CN" sz="1200" b="0" i="0" kern="1200" dirty="0">
+                <a:solidFill>
+                  <a:schemeClr val="tx1"/>
+                </a:solidFill>
+                <a:effectLst/>
+                <a:latin typeface="+mn-lt"/>
+                <a:ea typeface="+mn-ea"/>
+                <a:cs typeface="+mn-cs"/>
+              </a:rPr>
+              <a:t>−1&lt;</a:t>
+            </a:r>
+            <a:r>
+              <a:rPr lang="en" altLang="zh-CN" sz="1200" b="0" i="1" kern="1200" dirty="0">
+                <a:solidFill>
+                  <a:schemeClr val="tx1"/>
+                </a:solidFill>
+                <a:effectLst/>
+                <a:latin typeface="+mn-lt"/>
+                <a:ea typeface="+mn-ea"/>
+                <a:cs typeface="+mn-cs"/>
+              </a:rPr>
+              <a:t>n</a:t>
+            </a:r>
+            <a:r>
+              <a:rPr lang="en" altLang="zh-CN" sz="1200" b="0" i="0" kern="1200" dirty="0">
+                <a:solidFill>
+                  <a:schemeClr val="tx1"/>
+                </a:solidFill>
+                <a:effectLst/>
+                <a:latin typeface="+mn-lt"/>
+                <a:ea typeface="+mn-ea"/>
+                <a:cs typeface="+mn-cs"/>
+              </a:rPr>
+              <a:t>−</a:t>
+            </a:r>
+            <a:r>
+              <a:rPr lang="en" altLang="zh-CN" sz="1200" b="0" i="1" kern="1200" dirty="0">
+                <a:solidFill>
+                  <a:schemeClr val="tx1"/>
+                </a:solidFill>
+                <a:effectLst/>
+                <a:latin typeface="+mn-lt"/>
+                <a:ea typeface="+mn-ea"/>
+                <a:cs typeface="+mn-cs"/>
+              </a:rPr>
+              <a:t>hash</a:t>
+            </a:r>
+            <a:r>
+              <a:rPr lang="en" altLang="zh-CN" sz="1200" b="0" i="0" kern="1200" dirty="0">
+                <a:solidFill>
+                  <a:schemeClr val="tx1"/>
+                </a:solidFill>
+                <a:effectLst/>
+                <a:latin typeface="+mn-lt"/>
+                <a:ea typeface="+mn-ea"/>
+                <a:cs typeface="+mn-cs"/>
+              </a:rPr>
+              <a:t>(</a:t>
+            </a:r>
+            <a:r>
+              <a:rPr lang="en" altLang="zh-CN" sz="1200" b="0" i="1" kern="1200" dirty="0">
+                <a:solidFill>
+                  <a:schemeClr val="tx1"/>
+                </a:solidFill>
+                <a:effectLst/>
+                <a:latin typeface="+mn-lt"/>
+                <a:ea typeface="+mn-ea"/>
+                <a:cs typeface="+mn-cs"/>
+              </a:rPr>
+              <a:t>Key</a:t>
+            </a:r>
+            <a:r>
+              <a:rPr lang="en" altLang="zh-CN" sz="1200" b="0" i="0" kern="1200" dirty="0">
+                <a:solidFill>
+                  <a:schemeClr val="tx1"/>
+                </a:solidFill>
+                <a:effectLst/>
+                <a:latin typeface="+mn-lt"/>
+                <a:ea typeface="+mn-ea"/>
+                <a:cs typeface="+mn-cs"/>
+              </a:rPr>
+              <a:t>)&lt;2</a:t>
+            </a:r>
+            <a:r>
+              <a:rPr lang="en" altLang="zh-CN" sz="1200" b="0" i="1" kern="1200" dirty="0">
+                <a:solidFill>
+                  <a:schemeClr val="tx1"/>
+                </a:solidFill>
+                <a:effectLst/>
+                <a:latin typeface="+mn-lt"/>
+                <a:ea typeface="+mn-ea"/>
+                <a:cs typeface="+mn-cs"/>
+              </a:rPr>
+              <a:t>i</a:t>
+            </a:r>
+            <a:r>
+              <a:rPr lang="zh-CN" altLang="en" dirty="0">
+                <a:effectLst/>
+              </a:rPr>
+              <a:t>。</a:t>
+            </a:r>
+            <a:r>
+              <a:rPr lang="zh-CN" altLang="en-US" dirty="0">
+                <a:effectLst/>
+              </a:rPr>
+              <a:t>而</a:t>
+            </a:r>
+            <a:r>
+              <a:rPr lang="en" altLang="zh-CN" sz="1200" b="0" i="0" kern="1200" dirty="0">
+                <a:solidFill>
+                  <a:schemeClr val="tx1"/>
+                </a:solidFill>
+                <a:effectLst/>
+                <a:latin typeface="+mn-lt"/>
+                <a:ea typeface="+mn-ea"/>
+                <a:cs typeface="+mn-cs"/>
+              </a:rPr>
+              <a:t>J</a:t>
+            </a:r>
+            <a:r>
+              <a:rPr lang="en" altLang="zh-CN" sz="1200" b="0" i="1" kern="1200" dirty="0">
+                <a:solidFill>
+                  <a:schemeClr val="tx1"/>
+                </a:solidFill>
+                <a:effectLst/>
+                <a:latin typeface="+mn-lt"/>
+                <a:ea typeface="+mn-ea"/>
+                <a:cs typeface="+mn-cs"/>
+              </a:rPr>
+              <a:t>J</a:t>
+            </a:r>
+            <a:r>
+              <a:rPr lang="zh-CN" altLang="en-US" dirty="0">
+                <a:effectLst/>
+              </a:rPr>
+              <a:t>与</a:t>
+            </a:r>
+            <a:r>
+              <a:rPr lang="en" altLang="zh-CN" sz="1200" b="0" i="0" kern="1200" dirty="0" err="1">
+                <a:solidFill>
+                  <a:schemeClr val="tx1"/>
+                </a:solidFill>
+                <a:effectLst/>
+                <a:latin typeface="+mn-lt"/>
+                <a:ea typeface="+mn-ea"/>
+                <a:cs typeface="+mn-cs"/>
+              </a:rPr>
+              <a:t>Key</a:t>
+            </a:r>
+            <a:r>
+              <a:rPr lang="en" altLang="zh-CN" sz="1200" b="0" i="1" kern="1200" dirty="0" err="1">
+                <a:solidFill>
+                  <a:schemeClr val="tx1"/>
+                </a:solidFill>
+                <a:effectLst/>
+                <a:latin typeface="+mn-lt"/>
+                <a:ea typeface="+mn-ea"/>
+                <a:cs typeface="+mn-cs"/>
+              </a:rPr>
+              <a:t>Key</a:t>
+            </a:r>
+            <a:r>
+              <a:rPr lang="zh-CN" altLang="en-US" dirty="0">
+                <a:effectLst/>
+              </a:rPr>
+              <a:t>的距离不超过</a:t>
+            </a:r>
+            <a:r>
+              <a:rPr lang="en" altLang="zh-CN" dirty="0">
+                <a:effectLst/>
+              </a:rPr>
+              <a:t>J</a:t>
+            </a:r>
+            <a:r>
+              <a:rPr lang="zh-CN" altLang="en-US" dirty="0">
+                <a:effectLst/>
+              </a:rPr>
+              <a:t>与</a:t>
+            </a:r>
+            <a:r>
+              <a:rPr lang="en" altLang="zh-CN" dirty="0">
+                <a:effectLst/>
+              </a:rPr>
+              <a:t>P</a:t>
+            </a:r>
+            <a:r>
+              <a:rPr lang="zh-CN" altLang="en-US" dirty="0">
+                <a:effectLst/>
+              </a:rPr>
+              <a:t>的距离，即</a:t>
+            </a:r>
+            <a:r>
+              <a:rPr lang="en" altLang="zh-CN" sz="1200" b="0" i="0" kern="1200" dirty="0">
+                <a:solidFill>
+                  <a:schemeClr val="tx1"/>
+                </a:solidFill>
+                <a:effectLst/>
+                <a:latin typeface="+mn-lt"/>
+                <a:ea typeface="+mn-ea"/>
+                <a:cs typeface="+mn-cs"/>
+              </a:rPr>
+              <a:t>J−hash(Key)≤P−J=2i−1</a:t>
+            </a:r>
+            <a:r>
+              <a:rPr lang="en" altLang="zh-CN" sz="1200" b="0" i="1" kern="1200" dirty="0">
+                <a:solidFill>
+                  <a:schemeClr val="tx1"/>
+                </a:solidFill>
+                <a:effectLst/>
+                <a:latin typeface="+mn-lt"/>
+                <a:ea typeface="+mn-ea"/>
+                <a:cs typeface="+mn-cs"/>
+              </a:rPr>
+              <a:t>J</a:t>
+            </a:r>
+            <a:r>
+              <a:rPr lang="en" altLang="zh-CN" sz="1200" b="0" i="0" kern="1200" dirty="0">
+                <a:solidFill>
+                  <a:schemeClr val="tx1"/>
+                </a:solidFill>
+                <a:effectLst/>
+                <a:latin typeface="+mn-lt"/>
+                <a:ea typeface="+mn-ea"/>
+                <a:cs typeface="+mn-cs"/>
+              </a:rPr>
+              <a:t>−</a:t>
+            </a:r>
+            <a:r>
+              <a:rPr lang="en" altLang="zh-CN" sz="1200" b="0" i="1" kern="1200" dirty="0">
+                <a:solidFill>
+                  <a:schemeClr val="tx1"/>
+                </a:solidFill>
+                <a:effectLst/>
+                <a:latin typeface="+mn-lt"/>
+                <a:ea typeface="+mn-ea"/>
+                <a:cs typeface="+mn-cs"/>
+              </a:rPr>
+              <a:t>hash</a:t>
+            </a:r>
+            <a:r>
+              <a:rPr lang="en" altLang="zh-CN" sz="1200" b="0" i="0" kern="1200" dirty="0">
+                <a:solidFill>
+                  <a:schemeClr val="tx1"/>
+                </a:solidFill>
+                <a:effectLst/>
+                <a:latin typeface="+mn-lt"/>
+                <a:ea typeface="+mn-ea"/>
+                <a:cs typeface="+mn-cs"/>
+              </a:rPr>
+              <a:t>(</a:t>
+            </a:r>
+            <a:r>
+              <a:rPr lang="en" altLang="zh-CN" sz="1200" b="0" i="1" kern="1200" dirty="0">
+                <a:solidFill>
+                  <a:schemeClr val="tx1"/>
+                </a:solidFill>
+                <a:effectLst/>
+                <a:latin typeface="+mn-lt"/>
+                <a:ea typeface="+mn-ea"/>
+                <a:cs typeface="+mn-cs"/>
+              </a:rPr>
+              <a:t>Key</a:t>
+            </a:r>
+            <a:r>
+              <a:rPr lang="en" altLang="zh-CN" sz="1200" b="0" i="0" kern="1200" dirty="0">
+                <a:solidFill>
+                  <a:schemeClr val="tx1"/>
+                </a:solidFill>
+                <a:effectLst/>
+                <a:latin typeface="+mn-lt"/>
+                <a:ea typeface="+mn-ea"/>
+                <a:cs typeface="+mn-cs"/>
+              </a:rPr>
+              <a:t>)≤</a:t>
+            </a:r>
+            <a:r>
+              <a:rPr lang="en" altLang="zh-CN" sz="1200" b="0" i="1" kern="1200" dirty="0">
+                <a:solidFill>
+                  <a:schemeClr val="tx1"/>
+                </a:solidFill>
+                <a:effectLst/>
+                <a:latin typeface="+mn-lt"/>
+                <a:ea typeface="+mn-ea"/>
+                <a:cs typeface="+mn-cs"/>
+              </a:rPr>
+              <a:t>P</a:t>
+            </a:r>
+            <a:r>
+              <a:rPr lang="en" altLang="zh-CN" sz="1200" b="0" i="0" kern="1200" dirty="0">
+                <a:solidFill>
+                  <a:schemeClr val="tx1"/>
+                </a:solidFill>
+                <a:effectLst/>
+                <a:latin typeface="+mn-lt"/>
+                <a:ea typeface="+mn-ea"/>
+                <a:cs typeface="+mn-cs"/>
+              </a:rPr>
+              <a:t>−</a:t>
+            </a:r>
+            <a:r>
+              <a:rPr lang="en" altLang="zh-CN" sz="1200" b="0" i="1" kern="1200" dirty="0">
+                <a:solidFill>
+                  <a:schemeClr val="tx1"/>
+                </a:solidFill>
+                <a:effectLst/>
+                <a:latin typeface="+mn-lt"/>
+                <a:ea typeface="+mn-ea"/>
+                <a:cs typeface="+mn-cs"/>
+              </a:rPr>
+              <a:t>J</a:t>
+            </a:r>
+            <a:r>
+              <a:rPr lang="en" altLang="zh-CN" sz="1200" b="0" i="0" kern="1200" dirty="0">
+                <a:solidFill>
+                  <a:schemeClr val="tx1"/>
+                </a:solidFill>
+                <a:effectLst/>
+                <a:latin typeface="+mn-lt"/>
+                <a:ea typeface="+mn-ea"/>
+                <a:cs typeface="+mn-cs"/>
+              </a:rPr>
+              <a:t>=2</a:t>
+            </a:r>
+            <a:r>
+              <a:rPr lang="en" altLang="zh-CN" sz="1200" b="0" i="1" kern="1200" dirty="0">
+                <a:solidFill>
+                  <a:schemeClr val="tx1"/>
+                </a:solidFill>
+                <a:effectLst/>
+                <a:latin typeface="+mn-lt"/>
+                <a:ea typeface="+mn-ea"/>
+                <a:cs typeface="+mn-cs"/>
+              </a:rPr>
+              <a:t>i</a:t>
+            </a:r>
+            <a:r>
+              <a:rPr lang="en" altLang="zh-CN" sz="1200" b="0" i="0" kern="1200" dirty="0">
+                <a:solidFill>
+                  <a:schemeClr val="tx1"/>
+                </a:solidFill>
+                <a:effectLst/>
+                <a:latin typeface="+mn-lt"/>
+                <a:ea typeface="+mn-ea"/>
+                <a:cs typeface="+mn-cs"/>
+              </a:rPr>
+              <a:t>−1</a:t>
+            </a:r>
+            <a:r>
+              <a:rPr lang="zh-CN" altLang="en-US" dirty="0">
+                <a:effectLst/>
+              </a:rPr>
+              <a:t>也就是说</a:t>
+            </a:r>
+            <a:r>
+              <a:rPr lang="en" altLang="zh-CN" sz="1200" b="0" i="0" kern="1200" dirty="0">
+                <a:solidFill>
+                  <a:schemeClr val="tx1"/>
+                </a:solidFill>
+                <a:effectLst/>
+                <a:latin typeface="+mn-lt"/>
+                <a:ea typeface="+mn-ea"/>
+                <a:cs typeface="+mn-cs"/>
+              </a:rPr>
+              <a:t>J</a:t>
+            </a:r>
+            <a:r>
+              <a:rPr lang="en" altLang="zh-CN" sz="1200" b="0" i="1" kern="1200" dirty="0">
+                <a:solidFill>
+                  <a:schemeClr val="tx1"/>
+                </a:solidFill>
+                <a:effectLst/>
+                <a:latin typeface="+mn-lt"/>
+                <a:ea typeface="+mn-ea"/>
+                <a:cs typeface="+mn-cs"/>
+              </a:rPr>
+              <a:t>J</a:t>
+            </a:r>
+            <a:r>
+              <a:rPr lang="zh-CN" altLang="en-US" dirty="0">
+                <a:effectLst/>
+              </a:rPr>
+              <a:t>与</a:t>
+            </a:r>
+            <a:r>
+              <a:rPr lang="en" altLang="zh-CN" sz="1200" b="0" i="0" kern="1200" dirty="0" err="1">
+                <a:solidFill>
+                  <a:schemeClr val="tx1"/>
+                </a:solidFill>
+                <a:effectLst/>
+                <a:latin typeface="+mn-lt"/>
+                <a:ea typeface="+mn-ea"/>
+                <a:cs typeface="+mn-cs"/>
+              </a:rPr>
+              <a:t>Key</a:t>
+            </a:r>
+            <a:r>
+              <a:rPr lang="en" altLang="zh-CN" sz="1200" b="0" i="1" kern="1200" dirty="0" err="1">
+                <a:solidFill>
+                  <a:schemeClr val="tx1"/>
+                </a:solidFill>
+                <a:effectLst/>
+                <a:latin typeface="+mn-lt"/>
+                <a:ea typeface="+mn-ea"/>
+                <a:cs typeface="+mn-cs"/>
+              </a:rPr>
+              <a:t>Key</a:t>
+            </a:r>
+            <a:r>
+              <a:rPr lang="zh-CN" altLang="en-US" dirty="0">
+                <a:effectLst/>
+              </a:rPr>
+              <a:t>的距离，小于</a:t>
+            </a:r>
+            <a:r>
+              <a:rPr lang="en" altLang="zh-CN" dirty="0">
+                <a:effectLst/>
+              </a:rPr>
+              <a:t>n</a:t>
+            </a:r>
+            <a:r>
+              <a:rPr lang="zh-CN" altLang="en-US" dirty="0">
+                <a:effectLst/>
+              </a:rPr>
+              <a:t>与</a:t>
+            </a:r>
+            <a:r>
+              <a:rPr lang="en" altLang="zh-CN" dirty="0">
+                <a:effectLst/>
+              </a:rPr>
+              <a:t>Key</a:t>
+            </a:r>
+            <a:r>
+              <a:rPr lang="zh-CN" altLang="en-US" dirty="0">
+                <a:effectLst/>
+              </a:rPr>
+              <a:t>的距离，并且该距离小于</a:t>
+            </a:r>
+            <a:r>
+              <a:rPr lang="en" altLang="zh-CN" sz="1200" b="0" i="0" kern="1200" dirty="0" err="1">
+                <a:solidFill>
+                  <a:schemeClr val="tx1"/>
+                </a:solidFill>
+                <a:effectLst/>
+                <a:latin typeface="+mn-lt"/>
+                <a:ea typeface="+mn-ea"/>
+                <a:cs typeface="+mn-cs"/>
+              </a:rPr>
+              <a:t>n</a:t>
+            </a:r>
+            <a:r>
+              <a:rPr lang="en" altLang="zh-CN" sz="1200" b="0" i="1" kern="1200" dirty="0" err="1">
+                <a:solidFill>
+                  <a:schemeClr val="tx1"/>
+                </a:solidFill>
+                <a:effectLst/>
+                <a:latin typeface="+mn-lt"/>
+                <a:ea typeface="+mn-ea"/>
+                <a:cs typeface="+mn-cs"/>
+              </a:rPr>
+              <a:t>n</a:t>
+            </a:r>
+            <a:r>
+              <a:rPr lang="zh-CN" altLang="en-US" dirty="0">
+                <a:effectLst/>
+              </a:rPr>
+              <a:t>与</a:t>
+            </a:r>
+            <a:r>
+              <a:rPr lang="en" altLang="zh-CN" sz="1200" b="0" i="0" kern="1200" dirty="0" err="1">
+                <a:solidFill>
+                  <a:schemeClr val="tx1"/>
+                </a:solidFill>
+                <a:effectLst/>
+                <a:latin typeface="+mn-lt"/>
+                <a:ea typeface="+mn-ea"/>
+                <a:cs typeface="+mn-cs"/>
+              </a:rPr>
+              <a:t>Key</a:t>
+            </a:r>
+            <a:r>
+              <a:rPr lang="en" altLang="zh-CN" sz="1200" b="0" i="1" kern="1200" dirty="0" err="1">
+                <a:solidFill>
+                  <a:schemeClr val="tx1"/>
+                </a:solidFill>
+                <a:effectLst/>
+                <a:latin typeface="+mn-lt"/>
+                <a:ea typeface="+mn-ea"/>
+                <a:cs typeface="+mn-cs"/>
+              </a:rPr>
+              <a:t>Key</a:t>
+            </a:r>
+            <a:r>
+              <a:rPr lang="zh-CN" altLang="en-US" dirty="0">
+                <a:effectLst/>
+              </a:rPr>
+              <a:t>距离的一半，这样我们就证明了，每次迭代与</a:t>
+            </a:r>
+            <a:r>
+              <a:rPr lang="en" altLang="zh-CN" sz="1200" b="0" i="0" kern="1200" dirty="0" err="1">
+                <a:solidFill>
+                  <a:schemeClr val="tx1"/>
+                </a:solidFill>
+                <a:effectLst/>
+                <a:latin typeface="+mn-lt"/>
+                <a:ea typeface="+mn-ea"/>
+                <a:cs typeface="+mn-cs"/>
+              </a:rPr>
+              <a:t>Key</a:t>
+            </a:r>
+            <a:r>
+              <a:rPr lang="en" altLang="zh-CN" sz="1200" b="0" i="1" kern="1200" dirty="0" err="1">
+                <a:solidFill>
+                  <a:schemeClr val="tx1"/>
+                </a:solidFill>
+                <a:effectLst/>
+                <a:latin typeface="+mn-lt"/>
+                <a:ea typeface="+mn-ea"/>
+                <a:cs typeface="+mn-cs"/>
+              </a:rPr>
+              <a:t>Key</a:t>
+            </a:r>
+            <a:r>
+              <a:rPr lang="zh-CN" altLang="en-US" dirty="0">
+                <a:effectLst/>
+              </a:rPr>
+              <a:t>的距离都会按</a:t>
+            </a:r>
+            <a:r>
+              <a:rPr lang="en-US" altLang="zh-CN" sz="1200" b="0" i="0" kern="1200" dirty="0">
+                <a:solidFill>
+                  <a:schemeClr val="tx1"/>
+                </a:solidFill>
+                <a:effectLst/>
+                <a:latin typeface="+mn-lt"/>
+                <a:ea typeface="+mn-ea"/>
+                <a:cs typeface="+mn-cs"/>
+              </a:rPr>
+              <a:t>22</a:t>
+            </a:r>
+            <a:r>
+              <a:rPr lang="zh-CN" altLang="en-US" dirty="0">
+                <a:effectLst/>
+              </a:rPr>
+              <a:t>的指数收敛（即折半）。</a:t>
+            </a:r>
+          </a:p>
+          <a:p>
+            <a:endParaRPr lang="en" altLang="zh-CN" sz="1200" b="0" i="0" u="none" strike="noStrike" kern="1200" dirty="0">
+              <a:solidFill>
+                <a:schemeClr val="tx1"/>
+              </a:solidFill>
+              <a:effectLst/>
+              <a:latin typeface="+mn-lt"/>
+              <a:ea typeface="+mn-ea"/>
+              <a:cs typeface="+mn-cs"/>
+            </a:endParaRPr>
+          </a:p>
+        </p:txBody>
+      </p:sp>
+      <p:sp>
+        <p:nvSpPr>
+          <p:cNvPr id="4" name="灯片编号占位符 3"/>
+          <p:cNvSpPr>
+            <a:spLocks noGrp="1"/>
+          </p:cNvSpPr>
+          <p:nvPr>
+            <p:ph type="sldNum" sz="quarter" idx="5"/>
+          </p:nvPr>
+        </p:nvSpPr>
+        <p:spPr/>
+        <p:txBody>
+          <a:bodyPr/>
+          <a:lstStyle/>
+          <a:p>
+            <a:fld id="{EBCC0F69-F585-9943-B292-525F7496AE34}" type="slidenum">
+              <a:rPr kumimoji="1" lang="zh-CN" altLang="en-US" smtClean="0"/>
+              <a:t>15</a:t>
+            </a:fld>
+            <a:endParaRPr kumimoji="1" lang="zh-CN" altLang="en-US"/>
+          </a:p>
+        </p:txBody>
+      </p:sp>
+    </p:spTree>
+    <p:extLst>
+      <p:ext uri="{BB962C8B-B14F-4D97-AF65-F5344CB8AC3E}">
+        <p14:creationId xmlns:p14="http://schemas.microsoft.com/office/powerpoint/2010/main" val="3434068501"/>
+      </p:ext>
+    </p:extLst>
+  </p:cSld>
+  <p:clrMapOvr>
+    <a:masterClrMapping/>
+  </p:clrMapOvr>
+</p:notes>
+</file>
+
+<file path=ppt/notesSlides/notesSlide15.xml><?xml version="1.0" encoding="utf-8"?>
+<p:notes xmlns:a="http://schemas.openxmlformats.org/drawingml/2006/main" xmlns:r="http://schemas.openxmlformats.org/officeDocument/2006/relationships" xmlns:p="http://schemas.openxmlformats.org/presentationml/2006/main">
+  <p:cSld>
+    <p:spTree>
+      <p:nvGrpSpPr>
+        <p:cNvPr id="1" name=""/>
+        <p:cNvGrpSpPr/>
+        <p:nvPr/>
+      </p:nvGrpSpPr>
+      <p:grpSpPr>
+        <a:xfrm>
+          <a:off x="0" y="0"/>
+          <a:ext cx="0" cy="0"/>
+          <a:chOff x="0" y="0"/>
+          <a:chExt cx="0" cy="0"/>
+        </a:xfrm>
+      </p:grpSpPr>
+      <p:sp>
+        <p:nvSpPr>
+          <p:cNvPr id="2" name="幻灯片图像占位符 1"/>
+          <p:cNvSpPr>
+            <a:spLocks noGrp="1" noRot="1" noChangeAspect="1"/>
+          </p:cNvSpPr>
+          <p:nvPr>
+            <p:ph type="sldImg"/>
+          </p:nvPr>
+        </p:nvSpPr>
+        <p:spPr/>
+      </p:sp>
+      <p:sp>
+        <p:nvSpPr>
+          <p:cNvPr id="3" name="备注占位符 2"/>
+          <p:cNvSpPr>
+            <a:spLocks noGrp="1"/>
+          </p:cNvSpPr>
+          <p:nvPr>
+            <p:ph type="body" idx="1"/>
+          </p:nvPr>
+        </p:nvSpPr>
+        <p:spPr/>
+        <p:txBody>
+          <a:bodyPr/>
+          <a:lstStyle/>
+          <a:p>
+            <a:r>
+              <a:rPr kumimoji="1" lang="zh-CN" altLang="en-US" dirty="0"/>
+              <a:t>这些就是我今天分享的全部内容，希望大家都能有所收获，同时对我的项目存在的问题提出宝贵的意见，谢谢大家。</a:t>
+            </a:r>
+          </a:p>
+        </p:txBody>
+      </p:sp>
+      <p:sp>
+        <p:nvSpPr>
+          <p:cNvPr id="4" name="灯片编号占位符 3"/>
+          <p:cNvSpPr>
+            <a:spLocks noGrp="1"/>
+          </p:cNvSpPr>
+          <p:nvPr>
+            <p:ph type="sldNum" sz="quarter" idx="5"/>
+          </p:nvPr>
+        </p:nvSpPr>
+        <p:spPr/>
+        <p:txBody>
+          <a:bodyPr/>
+          <a:lstStyle/>
+          <a:p>
+            <a:fld id="{EBCC0F69-F585-9943-B292-525F7496AE34}" type="slidenum">
+              <a:rPr kumimoji="1" lang="zh-CN" altLang="en-US" smtClean="0"/>
+              <a:t>16</a:t>
             </a:fld>
             <a:endParaRPr kumimoji="1" lang="zh-CN" altLang="en-US"/>
           </a:p>
@@ -1712,14 +3718,36 @@
           <a:p>
             <a:r>
               <a:rPr kumimoji="1" lang="zh-CN" altLang="en-US" dirty="0"/>
-              <a:t>事先声明一下：在文件的定位中，我们不关注具体在某一个计算机上一个文件是如何存储的，而只是关注给出一个文件名，如何找到存储他的主机。</a:t>
+              <a:t>总结一下基于目录与泛红查询的优缺点，如果担心单点故障以及低可扩展性，我们应该采用分布式模型，如果担心长时间的查询，我们应该采用一定的数据结构保存节点信息。</a:t>
             </a:r>
             <a:endParaRPr kumimoji="1" lang="en-US" altLang="zh-CN" dirty="0"/>
           </a:p>
           <a:p>
             <a:r>
               <a:rPr kumimoji="1" lang="zh-CN" altLang="en-US" dirty="0"/>
-              <a:t>很自然的，分别有三种实现方法</a:t>
+              <a:t>但是存储节点信息是一件很微妙的事情</a:t>
+            </a:r>
+            <a:endParaRPr kumimoji="1" lang="en-US" altLang="zh-CN" dirty="0"/>
+          </a:p>
+          <a:p>
+            <a:r>
+              <a:rPr kumimoji="1" lang="zh-CN" altLang="en-US" dirty="0"/>
+              <a:t>但是我们不希望在同一个节点中存储整个集群的信息，同时我们又希望存储的信息足够我们快速定位到想要寻找的节点</a:t>
+            </a:r>
+            <a:endParaRPr kumimoji="1" lang="en-US" altLang="zh-CN" dirty="0"/>
+          </a:p>
+          <a:p>
+            <a:r>
+              <a:rPr kumimoji="1" lang="zh-CN" altLang="en-US" dirty="0"/>
+              <a:t>我们引入</a:t>
+            </a:r>
+            <a:r>
+              <a:rPr kumimoji="1" lang="en-US" altLang="zh-CN" dirty="0"/>
+              <a:t>chord</a:t>
+            </a:r>
+            <a:r>
+              <a:rPr kumimoji="1" lang="zh-CN" altLang="en-US" dirty="0"/>
+              <a:t> 算法，他正如他的名字一样，“像和弦一样优雅”</a:t>
             </a:r>
             <a:endParaRPr kumimoji="1" lang="en-US" altLang="zh-CN" dirty="0"/>
           </a:p>
@@ -2006,7 +4034,7 @@
             <a:fld id="{86F384C6-77FA-4AF6-AF10-492DE6DC1E29}" type="datetimeFigureOut">
               <a:rPr lang="zh-CN" altLang="en-US" smtClean="0"/>
               <a:pPr/>
-              <a:t>2021/11/12</a:t>
+              <a:t>2021/11/13</a:t>
             </a:fld>
             <a:endParaRPr lang="zh-CN" altLang="en-US"/>
           </a:p>
@@ -3268,8 +5296,8 @@
         </p:nvSpPr>
         <p:spPr>
           <a:xfrm>
-            <a:off x="9426222" y="3090446"/>
-            <a:ext cx="1725280" cy="677108"/>
+            <a:off x="8906931" y="3090446"/>
+            <a:ext cx="3097002" cy="677108"/>
           </a:xfrm>
           <a:prstGeom prst="rect">
             <a:avLst/>
@@ -3290,7 +5318,7 @@
                 <a:latin typeface="微软雅黑" panose="020B0503020204020204" pitchFamily="34" charset="-122"/>
                 <a:ea typeface="微软雅黑" panose="020B0503020204020204" pitchFamily="34" charset="-122"/>
               </a:rPr>
-              <a:t>Chord</a:t>
+              <a:t>MIT-Chord</a:t>
             </a:r>
             <a:endParaRPr kumimoji="1" lang="zh-CN" altLang="en-US" sz="4400" b="1" dirty="0">
               <a:solidFill>
@@ -3408,6 +5436,101 @@
               </a:rPr>
               <a:t>technique</a:t>
             </a:r>
+          </a:p>
+        </p:txBody>
+      </p:sp>
+      <p:pic>
+        <p:nvPicPr>
+          <p:cNvPr id="9" name="Picture 6" descr="If two nodes are at a distance 11 apart along the ring (i.e., there are 10 nodes between them), it takes three hops to send a message from one to the other. The first hop covers a distance of 8 units, the second 2 units, and the final hop 1 unit.">
+            <a:extLst>
+              <a:ext uri="{FF2B5EF4-FFF2-40B4-BE49-F238E27FC236}">
+                <a16:creationId xmlns:a16="http://schemas.microsoft.com/office/drawing/2014/main" id="{4079D467-016F-DD4D-B798-F78E86BC7CDD}"/>
+              </a:ext>
+            </a:extLst>
+          </p:cNvPr>
+          <p:cNvPicPr>
+            <a:picLocks noChangeAspect="1" noChangeArrowheads="1"/>
+          </p:cNvPicPr>
+          <p:nvPr/>
+        </p:nvPicPr>
+        <p:blipFill>
+          <a:blip r:embed="rId3">
+            <a:extLst>
+              <a:ext uri="{28A0092B-C50C-407E-A947-70E740481C1C}">
+                <a14:useLocalDpi xmlns:a14="http://schemas.microsoft.com/office/drawing/2010/main" val="0"/>
+              </a:ext>
+            </a:extLst>
+          </a:blip>
+          <a:srcRect/>
+          <a:stretch>
+            <a:fillRect/>
+          </a:stretch>
+        </p:blipFill>
+        <p:spPr bwMode="auto">
+          <a:xfrm>
+            <a:off x="9205082" y="938906"/>
+            <a:ext cx="2151540" cy="2151540"/>
+          </a:xfrm>
+          <a:prstGeom prst="rect">
+            <a:avLst/>
+          </a:prstGeom>
+          <a:noFill/>
+          <a:extLst>
+            <a:ext uri="{909E8E84-426E-40DD-AFC4-6F175D3DCCD1}">
+              <a14:hiddenFill xmlns:a14="http://schemas.microsoft.com/office/drawing/2010/main">
+                <a:solidFill>
+                  <a:srgbClr val="FFFFFF"/>
+                </a:solidFill>
+              </a14:hiddenFill>
+            </a:ext>
+          </a:extLst>
+        </p:spPr>
+      </p:pic>
+      <p:sp>
+        <p:nvSpPr>
+          <p:cNvPr id="7" name="文本框 6">
+            <a:extLst>
+              <a:ext uri="{FF2B5EF4-FFF2-40B4-BE49-F238E27FC236}">
+                <a16:creationId xmlns:a16="http://schemas.microsoft.com/office/drawing/2014/main" id="{FFAA3CD0-AD71-3D45-BC0A-D0ED40423952}"/>
+              </a:ext>
+            </a:extLst>
+          </p:cNvPr>
+          <p:cNvSpPr txBox="1"/>
+          <p:nvPr/>
+        </p:nvSpPr>
+        <p:spPr>
+          <a:xfrm>
+            <a:off x="1916564" y="5122206"/>
+            <a:ext cx="8208786" cy="830997"/>
+          </a:xfrm>
+          <a:prstGeom prst="rect">
+            <a:avLst/>
+          </a:prstGeom>
+          <a:noFill/>
+        </p:spPr>
+        <p:txBody>
+          <a:bodyPr wrap="none" lIns="0" tIns="0" rIns="0" bIns="0" rtlCol="0">
+            <a:spAutoFit/>
+          </a:bodyPr>
+          <a:lstStyle/>
+          <a:p>
+            <a:r>
+              <a:rPr kumimoji="1" lang="en-US" altLang="zh-CN" sz="5400" b="1" dirty="0">
+                <a:solidFill>
+                  <a:schemeClr val="accent6"/>
+                </a:solidFill>
+                <a:latin typeface="微软雅黑" panose="020B0503020204020204" pitchFamily="34" charset="-122"/>
+                <a:ea typeface="微软雅黑" panose="020B0503020204020204" pitchFamily="34" charset="-122"/>
+              </a:rPr>
+              <a:t>“Elegant as a chord !”</a:t>
+            </a:r>
+            <a:endParaRPr kumimoji="1" lang="zh-CN" altLang="en-US" sz="5400" b="1" dirty="0">
+              <a:solidFill>
+                <a:schemeClr val="accent6"/>
+              </a:solidFill>
+              <a:latin typeface="微软雅黑" panose="020B0503020204020204" pitchFamily="34" charset="-122"/>
+              <a:ea typeface="微软雅黑" panose="020B0503020204020204" pitchFamily="34" charset="-122"/>
+            </a:endParaRPr>
           </a:p>
         </p:txBody>
       </p:sp>
@@ -3421,11 +5544,11 @@
   <p:clrMapOvr>
     <a:masterClrMapping/>
   </p:clrMapOvr>
-  <mc:AlternateContent xmlns:mc="http://schemas.openxmlformats.org/markup-compatibility/2006">
-    <mc:Choice xmlns:p14="http://schemas.microsoft.com/office/powerpoint/2010/main" Requires="p14">
+  <mc:AlternateContent xmlns:mc="http://schemas.openxmlformats.org/markup-compatibility/2006" xmlns:p14="http://schemas.microsoft.com/office/powerpoint/2010/main">
+    <mc:Choice Requires="p14">
       <p:transition spd="slow" p14:dur="1600"/>
     </mc:Choice>
-    <mc:Fallback>
+    <mc:Fallback xmlns="">
       <p:transition spd="slow"/>
     </mc:Fallback>
   </mc:AlternateContent>
@@ -3449,6 +5572,53 @@
           <a:chExt cx="0" cy="0"/>
         </a:xfrm>
       </p:grpSpPr>
+      <p:pic>
+        <p:nvPicPr>
+          <p:cNvPr id="6" name="Picture 4">
+            <a:extLst>
+              <a:ext uri="{FF2B5EF4-FFF2-40B4-BE49-F238E27FC236}">
+                <a16:creationId xmlns:a16="http://schemas.microsoft.com/office/drawing/2014/main" id="{33043A07-2DFC-8B4F-A7A1-66C2AB13970D}"/>
+              </a:ext>
+            </a:extLst>
+          </p:cNvPr>
+          <p:cNvPicPr>
+            <a:picLocks noChangeAspect="1" noChangeArrowheads="1"/>
+          </p:cNvPicPr>
+          <p:nvPr/>
+        </p:nvPicPr>
+        <p:blipFill>
+          <a:blip r:embed="rId3">
+            <a:extLst>
+              <a:ext uri="{28A0092B-C50C-407E-A947-70E740481C1C}">
+                <a14:useLocalDpi xmlns:a14="http://schemas.microsoft.com/office/drawing/2010/main" val="0"/>
+              </a:ext>
+            </a:extLst>
+          </a:blip>
+          <a:srcRect/>
+          <a:stretch>
+            <a:fillRect/>
+          </a:stretch>
+        </p:blipFill>
+        <p:spPr bwMode="auto">
+          <a:xfrm>
+            <a:off x="6306712" y="361245"/>
+            <a:ext cx="5180199" cy="4747313"/>
+          </a:xfrm>
+          <a:prstGeom prst="rect">
+            <a:avLst/>
+          </a:prstGeom>
+          <a:noFill/>
+          <a:extLst>
+            <a:ext uri="{909E8E84-426E-40DD-AFC4-6F175D3DCCD1}">
+              <a14:hiddenFill xmlns:a14="http://schemas.microsoft.com/office/drawing/2010/main">
+                <a:solidFill>
+                  <a:srgbClr val="FFFFFF"/>
+                </a:solidFill>
+              </a14:hiddenFill>
+            </a:ext>
+          </a:extLst>
+        </p:spPr>
+      </p:pic>
       <p:sp>
         <p:nvSpPr>
           <p:cNvPr id="2" name="文本框 1">
@@ -3533,7 +5703,7 @@
         </p:nvSpPr>
         <p:spPr>
           <a:xfrm>
-            <a:off x="1336901" y="1658330"/>
+            <a:off x="199424" y="1473327"/>
             <a:ext cx="6107288" cy="2308324"/>
           </a:xfrm>
           <a:prstGeom prst="rect">
@@ -3548,10 +5718,17 @@
           <a:lstStyle/>
           <a:p>
             <a:r>
-              <a:rPr lang="en-US" altLang="zh-CN" sz="3600" dirty="0"/>
+              <a:rPr lang="en-US" altLang="zh-CN" sz="3600" dirty="0">
+                <a:highlight>
+                  <a:srgbClr val="FFFF00"/>
+                </a:highlight>
+              </a:rPr>
               <a:t>Key</a:t>
             </a:r>
-            <a:endParaRPr lang="zh-CN" altLang="en-US" sz="3600" dirty="0"/>
+            <a:r>
+              <a:rPr lang="zh-CN" altLang="en-US" sz="3600" dirty="0"/>
+              <a:t> </a:t>
+            </a:r>
           </a:p>
           <a:p>
             <a:r>
@@ -3673,15 +5850,53 @@
           <p:nvPr/>
         </p:nvPicPr>
         <p:blipFill>
-          <a:blip r:embed="rId3"/>
+          <a:blip r:embed="rId4">
+            <a:duotone>
+              <a:schemeClr val="accent1">
+                <a:shade val="45000"/>
+                <a:satMod val="135000"/>
+              </a:schemeClr>
+              <a:prstClr val="white"/>
+            </a:duotone>
+          </a:blip>
           <a:stretch>
             <a:fillRect/>
           </a:stretch>
         </p:blipFill>
         <p:spPr>
           <a:xfrm>
-            <a:off x="1497647" y="4492050"/>
+            <a:off x="199424" y="4925970"/>
             <a:ext cx="9196706" cy="492443"/>
+          </a:xfrm>
+          <a:prstGeom prst="rect">
+            <a:avLst/>
+          </a:prstGeom>
+        </p:spPr>
+      </p:pic>
+      <p:pic>
+        <p:nvPicPr>
+          <p:cNvPr id="7" name="图片 6">
+            <a:extLst>
+              <a:ext uri="{FF2B5EF4-FFF2-40B4-BE49-F238E27FC236}">
+                <a16:creationId xmlns:a16="http://schemas.microsoft.com/office/drawing/2014/main" id="{136812F9-42C0-ED4A-A33F-87AAA9E097F7}"/>
+              </a:ext>
+            </a:extLst>
+          </p:cNvPr>
+          <p:cNvPicPr>
+            <a:picLocks noChangeAspect="1"/>
+          </p:cNvPicPr>
+          <p:nvPr/>
+        </p:nvPicPr>
+        <p:blipFill>
+          <a:blip r:embed="rId5"/>
+          <a:stretch>
+            <a:fillRect/>
+          </a:stretch>
+        </p:blipFill>
+        <p:spPr>
+          <a:xfrm>
+            <a:off x="1038329" y="5557043"/>
+            <a:ext cx="4719004" cy="1005689"/>
           </a:xfrm>
           <a:prstGeom prst="rect">
             <a:avLst/>
@@ -3698,11 +5913,11 @@
   <p:clrMapOvr>
     <a:masterClrMapping/>
   </p:clrMapOvr>
-  <mc:AlternateContent xmlns:mc="http://schemas.openxmlformats.org/markup-compatibility/2006">
-    <mc:Choice xmlns:p14="http://schemas.microsoft.com/office/powerpoint/2010/main" Requires="p14">
+  <mc:AlternateContent xmlns:mc="http://schemas.openxmlformats.org/markup-compatibility/2006" xmlns:p14="http://schemas.microsoft.com/office/powerpoint/2010/main">
+    <mc:Choice Requires="p14">
       <p:transition spd="slow" p14:dur="1600"/>
     </mc:Choice>
-    <mc:Fallback>
+    <mc:Fallback xmlns="">
       <p:transition spd="slow"/>
     </mc:Fallback>
   </mc:AlternateContent>
@@ -3905,8 +6120,8 @@
         </p:nvSpPr>
         <p:spPr>
           <a:xfrm>
-            <a:off x="6232787" y="2055420"/>
-            <a:ext cx="6158088" cy="3170099"/>
+            <a:off x="7655187" y="3429000"/>
+            <a:ext cx="2504813" cy="3170099"/>
           </a:xfrm>
           <a:prstGeom prst="rect">
             <a:avLst/>
@@ -3968,8 +6183,8 @@
         </p:nvSpPr>
         <p:spPr>
           <a:xfrm>
-            <a:off x="6232787" y="1569457"/>
-            <a:ext cx="2096728" cy="430887"/>
+            <a:off x="7734210" y="2976904"/>
+            <a:ext cx="2606412" cy="430887"/>
           </a:xfrm>
           <a:prstGeom prst="rect">
             <a:avLst/>
@@ -3977,7 +6192,7 @@
           <a:noFill/>
         </p:spPr>
         <p:txBody>
-          <a:bodyPr wrap="none" lIns="0" tIns="0" rIns="0" bIns="0" rtlCol="0">
+          <a:bodyPr wrap="square" lIns="0" tIns="0" rIns="0" bIns="0" rtlCol="0">
             <a:spAutoFit/>
           </a:bodyPr>
           <a:lstStyle/>
@@ -4032,10 +6247,603 @@
           </a:prstGeom>
         </p:spPr>
       </p:pic>
+      <p:sp>
+        <p:nvSpPr>
+          <p:cNvPr id="11" name="文本框 10">
+            <a:extLst>
+              <a:ext uri="{FF2B5EF4-FFF2-40B4-BE49-F238E27FC236}">
+                <a16:creationId xmlns:a16="http://schemas.microsoft.com/office/drawing/2014/main" id="{5965629D-8388-4B43-8099-0A387E2E8D7E}"/>
+              </a:ext>
+            </a:extLst>
+          </p:cNvPr>
+          <p:cNvSpPr txBox="1"/>
+          <p:nvPr/>
+        </p:nvSpPr>
+        <p:spPr>
+          <a:xfrm>
+            <a:off x="6130574" y="1600781"/>
+            <a:ext cx="6158088" cy="523220"/>
+          </a:xfrm>
+          <a:prstGeom prst="rect">
+            <a:avLst/>
+          </a:prstGeom>
+          <a:noFill/>
+        </p:spPr>
+        <p:txBody>
+          <a:bodyPr wrap="square">
+            <a:spAutoFit/>
+          </a:bodyPr>
+          <a:lstStyle/>
+          <a:p>
+            <a:r>
+              <a:rPr lang="en" altLang="zh-CN" sz="2800" b="0" i="0" u="none" strike="noStrike" kern="1200" dirty="0">
+                <a:solidFill>
+                  <a:schemeClr val="tx1"/>
+                </a:solidFill>
+                <a:effectLst/>
+                <a:latin typeface="+mn-lt"/>
+                <a:ea typeface="+mn-ea"/>
+                <a:cs typeface="+mn-cs"/>
+              </a:rPr>
+              <a:t>Return hash(Node) &gt;= hash(key)</a:t>
+            </a:r>
+            <a:endParaRPr lang="zh-CN" altLang="en-US" sz="2800" dirty="0"/>
+          </a:p>
+        </p:txBody>
+      </p:sp>
     </p:spTree>
     <p:extLst>
       <p:ext uri="{BB962C8B-B14F-4D97-AF65-F5344CB8AC3E}">
         <p14:creationId xmlns:p14="http://schemas.microsoft.com/office/powerpoint/2010/main" val="1280980381"/>
+      </p:ext>
+    </p:extLst>
+  </p:cSld>
+  <p:clrMapOvr>
+    <a:masterClrMapping/>
+  </p:clrMapOvr>
+  <mc:AlternateContent xmlns:mc="http://schemas.openxmlformats.org/markup-compatibility/2006" xmlns:p14="http://schemas.microsoft.com/office/powerpoint/2010/main">
+    <mc:Choice Requires="p14">
+      <p:transition spd="slow" p14:dur="1600"/>
+    </mc:Choice>
+    <mc:Fallback xmlns="">
+      <p:transition spd="slow"/>
+    </mc:Fallback>
+  </mc:AlternateContent>
+</p:sld>
+</file>
+
+<file path=ppt/slides/slide13.xml><?xml version="1.0" encoding="utf-8"?>
+<p:sld xmlns:a="http://schemas.openxmlformats.org/drawingml/2006/main" xmlns:r="http://schemas.openxmlformats.org/officeDocument/2006/relationships" xmlns:p="http://schemas.openxmlformats.org/presentationml/2006/main">
+  <p:cSld>
+    <p:spTree>
+      <p:nvGrpSpPr>
+        <p:cNvPr id="1" name=""/>
+        <p:cNvGrpSpPr/>
+        <p:nvPr/>
+      </p:nvGrpSpPr>
+      <p:grpSpPr>
+        <a:xfrm>
+          <a:off x="0" y="0"/>
+          <a:ext cx="0" cy="0"/>
+          <a:chOff x="0" y="0"/>
+          <a:chExt cx="0" cy="0"/>
+        </a:xfrm>
+      </p:grpSpPr>
+      <p:sp>
+        <p:nvSpPr>
+          <p:cNvPr id="2" name="文本框 1">
+            <a:extLst>
+              <a:ext uri="{FF2B5EF4-FFF2-40B4-BE49-F238E27FC236}">
+                <a16:creationId xmlns:a16="http://schemas.microsoft.com/office/drawing/2014/main" id="{C875DA79-53EC-1742-998E-62A4C25E22A0}"/>
+              </a:ext>
+            </a:extLst>
+          </p:cNvPr>
+          <p:cNvSpPr txBox="1"/>
+          <p:nvPr/>
+        </p:nvSpPr>
+        <p:spPr>
+          <a:xfrm>
+            <a:off x="1399822" y="361245"/>
+            <a:ext cx="5981446" cy="492443"/>
+          </a:xfrm>
+          <a:prstGeom prst="rect">
+            <a:avLst/>
+          </a:prstGeom>
+          <a:noFill/>
+        </p:spPr>
+        <p:txBody>
+          <a:bodyPr wrap="none" lIns="0" tIns="0" rIns="0" bIns="0" rtlCol="0">
+            <a:spAutoFit/>
+          </a:bodyPr>
+          <a:lstStyle/>
+          <a:p>
+            <a:r>
+              <a:rPr kumimoji="1" lang="en-US" altLang="zh-CN" sz="3200" b="1" dirty="0">
+                <a:latin typeface="微软雅黑" panose="020B0503020204020204" pitchFamily="34" charset="-122"/>
+                <a:ea typeface="微软雅黑" panose="020B0503020204020204" pitchFamily="34" charset="-122"/>
+              </a:rPr>
+              <a:t>Theorem</a:t>
+            </a:r>
+            <a:r>
+              <a:rPr kumimoji="1" lang="zh-CN" altLang="en-US" sz="3200" b="1" dirty="0">
+                <a:latin typeface="微软雅黑" panose="020B0503020204020204" pitchFamily="34" charset="-122"/>
+                <a:ea typeface="微软雅黑" panose="020B0503020204020204" pitchFamily="34" charset="-122"/>
+              </a:rPr>
+              <a:t> ： </a:t>
+            </a:r>
+            <a:r>
+              <a:rPr kumimoji="1" lang="en-US" altLang="zh-CN" sz="3200" b="1" dirty="0">
+                <a:latin typeface="微软雅黑" panose="020B0503020204020204" pitchFamily="34" charset="-122"/>
+                <a:ea typeface="微软雅黑" panose="020B0503020204020204" pitchFamily="34" charset="-122"/>
+              </a:rPr>
+              <a:t>Chord</a:t>
+            </a:r>
+            <a:r>
+              <a:rPr kumimoji="1" lang="zh-CN" altLang="en-US" sz="3200" b="1" dirty="0">
+                <a:latin typeface="微软雅黑" panose="020B0503020204020204" pitchFamily="34" charset="-122"/>
+                <a:ea typeface="微软雅黑" panose="020B0503020204020204" pitchFamily="34" charset="-122"/>
+              </a:rPr>
+              <a:t> </a:t>
+            </a:r>
+            <a:r>
+              <a:rPr kumimoji="1" lang="en-US" altLang="zh-CN" sz="3200" b="1" dirty="0">
+                <a:latin typeface="微软雅黑" panose="020B0503020204020204" pitchFamily="34" charset="-122"/>
+                <a:ea typeface="微软雅黑" panose="020B0503020204020204" pitchFamily="34" charset="-122"/>
+              </a:rPr>
+              <a:t>Algorithm</a:t>
+            </a:r>
+            <a:endParaRPr kumimoji="1" lang="zh-CN" altLang="en-US" sz="3200" b="1" dirty="0">
+              <a:latin typeface="微软雅黑" panose="020B0503020204020204" pitchFamily="34" charset="-122"/>
+              <a:ea typeface="微软雅黑" panose="020B0503020204020204" pitchFamily="34" charset="-122"/>
+            </a:endParaRPr>
+          </a:p>
+        </p:txBody>
+      </p:sp>
+      <p:sp>
+        <p:nvSpPr>
+          <p:cNvPr id="3" name="文本框 2">
+            <a:extLst>
+              <a:ext uri="{FF2B5EF4-FFF2-40B4-BE49-F238E27FC236}">
+                <a16:creationId xmlns:a16="http://schemas.microsoft.com/office/drawing/2014/main" id="{197DF70E-C45B-EE4C-9755-BC5C4895C57D}"/>
+              </a:ext>
+            </a:extLst>
+          </p:cNvPr>
+          <p:cNvSpPr txBox="1"/>
+          <p:nvPr/>
+        </p:nvSpPr>
+        <p:spPr>
+          <a:xfrm>
+            <a:off x="0" y="1069047"/>
+            <a:ext cx="12207701" cy="2769989"/>
+          </a:xfrm>
+          <a:prstGeom prst="rect">
+            <a:avLst/>
+          </a:prstGeom>
+          <a:noFill/>
+        </p:spPr>
+        <p:txBody>
+          <a:bodyPr wrap="none" lIns="0" tIns="0" rIns="0" bIns="0" rtlCol="0">
+            <a:spAutoFit/>
+          </a:bodyPr>
+          <a:lstStyle/>
+          <a:p>
+            <a:r>
+              <a:rPr kumimoji="1" lang="en-US" altLang="zh-CN" sz="3600" b="1" dirty="0">
+                <a:solidFill>
+                  <a:schemeClr val="accent1"/>
+                </a:solidFill>
+                <a:latin typeface="微软雅黑" panose="020B0503020204020204" pitchFamily="34" charset="-122"/>
+                <a:ea typeface="微软雅黑" panose="020B0503020204020204" pitchFamily="34" charset="-122"/>
+              </a:rPr>
+              <a:t>Finger Table </a:t>
+            </a:r>
+            <a:r>
+              <a:rPr kumimoji="1" lang="en-US" altLang="zh-CN" sz="3600" b="1" dirty="0">
+                <a:latin typeface="微软雅黑" panose="020B0503020204020204" pitchFamily="34" charset="-122"/>
+                <a:ea typeface="微软雅黑" panose="020B0503020204020204" pitchFamily="34" charset="-122"/>
+              </a:rPr>
+              <a:t>( </a:t>
+            </a:r>
+            <a:r>
+              <a:rPr kumimoji="1" lang="en-US" altLang="zh-CN" sz="3600" b="1" dirty="0" err="1">
+                <a:latin typeface="微软雅黑" panose="020B0503020204020204" pitchFamily="34" charset="-122"/>
+                <a:ea typeface="微软雅黑" panose="020B0503020204020204" pitchFamily="34" charset="-122"/>
+              </a:rPr>
+              <a:t>Node_i</a:t>
+            </a:r>
+            <a:r>
+              <a:rPr kumimoji="1" lang="en-US" altLang="zh-CN" sz="3600" b="1" dirty="0">
+                <a:latin typeface="微软雅黑" panose="020B0503020204020204" pitchFamily="34" charset="-122"/>
+                <a:ea typeface="微软雅黑" panose="020B0503020204020204" pitchFamily="34" charset="-122"/>
+              </a:rPr>
+              <a:t> ):</a:t>
+            </a:r>
+          </a:p>
+          <a:p>
+            <a:pPr marL="1028700" lvl="1" indent="-571500">
+              <a:buFont typeface="Arial" panose="020B0604020202020204" pitchFamily="34" charset="0"/>
+              <a:buChar char="•"/>
+            </a:pPr>
+            <a:r>
+              <a:rPr kumimoji="1" lang="en-US" altLang="zh-CN" sz="3600" b="1" dirty="0" err="1">
+                <a:latin typeface="微软雅黑" panose="020B0503020204020204" pitchFamily="34" charset="-122"/>
+                <a:ea typeface="微软雅黑" panose="020B0503020204020204" pitchFamily="34" charset="-122"/>
+              </a:rPr>
+              <a:t>Lenth</a:t>
+            </a:r>
+            <a:r>
+              <a:rPr kumimoji="1" lang="en-US" altLang="zh-CN" sz="3600" b="1" dirty="0">
+                <a:latin typeface="微软雅黑" panose="020B0503020204020204" pitchFamily="34" charset="-122"/>
+                <a:ea typeface="微软雅黑" panose="020B0503020204020204" pitchFamily="34" charset="-122"/>
+              </a:rPr>
+              <a:t> = m;</a:t>
+            </a:r>
+          </a:p>
+          <a:p>
+            <a:pPr marL="1028700" lvl="1" indent="-571500">
+              <a:buFont typeface="Arial" panose="020B0604020202020204" pitchFamily="34" charset="0"/>
+              <a:buChar char="•"/>
+            </a:pPr>
+            <a:r>
+              <a:rPr kumimoji="1" lang="en-US" altLang="zh-CN" sz="3600" b="1" dirty="0">
+                <a:latin typeface="微软雅黑" panose="020B0503020204020204" pitchFamily="34" charset="-122"/>
+                <a:ea typeface="微软雅黑" panose="020B0503020204020204" pitchFamily="34" charset="-122"/>
+              </a:rPr>
+              <a:t>List[</a:t>
+            </a:r>
+            <a:r>
+              <a:rPr kumimoji="1" lang="en-US" altLang="zh-CN" sz="3600" b="1" dirty="0" err="1">
+                <a:latin typeface="微软雅黑" panose="020B0503020204020204" pitchFamily="34" charset="-122"/>
+                <a:ea typeface="微软雅黑" panose="020B0503020204020204" pitchFamily="34" charset="-122"/>
+              </a:rPr>
+              <a:t>i</a:t>
+            </a:r>
+            <a:r>
+              <a:rPr kumimoji="1" lang="en-US" altLang="zh-CN" sz="3600" b="1" dirty="0">
+                <a:latin typeface="微软雅黑" panose="020B0503020204020204" pitchFamily="34" charset="-122"/>
+                <a:ea typeface="微软雅黑" panose="020B0503020204020204" pitchFamily="34" charset="-122"/>
+              </a:rPr>
+              <a:t>] = </a:t>
+            </a:r>
+            <a:r>
+              <a:rPr kumimoji="1" lang="en-US" altLang="zh-CN" sz="3600" b="1" dirty="0" err="1">
+                <a:latin typeface="微软雅黑" panose="020B0503020204020204" pitchFamily="34" charset="-122"/>
+                <a:ea typeface="微软雅黑" panose="020B0503020204020204" pitchFamily="34" charset="-122"/>
+              </a:rPr>
+              <a:t>getSuccesor</a:t>
+            </a:r>
+            <a:r>
+              <a:rPr kumimoji="1" lang="en-US" altLang="zh-CN" sz="3600" b="1" dirty="0">
+                <a:latin typeface="微软雅黑" panose="020B0503020204020204" pitchFamily="34" charset="-122"/>
+                <a:ea typeface="微软雅黑" panose="020B0503020204020204" pitchFamily="34" charset="-122"/>
+              </a:rPr>
+              <a:t>((</a:t>
+            </a:r>
+            <a:r>
+              <a:rPr kumimoji="1" lang="en-US" altLang="zh-CN" sz="3600" b="1" dirty="0" err="1">
+                <a:highlight>
+                  <a:srgbClr val="FFFF00"/>
+                </a:highlight>
+                <a:latin typeface="微软雅黑" panose="020B0503020204020204" pitchFamily="34" charset="-122"/>
+                <a:ea typeface="微软雅黑" panose="020B0503020204020204" pitchFamily="34" charset="-122"/>
+              </a:rPr>
+              <a:t>Node_i</a:t>
+            </a:r>
+            <a:r>
+              <a:rPr kumimoji="1" lang="en-US" altLang="zh-CN" sz="3600" b="1" dirty="0">
+                <a:highlight>
+                  <a:srgbClr val="FFFF00"/>
+                </a:highlight>
+                <a:latin typeface="微软雅黑" panose="020B0503020204020204" pitchFamily="34" charset="-122"/>
+                <a:ea typeface="微软雅黑" panose="020B0503020204020204" pitchFamily="34" charset="-122"/>
+              </a:rPr>
+              <a:t> + 2^(j-1)</a:t>
+            </a:r>
+            <a:r>
+              <a:rPr kumimoji="1" lang="en-US" altLang="zh-CN" sz="3600" b="1" dirty="0">
+                <a:latin typeface="微软雅黑" panose="020B0503020204020204" pitchFamily="34" charset="-122"/>
+                <a:ea typeface="微软雅黑" panose="020B0503020204020204" pitchFamily="34" charset="-122"/>
+              </a:rPr>
+              <a:t>)% 2^m )</a:t>
+            </a:r>
+          </a:p>
+          <a:p>
+            <a:pPr lvl="1"/>
+            <a:r>
+              <a:rPr kumimoji="1" lang="en-US" altLang="zh-CN" sz="3600" b="1" dirty="0">
+                <a:latin typeface="微软雅黑" panose="020B0503020204020204" pitchFamily="34" charset="-122"/>
+                <a:ea typeface="微软雅黑" panose="020B0503020204020204" pitchFamily="34" charset="-122"/>
+              </a:rPr>
+              <a:t>	 j </a:t>
+            </a:r>
+            <a:r>
+              <a:rPr lang="zh-CN" altLang="en-US" sz="3600" b="1" dirty="0"/>
+              <a:t>∈ </a:t>
+            </a:r>
+            <a:r>
+              <a:rPr lang="en-US" altLang="zh-CN" sz="3600" b="1" dirty="0"/>
+              <a:t>[ 0, m-1 ]</a:t>
+            </a:r>
+            <a:endParaRPr kumimoji="1" lang="en-US" altLang="zh-CN" sz="3600" b="1" dirty="0">
+              <a:latin typeface="微软雅黑" panose="020B0503020204020204" pitchFamily="34" charset="-122"/>
+              <a:ea typeface="微软雅黑" panose="020B0503020204020204" pitchFamily="34" charset="-122"/>
+            </a:endParaRPr>
+          </a:p>
+          <a:p>
+            <a:pPr lvl="1"/>
+            <a:endParaRPr lang="en-US" altLang="zh-CN" sz="3600" b="1" dirty="0"/>
+          </a:p>
+        </p:txBody>
+      </p:sp>
+      <p:pic>
+        <p:nvPicPr>
+          <p:cNvPr id="5" name="图片 4">
+            <a:extLst>
+              <a:ext uri="{FF2B5EF4-FFF2-40B4-BE49-F238E27FC236}">
+                <a16:creationId xmlns:a16="http://schemas.microsoft.com/office/drawing/2014/main" id="{67209279-887B-2743-832E-9CEDCBAF4C32}"/>
+              </a:ext>
+            </a:extLst>
+          </p:cNvPr>
+          <p:cNvPicPr>
+            <a:picLocks noChangeAspect="1"/>
+          </p:cNvPicPr>
+          <p:nvPr/>
+        </p:nvPicPr>
+        <p:blipFill>
+          <a:blip r:embed="rId3"/>
+          <a:stretch>
+            <a:fillRect/>
+          </a:stretch>
+        </p:blipFill>
+        <p:spPr>
+          <a:xfrm>
+            <a:off x="6262862" y="2731040"/>
+            <a:ext cx="5801863" cy="4126960"/>
+          </a:xfrm>
+          <a:prstGeom prst="rect">
+            <a:avLst/>
+          </a:prstGeom>
+        </p:spPr>
+      </p:pic>
+      <p:sp>
+        <p:nvSpPr>
+          <p:cNvPr id="10" name="文本框 9">
+            <a:extLst>
+              <a:ext uri="{FF2B5EF4-FFF2-40B4-BE49-F238E27FC236}">
+                <a16:creationId xmlns:a16="http://schemas.microsoft.com/office/drawing/2014/main" id="{9E6F8BEE-02F9-974E-9E1F-11204CA7A1B2}"/>
+              </a:ext>
+            </a:extLst>
+          </p:cNvPr>
+          <p:cNvSpPr txBox="1"/>
+          <p:nvPr/>
+        </p:nvSpPr>
+        <p:spPr>
+          <a:xfrm>
+            <a:off x="-15701" y="3276025"/>
+            <a:ext cx="7822654" cy="3877985"/>
+          </a:xfrm>
+          <a:prstGeom prst="rect">
+            <a:avLst/>
+          </a:prstGeom>
+          <a:noFill/>
+        </p:spPr>
+        <p:txBody>
+          <a:bodyPr wrap="none" lIns="0" tIns="0" rIns="0" bIns="0" rtlCol="0">
+            <a:spAutoFit/>
+          </a:bodyPr>
+          <a:lstStyle/>
+          <a:p>
+            <a:r>
+              <a:rPr kumimoji="1" lang="en-US" altLang="zh-CN" sz="3600" b="1" dirty="0">
+                <a:solidFill>
+                  <a:schemeClr val="accent1"/>
+                </a:solidFill>
+                <a:latin typeface="微软雅黑" panose="020B0503020204020204" pitchFamily="34" charset="-122"/>
+                <a:ea typeface="微软雅黑" panose="020B0503020204020204" pitchFamily="34" charset="-122"/>
+              </a:rPr>
+              <a:t>find </a:t>
+            </a:r>
+            <a:r>
+              <a:rPr kumimoji="1" lang="en-US" altLang="zh-CN" sz="3600" b="1" dirty="0">
+                <a:latin typeface="微软雅黑" panose="020B0503020204020204" pitchFamily="34" charset="-122"/>
+                <a:ea typeface="微软雅黑" panose="020B0503020204020204" pitchFamily="34" charset="-122"/>
+              </a:rPr>
+              <a:t>( </a:t>
+            </a:r>
+            <a:r>
+              <a:rPr kumimoji="1" lang="en-US" altLang="zh-CN" sz="3600" b="1" dirty="0" err="1">
+                <a:latin typeface="微软雅黑" panose="020B0503020204020204" pitchFamily="34" charset="-122"/>
+                <a:ea typeface="微软雅黑" panose="020B0503020204020204" pitchFamily="34" charset="-122"/>
+              </a:rPr>
+              <a:t>Node_i</a:t>
+            </a:r>
+            <a:r>
+              <a:rPr kumimoji="1" lang="en-US" altLang="zh-CN" sz="3600" b="1" dirty="0">
+                <a:latin typeface="微软雅黑" panose="020B0503020204020204" pitchFamily="34" charset="-122"/>
+                <a:ea typeface="微软雅黑" panose="020B0503020204020204" pitchFamily="34" charset="-122"/>
+              </a:rPr>
+              <a:t> ):</a:t>
+            </a:r>
+          </a:p>
+          <a:p>
+            <a:pPr lvl="1"/>
+            <a:r>
+              <a:rPr kumimoji="1" lang="en-US" altLang="zh-CN" sz="3600" b="1" dirty="0">
+                <a:latin typeface="微软雅黑" panose="020B0503020204020204" pitchFamily="34" charset="-122"/>
+                <a:ea typeface="微软雅黑" panose="020B0503020204020204" pitchFamily="34" charset="-122"/>
+              </a:rPr>
+              <a:t>If </a:t>
+            </a:r>
+            <a:r>
+              <a:rPr kumimoji="1" lang="en-US" altLang="zh-CN" sz="3600" b="1" dirty="0" err="1">
+                <a:latin typeface="微软雅黑" panose="020B0503020204020204" pitchFamily="34" charset="-122"/>
+                <a:ea typeface="微软雅黑" panose="020B0503020204020204" pitchFamily="34" charset="-122"/>
+              </a:rPr>
+              <a:t>Node_i</a:t>
+            </a:r>
+            <a:r>
+              <a:rPr kumimoji="1" lang="en-US" altLang="zh-CN" sz="3600" b="1" dirty="0">
+                <a:latin typeface="微软雅黑" panose="020B0503020204020204" pitchFamily="34" charset="-122"/>
+                <a:ea typeface="微软雅黑" panose="020B0503020204020204" pitchFamily="34" charset="-122"/>
+              </a:rPr>
+              <a:t> &lt;= </a:t>
+            </a:r>
+            <a:r>
+              <a:rPr kumimoji="1" lang="en-US" altLang="zh-CN" sz="3600" b="1" dirty="0" err="1">
+                <a:latin typeface="微软雅黑" panose="020B0503020204020204" pitchFamily="34" charset="-122"/>
+                <a:ea typeface="微软雅黑" panose="020B0503020204020204" pitchFamily="34" charset="-122"/>
+              </a:rPr>
+              <a:t>succ</a:t>
+            </a:r>
+            <a:endParaRPr kumimoji="1" lang="en-US" altLang="zh-CN" sz="3600" b="1" dirty="0">
+              <a:latin typeface="微软雅黑" panose="020B0503020204020204" pitchFamily="34" charset="-122"/>
+              <a:ea typeface="微软雅黑" panose="020B0503020204020204" pitchFamily="34" charset="-122"/>
+            </a:endParaRPr>
+          </a:p>
+          <a:p>
+            <a:pPr lvl="1"/>
+            <a:r>
+              <a:rPr kumimoji="1" lang="en-US" altLang="zh-CN" sz="3600" b="1" dirty="0">
+                <a:latin typeface="微软雅黑" panose="020B0503020204020204" pitchFamily="34" charset="-122"/>
+                <a:ea typeface="微软雅黑" panose="020B0503020204020204" pitchFamily="34" charset="-122"/>
+              </a:rPr>
+              <a:t>	return </a:t>
+            </a:r>
+            <a:r>
+              <a:rPr kumimoji="1" lang="en-US" altLang="zh-CN" sz="3600" b="1" dirty="0" err="1">
+                <a:latin typeface="微软雅黑" panose="020B0503020204020204" pitchFamily="34" charset="-122"/>
+                <a:ea typeface="微软雅黑" panose="020B0503020204020204" pitchFamily="34" charset="-122"/>
+              </a:rPr>
+              <a:t>succ</a:t>
+            </a:r>
+            <a:endParaRPr kumimoji="1" lang="en-US" altLang="zh-CN" sz="3600" b="1" dirty="0">
+              <a:latin typeface="微软雅黑" panose="020B0503020204020204" pitchFamily="34" charset="-122"/>
+              <a:ea typeface="微软雅黑" panose="020B0503020204020204" pitchFamily="34" charset="-122"/>
+            </a:endParaRPr>
+          </a:p>
+          <a:p>
+            <a:pPr lvl="1"/>
+            <a:r>
+              <a:rPr kumimoji="1" lang="en-US" altLang="zh-CN" sz="3600" b="1" dirty="0">
+                <a:latin typeface="微软雅黑" panose="020B0503020204020204" pitchFamily="34" charset="-122"/>
+                <a:ea typeface="微软雅黑" panose="020B0503020204020204" pitchFamily="34" charset="-122"/>
+              </a:rPr>
+              <a:t>Else if </a:t>
+            </a:r>
+            <a:r>
+              <a:rPr kumimoji="1" lang="en-US" altLang="zh-CN" sz="3600" b="1" dirty="0" err="1">
+                <a:latin typeface="微软雅黑" panose="020B0503020204020204" pitchFamily="34" charset="-122"/>
+                <a:ea typeface="微软雅黑" panose="020B0503020204020204" pitchFamily="34" charset="-122"/>
+              </a:rPr>
+              <a:t>Node_i</a:t>
+            </a:r>
+            <a:r>
+              <a:rPr kumimoji="1" lang="en-US" altLang="zh-CN" sz="3600" b="1" dirty="0">
+                <a:latin typeface="微软雅黑" panose="020B0503020204020204" pitchFamily="34" charset="-122"/>
+                <a:ea typeface="微软雅黑" panose="020B0503020204020204" pitchFamily="34" charset="-122"/>
+              </a:rPr>
+              <a:t> &lt; </a:t>
+            </a:r>
+            <a:r>
+              <a:rPr kumimoji="1" lang="en-US" altLang="zh-CN" sz="3600" b="1" dirty="0" err="1">
+                <a:latin typeface="微软雅黑" panose="020B0503020204020204" pitchFamily="34" charset="-122"/>
+                <a:ea typeface="微软雅黑" panose="020B0503020204020204" pitchFamily="34" charset="-122"/>
+              </a:rPr>
+              <a:t>Node_j</a:t>
+            </a:r>
+            <a:endParaRPr kumimoji="1" lang="en-US" altLang="zh-CN" sz="3600" b="1" dirty="0">
+              <a:latin typeface="微软雅黑" panose="020B0503020204020204" pitchFamily="34" charset="-122"/>
+              <a:ea typeface="微软雅黑" panose="020B0503020204020204" pitchFamily="34" charset="-122"/>
+            </a:endParaRPr>
+          </a:p>
+          <a:p>
+            <a:pPr lvl="1"/>
+            <a:r>
+              <a:rPr kumimoji="1" lang="en-US" altLang="zh-CN" sz="3600" b="1" dirty="0">
+                <a:latin typeface="微软雅黑" panose="020B0503020204020204" pitchFamily="34" charset="-122"/>
+                <a:ea typeface="微软雅黑" panose="020B0503020204020204" pitchFamily="34" charset="-122"/>
+              </a:rPr>
+              <a:t>		&amp;&amp; </a:t>
+            </a:r>
+            <a:r>
+              <a:rPr kumimoji="1" lang="en-US" altLang="zh-CN" sz="3600" b="1" dirty="0" err="1">
+                <a:latin typeface="微软雅黑" panose="020B0503020204020204" pitchFamily="34" charset="-122"/>
+                <a:ea typeface="微软雅黑" panose="020B0503020204020204" pitchFamily="34" charset="-122"/>
+              </a:rPr>
+              <a:t>Node_i</a:t>
+            </a:r>
+            <a:r>
+              <a:rPr kumimoji="1" lang="en-US" altLang="zh-CN" sz="3600" b="1" dirty="0">
+                <a:latin typeface="微软雅黑" panose="020B0503020204020204" pitchFamily="34" charset="-122"/>
+                <a:ea typeface="微软雅黑" panose="020B0503020204020204" pitchFamily="34" charset="-122"/>
+              </a:rPr>
+              <a:t> &gt; </a:t>
+            </a:r>
+            <a:r>
+              <a:rPr kumimoji="1" lang="en-US" altLang="zh-CN" sz="3600" b="1" dirty="0">
+                <a:solidFill>
+                  <a:srgbClr val="7030A0"/>
+                </a:solidFill>
+                <a:latin typeface="微软雅黑" panose="020B0503020204020204" pitchFamily="34" charset="-122"/>
+                <a:ea typeface="微软雅黑" panose="020B0503020204020204" pitchFamily="34" charset="-122"/>
+              </a:rPr>
+              <a:t>Node_(j-1)</a:t>
+            </a:r>
+          </a:p>
+          <a:p>
+            <a:pPr lvl="1"/>
+            <a:r>
+              <a:rPr kumimoji="1" lang="en-US" altLang="zh-CN" sz="3600" b="1" dirty="0">
+                <a:latin typeface="微软雅黑" panose="020B0503020204020204" pitchFamily="34" charset="-122"/>
+                <a:ea typeface="微软雅黑" panose="020B0503020204020204" pitchFamily="34" charset="-122"/>
+              </a:rPr>
+              <a:t>	return </a:t>
+            </a:r>
+            <a:r>
+              <a:rPr kumimoji="1" lang="en-US" altLang="zh-CN" sz="3600" b="1" dirty="0" err="1">
+                <a:latin typeface="微软雅黑" panose="020B0503020204020204" pitchFamily="34" charset="-122"/>
+                <a:ea typeface="微软雅黑" panose="020B0503020204020204" pitchFamily="34" charset="-122"/>
+              </a:rPr>
+              <a:t>getSuccesor</a:t>
+            </a:r>
+            <a:r>
+              <a:rPr kumimoji="1" lang="en-US" altLang="zh-CN" sz="3600" b="1" dirty="0">
+                <a:latin typeface="微软雅黑" panose="020B0503020204020204" pitchFamily="34" charset="-122"/>
+                <a:ea typeface="微软雅黑" panose="020B0503020204020204" pitchFamily="34" charset="-122"/>
+              </a:rPr>
+              <a:t>( </a:t>
+            </a:r>
+            <a:r>
+              <a:rPr kumimoji="1" lang="en-US" altLang="zh-CN" sz="3600" b="1" dirty="0" err="1">
+                <a:solidFill>
+                  <a:srgbClr val="7030A0"/>
+                </a:solidFill>
+                <a:latin typeface="微软雅黑" panose="020B0503020204020204" pitchFamily="34" charset="-122"/>
+                <a:ea typeface="微软雅黑" panose="020B0503020204020204" pitchFamily="34" charset="-122"/>
+              </a:rPr>
+              <a:t>Node_j</a:t>
+            </a:r>
+            <a:r>
+              <a:rPr kumimoji="1" lang="en-US" altLang="zh-CN" sz="3600" b="1" dirty="0">
+                <a:solidFill>
+                  <a:srgbClr val="7030A0"/>
+                </a:solidFill>
+                <a:latin typeface="微软雅黑" panose="020B0503020204020204" pitchFamily="34" charset="-122"/>
+                <a:ea typeface="微软雅黑" panose="020B0503020204020204" pitchFamily="34" charset="-122"/>
+              </a:rPr>
+              <a:t> )</a:t>
+            </a:r>
+          </a:p>
+          <a:p>
+            <a:pPr lvl="1"/>
+            <a:endParaRPr lang="en-US" altLang="zh-CN" sz="3600" b="1" dirty="0"/>
+          </a:p>
+        </p:txBody>
+      </p:sp>
+    </p:spTree>
+    <p:extLst>
+      <p:ext uri="{BB962C8B-B14F-4D97-AF65-F5344CB8AC3E}">
+        <p14:creationId xmlns:p14="http://schemas.microsoft.com/office/powerpoint/2010/main" val="1596364542"/>
       </p:ext>
     </p:extLst>
   </p:cSld>
@@ -4053,7 +6861,1687 @@
 </p:sld>
 </file>
 
-<file path=ppt/slides/slide13.xml><?xml version="1.0" encoding="utf-8"?>
+<file path=ppt/slides/slide14.xml><?xml version="1.0" encoding="utf-8"?>
+<p:sld xmlns:a="http://schemas.openxmlformats.org/drawingml/2006/main" xmlns:r="http://schemas.openxmlformats.org/officeDocument/2006/relationships" xmlns:p="http://schemas.openxmlformats.org/presentationml/2006/main">
+  <p:cSld>
+    <p:spTree>
+      <p:nvGrpSpPr>
+        <p:cNvPr id="1" name=""/>
+        <p:cNvGrpSpPr/>
+        <p:nvPr/>
+      </p:nvGrpSpPr>
+      <p:grpSpPr>
+        <a:xfrm>
+          <a:off x="0" y="0"/>
+          <a:ext cx="0" cy="0"/>
+          <a:chOff x="0" y="0"/>
+          <a:chExt cx="0" cy="0"/>
+        </a:xfrm>
+      </p:grpSpPr>
+      <p:sp>
+        <p:nvSpPr>
+          <p:cNvPr id="2" name="文本框 1">
+            <a:extLst>
+              <a:ext uri="{FF2B5EF4-FFF2-40B4-BE49-F238E27FC236}">
+                <a16:creationId xmlns:a16="http://schemas.microsoft.com/office/drawing/2014/main" id="{C875DA79-53EC-1742-998E-62A4C25E22A0}"/>
+              </a:ext>
+            </a:extLst>
+          </p:cNvPr>
+          <p:cNvSpPr txBox="1"/>
+          <p:nvPr/>
+        </p:nvSpPr>
+        <p:spPr>
+          <a:xfrm>
+            <a:off x="1399822" y="361245"/>
+            <a:ext cx="5981446" cy="492443"/>
+          </a:xfrm>
+          <a:prstGeom prst="rect">
+            <a:avLst/>
+          </a:prstGeom>
+          <a:noFill/>
+        </p:spPr>
+        <p:txBody>
+          <a:bodyPr wrap="none" lIns="0" tIns="0" rIns="0" bIns="0" rtlCol="0">
+            <a:spAutoFit/>
+          </a:bodyPr>
+          <a:lstStyle/>
+          <a:p>
+            <a:r>
+              <a:rPr kumimoji="1" lang="en-US" altLang="zh-CN" sz="3200" b="1" dirty="0">
+                <a:latin typeface="微软雅黑" panose="020B0503020204020204" pitchFamily="34" charset="-122"/>
+                <a:ea typeface="微软雅黑" panose="020B0503020204020204" pitchFamily="34" charset="-122"/>
+              </a:rPr>
+              <a:t>Theorem</a:t>
+            </a:r>
+            <a:r>
+              <a:rPr kumimoji="1" lang="zh-CN" altLang="en-US" sz="3200" b="1" dirty="0">
+                <a:latin typeface="微软雅黑" panose="020B0503020204020204" pitchFamily="34" charset="-122"/>
+                <a:ea typeface="微软雅黑" panose="020B0503020204020204" pitchFamily="34" charset="-122"/>
+              </a:rPr>
+              <a:t> ： </a:t>
+            </a:r>
+            <a:r>
+              <a:rPr kumimoji="1" lang="en-US" altLang="zh-CN" sz="3200" b="1" dirty="0">
+                <a:latin typeface="微软雅黑" panose="020B0503020204020204" pitchFamily="34" charset="-122"/>
+                <a:ea typeface="微软雅黑" panose="020B0503020204020204" pitchFamily="34" charset="-122"/>
+              </a:rPr>
+              <a:t>Chord</a:t>
+            </a:r>
+            <a:r>
+              <a:rPr kumimoji="1" lang="zh-CN" altLang="en-US" sz="3200" b="1" dirty="0">
+                <a:latin typeface="微软雅黑" panose="020B0503020204020204" pitchFamily="34" charset="-122"/>
+                <a:ea typeface="微软雅黑" panose="020B0503020204020204" pitchFamily="34" charset="-122"/>
+              </a:rPr>
+              <a:t> </a:t>
+            </a:r>
+            <a:r>
+              <a:rPr kumimoji="1" lang="en-US" altLang="zh-CN" sz="3200" b="1" dirty="0">
+                <a:latin typeface="微软雅黑" panose="020B0503020204020204" pitchFamily="34" charset="-122"/>
+                <a:ea typeface="微软雅黑" panose="020B0503020204020204" pitchFamily="34" charset="-122"/>
+              </a:rPr>
+              <a:t>Algorithm</a:t>
+            </a:r>
+            <a:endParaRPr kumimoji="1" lang="zh-CN" altLang="en-US" sz="3200" b="1" dirty="0">
+              <a:latin typeface="微软雅黑" panose="020B0503020204020204" pitchFamily="34" charset="-122"/>
+              <a:ea typeface="微软雅黑" panose="020B0503020204020204" pitchFamily="34" charset="-122"/>
+            </a:endParaRPr>
+          </a:p>
+        </p:txBody>
+      </p:sp>
+      <p:pic>
+        <p:nvPicPr>
+          <p:cNvPr id="3074" name="Picture 2">
+            <a:extLst>
+              <a:ext uri="{FF2B5EF4-FFF2-40B4-BE49-F238E27FC236}">
+                <a16:creationId xmlns:a16="http://schemas.microsoft.com/office/drawing/2014/main" id="{7FDE7532-EAF7-6446-8A94-EAEC0463D0F9}"/>
+              </a:ext>
+            </a:extLst>
+          </p:cNvPr>
+          <p:cNvPicPr>
+            <a:picLocks noChangeAspect="1" noChangeArrowheads="1"/>
+          </p:cNvPicPr>
+          <p:nvPr/>
+        </p:nvPicPr>
+        <p:blipFill>
+          <a:blip r:embed="rId3">
+            <a:extLst>
+              <a:ext uri="{28A0092B-C50C-407E-A947-70E740481C1C}">
+                <a14:useLocalDpi xmlns:a14="http://schemas.microsoft.com/office/drawing/2010/main" val="0"/>
+              </a:ext>
+            </a:extLst>
+          </a:blip>
+          <a:srcRect/>
+          <a:stretch>
+            <a:fillRect/>
+          </a:stretch>
+        </p:blipFill>
+        <p:spPr bwMode="auto">
+          <a:xfrm>
+            <a:off x="0" y="1183393"/>
+            <a:ext cx="7200900" cy="5232400"/>
+          </a:xfrm>
+          <a:prstGeom prst="rect">
+            <a:avLst/>
+          </a:prstGeom>
+          <a:noFill/>
+          <a:extLst>
+            <a:ext uri="{909E8E84-426E-40DD-AFC4-6F175D3DCCD1}">
+              <a14:hiddenFill xmlns:a14="http://schemas.microsoft.com/office/drawing/2010/main">
+                <a:solidFill>
+                  <a:srgbClr val="FFFFFF"/>
+                </a:solidFill>
+              </a14:hiddenFill>
+            </a:ext>
+          </a:extLst>
+        </p:spPr>
+      </p:pic>
+      <p:sp>
+        <p:nvSpPr>
+          <p:cNvPr id="6" name="文本框 5">
+            <a:extLst>
+              <a:ext uri="{FF2B5EF4-FFF2-40B4-BE49-F238E27FC236}">
+                <a16:creationId xmlns:a16="http://schemas.microsoft.com/office/drawing/2014/main" id="{6C59E31E-89EB-F040-BB80-710E7235E5FE}"/>
+              </a:ext>
+            </a:extLst>
+          </p:cNvPr>
+          <p:cNvSpPr txBox="1"/>
+          <p:nvPr/>
+        </p:nvSpPr>
+        <p:spPr>
+          <a:xfrm>
+            <a:off x="327378" y="1306504"/>
+            <a:ext cx="1232710" cy="246221"/>
+          </a:xfrm>
+          <a:prstGeom prst="rect">
+            <a:avLst/>
+          </a:prstGeom>
+          <a:noFill/>
+        </p:spPr>
+        <p:txBody>
+          <a:bodyPr wrap="none" lIns="0" tIns="0" rIns="0" bIns="0" rtlCol="0">
+            <a:spAutoFit/>
+          </a:bodyPr>
+          <a:lstStyle/>
+          <a:p>
+            <a:r>
+              <a:rPr kumimoji="1" lang="en-US" altLang="zh-CN" sz="1600" b="1" dirty="0">
+                <a:solidFill>
+                  <a:schemeClr val="accent6"/>
+                </a:solidFill>
+                <a:latin typeface="微软雅黑" panose="020B0503020204020204" pitchFamily="34" charset="-122"/>
+                <a:ea typeface="微软雅黑" panose="020B0503020204020204" pitchFamily="34" charset="-122"/>
+              </a:rPr>
+              <a:t>N8 find K49</a:t>
+            </a:r>
+            <a:endParaRPr kumimoji="1" lang="zh-CN" altLang="en-US" sz="1600" b="1" dirty="0">
+              <a:solidFill>
+                <a:schemeClr val="accent6"/>
+              </a:solidFill>
+              <a:latin typeface="微软雅黑" panose="020B0503020204020204" pitchFamily="34" charset="-122"/>
+              <a:ea typeface="微软雅黑" panose="020B0503020204020204" pitchFamily="34" charset="-122"/>
+            </a:endParaRPr>
+          </a:p>
+        </p:txBody>
+      </p:sp>
+      <p:sp>
+        <p:nvSpPr>
+          <p:cNvPr id="7" name="文本框 6">
+            <a:extLst>
+              <a:ext uri="{FF2B5EF4-FFF2-40B4-BE49-F238E27FC236}">
+                <a16:creationId xmlns:a16="http://schemas.microsoft.com/office/drawing/2014/main" id="{C03ECA53-2767-1A48-B076-DC9FD962595E}"/>
+              </a:ext>
+            </a:extLst>
+          </p:cNvPr>
+          <p:cNvSpPr txBox="1"/>
+          <p:nvPr/>
+        </p:nvSpPr>
+        <p:spPr>
+          <a:xfrm>
+            <a:off x="7230152" y="1183393"/>
+            <a:ext cx="4448334" cy="4062651"/>
+          </a:xfrm>
+          <a:prstGeom prst="rect">
+            <a:avLst/>
+          </a:prstGeom>
+          <a:noFill/>
+        </p:spPr>
+        <p:txBody>
+          <a:bodyPr wrap="none" lIns="0" tIns="0" rIns="0" bIns="0" rtlCol="0">
+            <a:spAutoFit/>
+          </a:bodyPr>
+          <a:lstStyle/>
+          <a:p>
+            <a:pPr marL="342900" indent="-342900">
+              <a:buFont typeface="+mj-lt"/>
+              <a:buAutoNum type="arabicPeriod"/>
+            </a:pPr>
+            <a:r>
+              <a:rPr kumimoji="1" lang="en-US" altLang="zh-CN" sz="2400" b="1" dirty="0" err="1">
+                <a:solidFill>
+                  <a:schemeClr val="accent6"/>
+                </a:solidFill>
+                <a:latin typeface="微软雅黑" panose="020B0503020204020204" pitchFamily="34" charset="-122"/>
+                <a:ea typeface="微软雅黑" panose="020B0503020204020204" pitchFamily="34" charset="-122"/>
+              </a:rPr>
+              <a:t>getSuccessor</a:t>
+            </a:r>
+            <a:r>
+              <a:rPr kumimoji="1" lang="en-US" altLang="zh-CN" sz="2400" b="1" dirty="0">
+                <a:solidFill>
+                  <a:schemeClr val="accent6"/>
+                </a:solidFill>
+                <a:latin typeface="微软雅黑" panose="020B0503020204020204" pitchFamily="34" charset="-122"/>
+                <a:ea typeface="微软雅黑" panose="020B0503020204020204" pitchFamily="34" charset="-122"/>
+              </a:rPr>
+              <a:t>( K49 ) = N51</a:t>
+            </a:r>
+          </a:p>
+          <a:p>
+            <a:r>
+              <a:rPr kumimoji="1" lang="en-US" altLang="zh-CN" sz="2400" b="1" dirty="0">
+                <a:solidFill>
+                  <a:schemeClr val="accent6"/>
+                </a:solidFill>
+                <a:latin typeface="微软雅黑" panose="020B0503020204020204" pitchFamily="34" charset="-122"/>
+                <a:ea typeface="微软雅黑" panose="020B0503020204020204" pitchFamily="34" charset="-122"/>
+              </a:rPr>
+              <a:t>	</a:t>
+            </a:r>
+            <a:r>
+              <a:rPr kumimoji="1" lang="en-US" altLang="zh-CN" sz="2400" b="1" dirty="0">
+                <a:latin typeface="微软雅黑" panose="020B0503020204020204" pitchFamily="34" charset="-122"/>
+                <a:ea typeface="微软雅黑" panose="020B0503020204020204" pitchFamily="34" charset="-122"/>
+              </a:rPr>
+              <a:t>Needs to find N51</a:t>
+            </a:r>
+          </a:p>
+          <a:p>
+            <a:r>
+              <a:rPr kumimoji="1" lang="en-US" altLang="zh-CN" sz="2400" b="1" dirty="0">
+                <a:solidFill>
+                  <a:schemeClr val="accent6"/>
+                </a:solidFill>
+                <a:latin typeface="微软雅黑" panose="020B0503020204020204" pitchFamily="34" charset="-122"/>
+                <a:ea typeface="微软雅黑" panose="020B0503020204020204" pitchFamily="34" charset="-122"/>
+              </a:rPr>
+              <a:t>2. check Finger Table</a:t>
+            </a:r>
+          </a:p>
+          <a:p>
+            <a:r>
+              <a:rPr kumimoji="1" lang="en-US" altLang="zh-CN" sz="2400" b="1" dirty="0">
+                <a:solidFill>
+                  <a:schemeClr val="accent6"/>
+                </a:solidFill>
+                <a:latin typeface="微软雅黑" panose="020B0503020204020204" pitchFamily="34" charset="-122"/>
+                <a:ea typeface="微软雅黑" panose="020B0503020204020204" pitchFamily="34" charset="-122"/>
+              </a:rPr>
+              <a:t>	</a:t>
+            </a:r>
+            <a:r>
+              <a:rPr kumimoji="1" lang="en-US" altLang="zh-CN" sz="2400" b="1" dirty="0" err="1">
+                <a:latin typeface="微软雅黑" panose="020B0503020204020204" pitchFamily="34" charset="-122"/>
+                <a:ea typeface="微软雅黑" panose="020B0503020204020204" pitchFamily="34" charset="-122"/>
+              </a:rPr>
+              <a:t>succ</a:t>
+            </a:r>
+            <a:r>
+              <a:rPr kumimoji="1" lang="en-US" altLang="zh-CN" sz="2400" b="1" dirty="0">
+                <a:latin typeface="微软雅黑" panose="020B0503020204020204" pitchFamily="34" charset="-122"/>
+                <a:ea typeface="微软雅黑" panose="020B0503020204020204" pitchFamily="34" charset="-122"/>
+              </a:rPr>
+              <a:t> is not N51</a:t>
+            </a:r>
+          </a:p>
+          <a:p>
+            <a:r>
+              <a:rPr kumimoji="1" lang="en-US" altLang="zh-CN" sz="2400" b="1" dirty="0">
+                <a:latin typeface="微软雅黑" panose="020B0503020204020204" pitchFamily="34" charset="-122"/>
+                <a:ea typeface="微软雅黑" panose="020B0503020204020204" pitchFamily="34" charset="-122"/>
+              </a:rPr>
+              <a:t>	find nearest </a:t>
+            </a:r>
+            <a:r>
+              <a:rPr kumimoji="1" lang="en-US" altLang="zh-CN" sz="2400" b="1" dirty="0" err="1">
+                <a:latin typeface="微软雅黑" panose="020B0503020204020204" pitchFamily="34" charset="-122"/>
+                <a:ea typeface="微软雅黑" panose="020B0503020204020204" pitchFamily="34" charset="-122"/>
+              </a:rPr>
+              <a:t>succ</a:t>
+            </a:r>
+            <a:endParaRPr kumimoji="1" lang="en-US" altLang="zh-CN" sz="2400" b="1" dirty="0">
+              <a:latin typeface="微软雅黑" panose="020B0503020204020204" pitchFamily="34" charset="-122"/>
+              <a:ea typeface="微软雅黑" panose="020B0503020204020204" pitchFamily="34" charset="-122"/>
+            </a:endParaRPr>
+          </a:p>
+          <a:p>
+            <a:r>
+              <a:rPr kumimoji="1" lang="en-US" altLang="zh-CN" sz="2400" b="1" dirty="0">
+                <a:latin typeface="微软雅黑" panose="020B0503020204020204" pitchFamily="34" charset="-122"/>
+                <a:ea typeface="微软雅黑" panose="020B0503020204020204" pitchFamily="34" charset="-122"/>
+              </a:rPr>
+              <a:t>		jump to N42</a:t>
+            </a:r>
+          </a:p>
+          <a:p>
+            <a:r>
+              <a:rPr kumimoji="1" lang="en-US" altLang="zh-CN" sz="2400" b="1" dirty="0">
+                <a:solidFill>
+                  <a:schemeClr val="accent6"/>
+                </a:solidFill>
+                <a:latin typeface="微软雅黑" panose="020B0503020204020204" pitchFamily="34" charset="-122"/>
+                <a:ea typeface="微软雅黑" panose="020B0503020204020204" pitchFamily="34" charset="-122"/>
+              </a:rPr>
+              <a:t>3. Check Finger Table</a:t>
+            </a:r>
+          </a:p>
+          <a:p>
+            <a:r>
+              <a:rPr kumimoji="1" lang="en-US" altLang="zh-CN" sz="2400" b="1" dirty="0">
+                <a:solidFill>
+                  <a:schemeClr val="accent6"/>
+                </a:solidFill>
+                <a:latin typeface="微软雅黑" panose="020B0503020204020204" pitchFamily="34" charset="-122"/>
+                <a:ea typeface="微软雅黑" panose="020B0503020204020204" pitchFamily="34" charset="-122"/>
+              </a:rPr>
+              <a:t>	</a:t>
+            </a:r>
+            <a:r>
+              <a:rPr kumimoji="1" lang="en-US" altLang="zh-CN" sz="2400" b="1" dirty="0" err="1">
+                <a:latin typeface="微软雅黑" panose="020B0503020204020204" pitchFamily="34" charset="-122"/>
+                <a:ea typeface="微软雅黑" panose="020B0503020204020204" pitchFamily="34" charset="-122"/>
+              </a:rPr>
+              <a:t>succ</a:t>
+            </a:r>
+            <a:r>
+              <a:rPr kumimoji="1" lang="en-US" altLang="zh-CN" sz="2400" b="1" dirty="0">
+                <a:latin typeface="微软雅黑" panose="020B0503020204020204" pitchFamily="34" charset="-122"/>
+                <a:ea typeface="微软雅黑" panose="020B0503020204020204" pitchFamily="34" charset="-122"/>
+              </a:rPr>
+              <a:t> is not N51</a:t>
+            </a:r>
+          </a:p>
+          <a:p>
+            <a:r>
+              <a:rPr kumimoji="1" lang="en-US" altLang="zh-CN" sz="2400" b="1" dirty="0">
+                <a:latin typeface="微软雅黑" panose="020B0503020204020204" pitchFamily="34" charset="-122"/>
+                <a:ea typeface="微软雅黑" panose="020B0503020204020204" pitchFamily="34" charset="-122"/>
+              </a:rPr>
+              <a:t>	find nearest </a:t>
+            </a:r>
+            <a:r>
+              <a:rPr kumimoji="1" lang="en-US" altLang="zh-CN" sz="2400" b="1" dirty="0" err="1">
+                <a:latin typeface="微软雅黑" panose="020B0503020204020204" pitchFamily="34" charset="-122"/>
+                <a:ea typeface="微软雅黑" panose="020B0503020204020204" pitchFamily="34" charset="-122"/>
+              </a:rPr>
+              <a:t>succ</a:t>
+            </a:r>
+            <a:endParaRPr kumimoji="1" lang="en-US" altLang="zh-CN" sz="2400" b="1" dirty="0">
+              <a:latin typeface="微软雅黑" panose="020B0503020204020204" pitchFamily="34" charset="-122"/>
+              <a:ea typeface="微软雅黑" panose="020B0503020204020204" pitchFamily="34" charset="-122"/>
+            </a:endParaRPr>
+          </a:p>
+          <a:p>
+            <a:r>
+              <a:rPr kumimoji="1" lang="en-US" altLang="zh-CN" sz="2400" b="1" dirty="0">
+                <a:latin typeface="微软雅黑" panose="020B0503020204020204" pitchFamily="34" charset="-122"/>
+                <a:ea typeface="微软雅黑" panose="020B0503020204020204" pitchFamily="34" charset="-122"/>
+              </a:rPr>
+              <a:t>		jump to N51</a:t>
+            </a:r>
+          </a:p>
+          <a:p>
+            <a:r>
+              <a:rPr kumimoji="1" lang="en-US" altLang="zh-CN" sz="2400" b="1" dirty="0">
+                <a:solidFill>
+                  <a:schemeClr val="accent6"/>
+                </a:solidFill>
+                <a:latin typeface="微软雅黑" panose="020B0503020204020204" pitchFamily="34" charset="-122"/>
+                <a:ea typeface="微软雅黑" panose="020B0503020204020204" pitchFamily="34" charset="-122"/>
+              </a:rPr>
+              <a:t>end</a:t>
+            </a:r>
+          </a:p>
+        </p:txBody>
+      </p:sp>
+      <p:sp>
+        <p:nvSpPr>
+          <p:cNvPr id="8" name="下箭头 7">
+            <a:extLst>
+              <a:ext uri="{FF2B5EF4-FFF2-40B4-BE49-F238E27FC236}">
+                <a16:creationId xmlns:a16="http://schemas.microsoft.com/office/drawing/2014/main" id="{076587A8-66AF-1544-95F0-8847F97F03A8}"/>
+              </a:ext>
+            </a:extLst>
+          </p:cNvPr>
+          <p:cNvSpPr/>
+          <p:nvPr/>
+        </p:nvSpPr>
+        <p:spPr>
+          <a:xfrm rot="2969684">
+            <a:off x="3398723" y="2276087"/>
+            <a:ext cx="341841" cy="2940979"/>
+          </a:xfrm>
+          <a:prstGeom prst="downArrow">
+            <a:avLst/>
+          </a:prstGeom>
+        </p:spPr>
+        <p:style>
+          <a:lnRef idx="2">
+            <a:schemeClr val="accent1">
+              <a:shade val="50000"/>
+            </a:schemeClr>
+          </a:lnRef>
+          <a:fillRef idx="1">
+            <a:schemeClr val="accent1"/>
+          </a:fillRef>
+          <a:effectRef idx="0">
+            <a:schemeClr val="accent1"/>
+          </a:effectRef>
+          <a:fontRef idx="minor">
+            <a:schemeClr val="lt1"/>
+          </a:fontRef>
+        </p:style>
+        <p:txBody>
+          <a:bodyPr rtlCol="0" anchor="ctr"/>
+          <a:lstStyle/>
+          <a:p>
+            <a:pPr algn="ctr"/>
+            <a:endParaRPr kumimoji="1" lang="zh-CN" altLang="en-US"/>
+          </a:p>
+        </p:txBody>
+      </p:sp>
+      <p:sp>
+        <p:nvSpPr>
+          <p:cNvPr id="9" name="上弧形箭头 8">
+            <a:extLst>
+              <a:ext uri="{FF2B5EF4-FFF2-40B4-BE49-F238E27FC236}">
+                <a16:creationId xmlns:a16="http://schemas.microsoft.com/office/drawing/2014/main" id="{3943C5F8-CFA8-CE4D-8EC4-C71C80BFE21C}"/>
+              </a:ext>
+            </a:extLst>
+          </p:cNvPr>
+          <p:cNvSpPr/>
+          <p:nvPr/>
+        </p:nvSpPr>
+        <p:spPr>
+          <a:xfrm rot="14926498">
+            <a:off x="2008011" y="3418770"/>
+            <a:ext cx="1177522" cy="656133"/>
+          </a:xfrm>
+          <a:prstGeom prst="curvedUpArrow">
+            <a:avLst/>
+          </a:prstGeom>
+        </p:spPr>
+        <p:style>
+          <a:lnRef idx="2">
+            <a:schemeClr val="accent1">
+              <a:shade val="50000"/>
+            </a:schemeClr>
+          </a:lnRef>
+          <a:fillRef idx="1">
+            <a:schemeClr val="accent1"/>
+          </a:fillRef>
+          <a:effectRef idx="0">
+            <a:schemeClr val="accent1"/>
+          </a:effectRef>
+          <a:fontRef idx="minor">
+            <a:schemeClr val="lt1"/>
+          </a:fontRef>
+        </p:style>
+        <p:txBody>
+          <a:bodyPr rtlCol="0" anchor="ctr"/>
+          <a:lstStyle/>
+          <a:p>
+            <a:pPr algn="ctr"/>
+            <a:endParaRPr kumimoji="1" lang="zh-CN" altLang="en-US">
+              <a:solidFill>
+                <a:schemeClr val="tx1"/>
+              </a:solidFill>
+            </a:endParaRPr>
+          </a:p>
+        </p:txBody>
+      </p:sp>
+      <p:sp>
+        <p:nvSpPr>
+          <p:cNvPr id="12" name="文本框 11">
+            <a:extLst>
+              <a:ext uri="{FF2B5EF4-FFF2-40B4-BE49-F238E27FC236}">
+                <a16:creationId xmlns:a16="http://schemas.microsoft.com/office/drawing/2014/main" id="{91294DF2-14CE-0946-A84E-331593404E16}"/>
+              </a:ext>
+            </a:extLst>
+          </p:cNvPr>
+          <p:cNvSpPr txBox="1"/>
+          <p:nvPr/>
+        </p:nvSpPr>
+        <p:spPr>
+          <a:xfrm>
+            <a:off x="3917245" y="3305889"/>
+            <a:ext cx="126638" cy="246221"/>
+          </a:xfrm>
+          <a:prstGeom prst="rect">
+            <a:avLst/>
+          </a:prstGeom>
+          <a:noFill/>
+        </p:spPr>
+        <p:txBody>
+          <a:bodyPr wrap="none" lIns="0" tIns="0" rIns="0" bIns="0" rtlCol="0">
+            <a:spAutoFit/>
+          </a:bodyPr>
+          <a:lstStyle/>
+          <a:p>
+            <a:r>
+              <a:rPr kumimoji="1" lang="en-US" altLang="zh-CN" sz="1600" b="1" dirty="0">
+                <a:solidFill>
+                  <a:schemeClr val="accent6"/>
+                </a:solidFill>
+                <a:highlight>
+                  <a:srgbClr val="FFFF00"/>
+                </a:highlight>
+                <a:latin typeface="微软雅黑" panose="020B0503020204020204" pitchFamily="34" charset="-122"/>
+                <a:ea typeface="微软雅黑" panose="020B0503020204020204" pitchFamily="34" charset="-122"/>
+              </a:rPr>
+              <a:t>2</a:t>
+            </a:r>
+            <a:endParaRPr kumimoji="1" lang="zh-CN" altLang="en-US" sz="1600" b="1" dirty="0">
+              <a:solidFill>
+                <a:schemeClr val="accent6"/>
+              </a:solidFill>
+              <a:highlight>
+                <a:srgbClr val="FFFF00"/>
+              </a:highlight>
+              <a:latin typeface="微软雅黑" panose="020B0503020204020204" pitchFamily="34" charset="-122"/>
+              <a:ea typeface="微软雅黑" panose="020B0503020204020204" pitchFamily="34" charset="-122"/>
+            </a:endParaRPr>
+          </a:p>
+        </p:txBody>
+      </p:sp>
+      <p:sp>
+        <p:nvSpPr>
+          <p:cNvPr id="14" name="文本框 13">
+            <a:extLst>
+              <a:ext uri="{FF2B5EF4-FFF2-40B4-BE49-F238E27FC236}">
+                <a16:creationId xmlns:a16="http://schemas.microsoft.com/office/drawing/2014/main" id="{ABBE67AE-D7A4-7042-82E9-375FBD6B11EC}"/>
+              </a:ext>
+            </a:extLst>
+          </p:cNvPr>
+          <p:cNvSpPr txBox="1"/>
+          <p:nvPr/>
+        </p:nvSpPr>
+        <p:spPr>
+          <a:xfrm>
+            <a:off x="2737681" y="3428999"/>
+            <a:ext cx="126638" cy="246221"/>
+          </a:xfrm>
+          <a:prstGeom prst="rect">
+            <a:avLst/>
+          </a:prstGeom>
+          <a:noFill/>
+        </p:spPr>
+        <p:txBody>
+          <a:bodyPr wrap="none" lIns="0" tIns="0" rIns="0" bIns="0" rtlCol="0">
+            <a:spAutoFit/>
+          </a:bodyPr>
+          <a:lstStyle/>
+          <a:p>
+            <a:r>
+              <a:rPr kumimoji="1" lang="en-US" altLang="zh-CN" sz="1600" b="1" dirty="0">
+                <a:solidFill>
+                  <a:schemeClr val="accent6"/>
+                </a:solidFill>
+                <a:highlight>
+                  <a:srgbClr val="FFFF00"/>
+                </a:highlight>
+                <a:latin typeface="微软雅黑" panose="020B0503020204020204" pitchFamily="34" charset="-122"/>
+                <a:ea typeface="微软雅黑" panose="020B0503020204020204" pitchFamily="34" charset="-122"/>
+              </a:rPr>
+              <a:t>3</a:t>
+            </a:r>
+            <a:endParaRPr kumimoji="1" lang="zh-CN" altLang="en-US" sz="1600" b="1" dirty="0">
+              <a:solidFill>
+                <a:schemeClr val="accent6"/>
+              </a:solidFill>
+              <a:highlight>
+                <a:srgbClr val="FFFF00"/>
+              </a:highlight>
+              <a:latin typeface="微软雅黑" panose="020B0503020204020204" pitchFamily="34" charset="-122"/>
+              <a:ea typeface="微软雅黑" panose="020B0503020204020204" pitchFamily="34" charset="-122"/>
+            </a:endParaRPr>
+          </a:p>
+        </p:txBody>
+      </p:sp>
+      <p:sp>
+        <p:nvSpPr>
+          <p:cNvPr id="13" name="矩形 12">
+            <a:extLst>
+              <a:ext uri="{FF2B5EF4-FFF2-40B4-BE49-F238E27FC236}">
+                <a16:creationId xmlns:a16="http://schemas.microsoft.com/office/drawing/2014/main" id="{AB7CA559-4E90-CF4B-A4A0-49286C936B1C}"/>
+              </a:ext>
+            </a:extLst>
+          </p:cNvPr>
+          <p:cNvSpPr/>
+          <p:nvPr/>
+        </p:nvSpPr>
+        <p:spPr>
+          <a:xfrm>
+            <a:off x="5904089" y="2980267"/>
+            <a:ext cx="1128889" cy="234451"/>
+          </a:xfrm>
+          <a:prstGeom prst="rect">
+            <a:avLst/>
+          </a:prstGeom>
+          <a:noFill/>
+          <a:ln w="76200">
+            <a:solidFill>
+              <a:schemeClr val="accent1"/>
+            </a:solidFill>
+          </a:ln>
+        </p:spPr>
+        <p:style>
+          <a:lnRef idx="2">
+            <a:schemeClr val="accent6"/>
+          </a:lnRef>
+          <a:fillRef idx="1">
+            <a:schemeClr val="lt1"/>
+          </a:fillRef>
+          <a:effectRef idx="0">
+            <a:schemeClr val="accent6"/>
+          </a:effectRef>
+          <a:fontRef idx="minor">
+            <a:schemeClr val="dk1"/>
+          </a:fontRef>
+        </p:style>
+        <p:txBody>
+          <a:bodyPr rtlCol="0" anchor="ctr"/>
+          <a:lstStyle/>
+          <a:p>
+            <a:pPr algn="ctr"/>
+            <a:endParaRPr kumimoji="1" lang="zh-CN" altLang="en-US"/>
+          </a:p>
+        </p:txBody>
+      </p:sp>
+      <p:sp>
+        <p:nvSpPr>
+          <p:cNvPr id="16" name="矩形 15">
+            <a:extLst>
+              <a:ext uri="{FF2B5EF4-FFF2-40B4-BE49-F238E27FC236}">
+                <a16:creationId xmlns:a16="http://schemas.microsoft.com/office/drawing/2014/main" id="{8FDD5D6C-FA11-8E4C-9D20-AD159D8908C5}"/>
+              </a:ext>
+            </a:extLst>
+          </p:cNvPr>
+          <p:cNvSpPr/>
+          <p:nvPr/>
+        </p:nvSpPr>
+        <p:spPr>
+          <a:xfrm>
+            <a:off x="531134" y="5325718"/>
+            <a:ext cx="1128889" cy="234451"/>
+          </a:xfrm>
+          <a:prstGeom prst="rect">
+            <a:avLst/>
+          </a:prstGeom>
+          <a:noFill/>
+          <a:ln w="76200">
+            <a:solidFill>
+              <a:schemeClr val="accent1"/>
+            </a:solidFill>
+          </a:ln>
+        </p:spPr>
+        <p:style>
+          <a:lnRef idx="2">
+            <a:schemeClr val="accent6"/>
+          </a:lnRef>
+          <a:fillRef idx="1">
+            <a:schemeClr val="lt1"/>
+          </a:fillRef>
+          <a:effectRef idx="0">
+            <a:schemeClr val="accent6"/>
+          </a:effectRef>
+          <a:fontRef idx="minor">
+            <a:schemeClr val="dk1"/>
+          </a:fontRef>
+        </p:style>
+        <p:txBody>
+          <a:bodyPr rtlCol="0" anchor="ctr"/>
+          <a:lstStyle/>
+          <a:p>
+            <a:pPr algn="ctr"/>
+            <a:endParaRPr kumimoji="1" lang="zh-CN" altLang="en-US"/>
+          </a:p>
+        </p:txBody>
+      </p:sp>
+      <p:sp>
+        <p:nvSpPr>
+          <p:cNvPr id="15" name="椭圆 14">
+            <a:extLst>
+              <a:ext uri="{FF2B5EF4-FFF2-40B4-BE49-F238E27FC236}">
+                <a16:creationId xmlns:a16="http://schemas.microsoft.com/office/drawing/2014/main" id="{642211A9-0D94-654C-B619-8B100835AA5F}"/>
+              </a:ext>
+            </a:extLst>
+          </p:cNvPr>
+          <p:cNvSpPr/>
+          <p:nvPr/>
+        </p:nvSpPr>
+        <p:spPr>
+          <a:xfrm>
+            <a:off x="4798741" y="2517422"/>
+            <a:ext cx="540903" cy="462845"/>
+          </a:xfrm>
+          <a:prstGeom prst="ellipse">
+            <a:avLst/>
+          </a:prstGeom>
+          <a:noFill/>
+        </p:spPr>
+        <p:style>
+          <a:lnRef idx="2">
+            <a:schemeClr val="accent1">
+              <a:shade val="50000"/>
+            </a:schemeClr>
+          </a:lnRef>
+          <a:fillRef idx="1">
+            <a:schemeClr val="accent1"/>
+          </a:fillRef>
+          <a:effectRef idx="0">
+            <a:schemeClr val="accent1"/>
+          </a:effectRef>
+          <a:fontRef idx="minor">
+            <a:schemeClr val="lt1"/>
+          </a:fontRef>
+        </p:style>
+        <p:txBody>
+          <a:bodyPr rtlCol="0" anchor="ctr"/>
+          <a:lstStyle/>
+          <a:p>
+            <a:pPr algn="ctr"/>
+            <a:endParaRPr kumimoji="1" lang="zh-CN" altLang="en-US"/>
+          </a:p>
+        </p:txBody>
+      </p:sp>
+      <p:sp>
+        <p:nvSpPr>
+          <p:cNvPr id="18" name="椭圆 17">
+            <a:extLst>
+              <a:ext uri="{FF2B5EF4-FFF2-40B4-BE49-F238E27FC236}">
+                <a16:creationId xmlns:a16="http://schemas.microsoft.com/office/drawing/2014/main" id="{DAF075E7-12B4-CB45-A728-E0461F52A9C6}"/>
+              </a:ext>
+            </a:extLst>
+          </p:cNvPr>
+          <p:cNvSpPr/>
+          <p:nvPr/>
+        </p:nvSpPr>
+        <p:spPr>
+          <a:xfrm>
+            <a:off x="1564074" y="3189558"/>
+            <a:ext cx="540903" cy="462845"/>
+          </a:xfrm>
+          <a:prstGeom prst="ellipse">
+            <a:avLst/>
+          </a:prstGeom>
+          <a:noFill/>
+        </p:spPr>
+        <p:style>
+          <a:lnRef idx="2">
+            <a:schemeClr val="accent1">
+              <a:shade val="50000"/>
+            </a:schemeClr>
+          </a:lnRef>
+          <a:fillRef idx="1">
+            <a:schemeClr val="accent1"/>
+          </a:fillRef>
+          <a:effectRef idx="0">
+            <a:schemeClr val="accent1"/>
+          </a:effectRef>
+          <a:fontRef idx="minor">
+            <a:schemeClr val="lt1"/>
+          </a:fontRef>
+        </p:style>
+        <p:txBody>
+          <a:bodyPr rtlCol="0" anchor="ctr"/>
+          <a:lstStyle/>
+          <a:p>
+            <a:pPr algn="ctr"/>
+            <a:endParaRPr kumimoji="1" lang="zh-CN" altLang="en-US"/>
+          </a:p>
+        </p:txBody>
+      </p:sp>
+    </p:spTree>
+    <p:extLst>
+      <p:ext uri="{BB962C8B-B14F-4D97-AF65-F5344CB8AC3E}">
+        <p14:creationId xmlns:p14="http://schemas.microsoft.com/office/powerpoint/2010/main" val="180330059"/>
+      </p:ext>
+    </p:extLst>
+  </p:cSld>
+  <p:clrMapOvr>
+    <a:masterClrMapping/>
+  </p:clrMapOvr>
+  <mc:AlternateContent xmlns:mc="http://schemas.openxmlformats.org/markup-compatibility/2006">
+    <mc:Choice xmlns:p14="http://schemas.microsoft.com/office/powerpoint/2010/main" Requires="p14">
+      <p:transition spd="slow" p14:dur="1600"/>
+    </mc:Choice>
+    <mc:Fallback>
+      <p:transition spd="slow"/>
+    </mc:Fallback>
+  </mc:AlternateContent>
+</p:sld>
+</file>
+
+<file path=ppt/slides/slide15.xml><?xml version="1.0" encoding="utf-8"?>
+<p:sld xmlns:a="http://schemas.openxmlformats.org/drawingml/2006/main" xmlns:r="http://schemas.openxmlformats.org/officeDocument/2006/relationships" xmlns:p="http://schemas.openxmlformats.org/presentationml/2006/main">
+  <p:cSld>
+    <p:spTree>
+      <p:nvGrpSpPr>
+        <p:cNvPr id="1" name=""/>
+        <p:cNvGrpSpPr/>
+        <p:nvPr/>
+      </p:nvGrpSpPr>
+      <p:grpSpPr>
+        <a:xfrm>
+          <a:off x="0" y="0"/>
+          <a:ext cx="0" cy="0"/>
+          <a:chOff x="0" y="0"/>
+          <a:chExt cx="0" cy="0"/>
+        </a:xfrm>
+      </p:grpSpPr>
+      <p:sp>
+        <p:nvSpPr>
+          <p:cNvPr id="2" name="文本框 1">
+            <a:extLst>
+              <a:ext uri="{FF2B5EF4-FFF2-40B4-BE49-F238E27FC236}">
+                <a16:creationId xmlns:a16="http://schemas.microsoft.com/office/drawing/2014/main" id="{C875DA79-53EC-1742-998E-62A4C25E22A0}"/>
+              </a:ext>
+            </a:extLst>
+          </p:cNvPr>
+          <p:cNvSpPr txBox="1"/>
+          <p:nvPr/>
+        </p:nvSpPr>
+        <p:spPr>
+          <a:xfrm>
+            <a:off x="1399822" y="361245"/>
+            <a:ext cx="5981446" cy="492443"/>
+          </a:xfrm>
+          <a:prstGeom prst="rect">
+            <a:avLst/>
+          </a:prstGeom>
+          <a:noFill/>
+        </p:spPr>
+        <p:txBody>
+          <a:bodyPr wrap="none" lIns="0" tIns="0" rIns="0" bIns="0" rtlCol="0">
+            <a:spAutoFit/>
+          </a:bodyPr>
+          <a:lstStyle/>
+          <a:p>
+            <a:r>
+              <a:rPr kumimoji="1" lang="en-US" altLang="zh-CN" sz="3200" b="1" dirty="0">
+                <a:latin typeface="微软雅黑" panose="020B0503020204020204" pitchFamily="34" charset="-122"/>
+                <a:ea typeface="微软雅黑" panose="020B0503020204020204" pitchFamily="34" charset="-122"/>
+              </a:rPr>
+              <a:t>Theorem</a:t>
+            </a:r>
+            <a:r>
+              <a:rPr kumimoji="1" lang="zh-CN" altLang="en-US" sz="3200" b="1" dirty="0">
+                <a:latin typeface="微软雅黑" panose="020B0503020204020204" pitchFamily="34" charset="-122"/>
+                <a:ea typeface="微软雅黑" panose="020B0503020204020204" pitchFamily="34" charset="-122"/>
+              </a:rPr>
+              <a:t> ： </a:t>
+            </a:r>
+            <a:r>
+              <a:rPr kumimoji="1" lang="en-US" altLang="zh-CN" sz="3200" b="1" dirty="0">
+                <a:latin typeface="微软雅黑" panose="020B0503020204020204" pitchFamily="34" charset="-122"/>
+                <a:ea typeface="微软雅黑" panose="020B0503020204020204" pitchFamily="34" charset="-122"/>
+              </a:rPr>
+              <a:t>Chord</a:t>
+            </a:r>
+            <a:r>
+              <a:rPr kumimoji="1" lang="zh-CN" altLang="en-US" sz="3200" b="1" dirty="0">
+                <a:latin typeface="微软雅黑" panose="020B0503020204020204" pitchFamily="34" charset="-122"/>
+                <a:ea typeface="微软雅黑" panose="020B0503020204020204" pitchFamily="34" charset="-122"/>
+              </a:rPr>
+              <a:t> </a:t>
+            </a:r>
+            <a:r>
+              <a:rPr kumimoji="1" lang="en-US" altLang="zh-CN" sz="3200" b="1" dirty="0">
+                <a:latin typeface="微软雅黑" panose="020B0503020204020204" pitchFamily="34" charset="-122"/>
+                <a:ea typeface="微软雅黑" panose="020B0503020204020204" pitchFamily="34" charset="-122"/>
+              </a:rPr>
+              <a:t>Algorithm</a:t>
+            </a:r>
+            <a:endParaRPr kumimoji="1" lang="zh-CN" altLang="en-US" sz="3200" b="1" dirty="0">
+              <a:latin typeface="微软雅黑" panose="020B0503020204020204" pitchFamily="34" charset="-122"/>
+              <a:ea typeface="微软雅黑" panose="020B0503020204020204" pitchFamily="34" charset="-122"/>
+            </a:endParaRPr>
+          </a:p>
+        </p:txBody>
+      </p:sp>
+      <p:sp>
+        <p:nvSpPr>
+          <p:cNvPr id="17" name="文本框 16">
+            <a:extLst>
+              <a:ext uri="{FF2B5EF4-FFF2-40B4-BE49-F238E27FC236}">
+                <a16:creationId xmlns:a16="http://schemas.microsoft.com/office/drawing/2014/main" id="{DE9ED7BF-1E20-714D-837F-7CE9C29C6088}"/>
+              </a:ext>
+            </a:extLst>
+          </p:cNvPr>
+          <p:cNvSpPr txBox="1"/>
+          <p:nvPr/>
+        </p:nvSpPr>
+        <p:spPr>
+          <a:xfrm>
+            <a:off x="7381268" y="315078"/>
+            <a:ext cx="6107288" cy="584775"/>
+          </a:xfrm>
+          <a:prstGeom prst="rect">
+            <a:avLst/>
+          </a:prstGeom>
+          <a:noFill/>
+        </p:spPr>
+        <p:txBody>
+          <a:bodyPr wrap="square">
+            <a:spAutoFit/>
+          </a:bodyPr>
+          <a:lstStyle/>
+          <a:p>
+            <a:r>
+              <a:rPr lang="en" altLang="zh-CN" sz="3200" b="0" i="0" u="none" strike="noStrike" dirty="0">
+                <a:solidFill>
+                  <a:schemeClr val="accent1"/>
+                </a:solidFill>
+                <a:effectLst/>
+                <a:latin typeface="Arial" panose="020B0604020202020204" pitchFamily="34" charset="0"/>
+              </a:rPr>
+              <a:t>Convergence</a:t>
+            </a:r>
+            <a:r>
+              <a:rPr lang="zh-CN" altLang="en-US" sz="3200" b="0" i="0" u="none" strike="noStrike" dirty="0">
+                <a:solidFill>
+                  <a:schemeClr val="accent1"/>
+                </a:solidFill>
+                <a:effectLst/>
+                <a:latin typeface="Arial" panose="020B0604020202020204" pitchFamily="34" charset="0"/>
+              </a:rPr>
+              <a:t> </a:t>
+            </a:r>
+            <a:r>
+              <a:rPr lang="en-US" altLang="zh-CN" sz="3200" b="0" i="0" u="none" strike="noStrike" dirty="0">
+                <a:solidFill>
+                  <a:schemeClr val="accent1"/>
+                </a:solidFill>
+                <a:effectLst/>
+                <a:latin typeface="Arial" panose="020B0604020202020204" pitchFamily="34" charset="0"/>
+              </a:rPr>
+              <a:t>Proof</a:t>
+            </a:r>
+            <a:endParaRPr lang="zh-CN" altLang="en-US" sz="3200" dirty="0">
+              <a:solidFill>
+                <a:schemeClr val="accent1"/>
+              </a:solidFill>
+            </a:endParaRPr>
+          </a:p>
+        </p:txBody>
+      </p:sp>
+      <p:sp>
+        <p:nvSpPr>
+          <p:cNvPr id="5" name="弧 4">
+            <a:extLst>
+              <a:ext uri="{FF2B5EF4-FFF2-40B4-BE49-F238E27FC236}">
+                <a16:creationId xmlns:a16="http://schemas.microsoft.com/office/drawing/2014/main" id="{D3558D82-9111-C149-AB76-306DB5243C85}"/>
+              </a:ext>
+            </a:extLst>
+          </p:cNvPr>
+          <p:cNvSpPr/>
+          <p:nvPr/>
+        </p:nvSpPr>
+        <p:spPr>
+          <a:xfrm>
+            <a:off x="270932" y="2472267"/>
+            <a:ext cx="5621867" cy="2562578"/>
+          </a:xfrm>
+          <a:prstGeom prst="arc">
+            <a:avLst>
+              <a:gd name="adj1" fmla="val 10774907"/>
+              <a:gd name="adj2" fmla="val 0"/>
+            </a:avLst>
+          </a:prstGeom>
+          <a:ln w="76200"/>
+        </p:spPr>
+        <p:style>
+          <a:lnRef idx="1">
+            <a:schemeClr val="accent1"/>
+          </a:lnRef>
+          <a:fillRef idx="0">
+            <a:schemeClr val="accent1"/>
+          </a:fillRef>
+          <a:effectRef idx="0">
+            <a:schemeClr val="accent1"/>
+          </a:effectRef>
+          <a:fontRef idx="minor">
+            <a:schemeClr val="tx1"/>
+          </a:fontRef>
+        </p:style>
+        <p:txBody>
+          <a:bodyPr rtlCol="0" anchor="ctr"/>
+          <a:lstStyle/>
+          <a:p>
+            <a:pPr algn="ctr"/>
+            <a:endParaRPr kumimoji="1" lang="zh-CN" altLang="en-US"/>
+          </a:p>
+        </p:txBody>
+      </p:sp>
+      <p:sp>
+        <p:nvSpPr>
+          <p:cNvPr id="10" name="矩形 9">
+            <a:extLst>
+              <a:ext uri="{FF2B5EF4-FFF2-40B4-BE49-F238E27FC236}">
+                <a16:creationId xmlns:a16="http://schemas.microsoft.com/office/drawing/2014/main" id="{60EBF69E-3479-2045-8BBF-2F26BD38EB63}"/>
+              </a:ext>
+            </a:extLst>
+          </p:cNvPr>
+          <p:cNvSpPr/>
+          <p:nvPr/>
+        </p:nvSpPr>
+        <p:spPr>
+          <a:xfrm>
+            <a:off x="349956" y="2912533"/>
+            <a:ext cx="451556" cy="516467"/>
+          </a:xfrm>
+          <a:prstGeom prst="rect">
+            <a:avLst/>
+          </a:prstGeom>
+        </p:spPr>
+        <p:style>
+          <a:lnRef idx="2">
+            <a:schemeClr val="dk1">
+              <a:shade val="50000"/>
+            </a:schemeClr>
+          </a:lnRef>
+          <a:fillRef idx="1">
+            <a:schemeClr val="dk1"/>
+          </a:fillRef>
+          <a:effectRef idx="0">
+            <a:schemeClr val="dk1"/>
+          </a:effectRef>
+          <a:fontRef idx="minor">
+            <a:schemeClr val="lt1"/>
+          </a:fontRef>
+        </p:style>
+        <p:txBody>
+          <a:bodyPr rtlCol="0" anchor="ctr"/>
+          <a:lstStyle/>
+          <a:p>
+            <a:pPr algn="ctr"/>
+            <a:r>
+              <a:rPr kumimoji="1" lang="en-US" altLang="zh-CN" dirty="0"/>
+              <a:t>N</a:t>
+            </a:r>
+            <a:endParaRPr kumimoji="1" lang="zh-CN" altLang="en-US" dirty="0"/>
+          </a:p>
+        </p:txBody>
+      </p:sp>
+      <p:sp>
+        <p:nvSpPr>
+          <p:cNvPr id="19" name="矩形 18">
+            <a:extLst>
+              <a:ext uri="{FF2B5EF4-FFF2-40B4-BE49-F238E27FC236}">
+                <a16:creationId xmlns:a16="http://schemas.microsoft.com/office/drawing/2014/main" id="{B4A578FA-6A01-C446-9C64-B637EBFC4DC4}"/>
+              </a:ext>
+            </a:extLst>
+          </p:cNvPr>
+          <p:cNvSpPr/>
+          <p:nvPr/>
+        </p:nvSpPr>
+        <p:spPr>
+          <a:xfrm>
+            <a:off x="1727200" y="2335386"/>
+            <a:ext cx="451556" cy="516467"/>
+          </a:xfrm>
+          <a:prstGeom prst="rect">
+            <a:avLst/>
+          </a:prstGeom>
+        </p:spPr>
+        <p:style>
+          <a:lnRef idx="2">
+            <a:schemeClr val="dk1">
+              <a:shade val="50000"/>
+            </a:schemeClr>
+          </a:lnRef>
+          <a:fillRef idx="1">
+            <a:schemeClr val="dk1"/>
+          </a:fillRef>
+          <a:effectRef idx="0">
+            <a:schemeClr val="dk1"/>
+          </a:effectRef>
+          <a:fontRef idx="minor">
+            <a:schemeClr val="lt1"/>
+          </a:fontRef>
+        </p:style>
+        <p:txBody>
+          <a:bodyPr rtlCol="0" anchor="ctr"/>
+          <a:lstStyle/>
+          <a:p>
+            <a:pPr algn="ctr"/>
+            <a:r>
+              <a:rPr kumimoji="1" lang="en-US" altLang="zh-CN" dirty="0"/>
+              <a:t>J</a:t>
+            </a:r>
+            <a:endParaRPr kumimoji="1" lang="zh-CN" altLang="en-US" dirty="0"/>
+          </a:p>
+        </p:txBody>
+      </p:sp>
+      <p:sp>
+        <p:nvSpPr>
+          <p:cNvPr id="20" name="矩形 19">
+            <a:extLst>
+              <a:ext uri="{FF2B5EF4-FFF2-40B4-BE49-F238E27FC236}">
+                <a16:creationId xmlns:a16="http://schemas.microsoft.com/office/drawing/2014/main" id="{96054488-F374-A949-BB41-77350A78D1B2}"/>
+              </a:ext>
+            </a:extLst>
+          </p:cNvPr>
+          <p:cNvSpPr/>
+          <p:nvPr/>
+        </p:nvSpPr>
+        <p:spPr>
+          <a:xfrm>
+            <a:off x="4814711" y="2628899"/>
+            <a:ext cx="451556" cy="516467"/>
+          </a:xfrm>
+          <a:prstGeom prst="rect">
+            <a:avLst/>
+          </a:prstGeom>
+        </p:spPr>
+        <p:style>
+          <a:lnRef idx="2">
+            <a:schemeClr val="dk1">
+              <a:shade val="50000"/>
+            </a:schemeClr>
+          </a:lnRef>
+          <a:fillRef idx="1">
+            <a:schemeClr val="dk1"/>
+          </a:fillRef>
+          <a:effectRef idx="0">
+            <a:schemeClr val="dk1"/>
+          </a:effectRef>
+          <a:fontRef idx="minor">
+            <a:schemeClr val="lt1"/>
+          </a:fontRef>
+        </p:style>
+        <p:txBody>
+          <a:bodyPr rtlCol="0" anchor="ctr"/>
+          <a:lstStyle/>
+          <a:p>
+            <a:pPr algn="ctr"/>
+            <a:r>
+              <a:rPr kumimoji="1" lang="en-US" altLang="zh-CN" dirty="0"/>
+              <a:t>P</a:t>
+            </a:r>
+            <a:endParaRPr kumimoji="1" lang="zh-CN" altLang="en-US" dirty="0"/>
+          </a:p>
+        </p:txBody>
+      </p:sp>
+      <p:sp>
+        <p:nvSpPr>
+          <p:cNvPr id="11" name="三角形 10">
+            <a:extLst>
+              <a:ext uri="{FF2B5EF4-FFF2-40B4-BE49-F238E27FC236}">
+                <a16:creationId xmlns:a16="http://schemas.microsoft.com/office/drawing/2014/main" id="{DDE0F2B4-24BD-6A40-A7BF-1A5FC682167F}"/>
+              </a:ext>
+            </a:extLst>
+          </p:cNvPr>
+          <p:cNvSpPr/>
+          <p:nvPr/>
+        </p:nvSpPr>
+        <p:spPr>
+          <a:xfrm>
+            <a:off x="2965322" y="2135717"/>
+            <a:ext cx="1027289" cy="673099"/>
+          </a:xfrm>
+          <a:prstGeom prst="triangle">
+            <a:avLst/>
+          </a:prstGeom>
+        </p:spPr>
+        <p:style>
+          <a:lnRef idx="2">
+            <a:schemeClr val="accent1">
+              <a:shade val="50000"/>
+            </a:schemeClr>
+          </a:lnRef>
+          <a:fillRef idx="1">
+            <a:schemeClr val="accent1"/>
+          </a:fillRef>
+          <a:effectRef idx="0">
+            <a:schemeClr val="accent1"/>
+          </a:effectRef>
+          <a:fontRef idx="minor">
+            <a:schemeClr val="lt1"/>
+          </a:fontRef>
+        </p:style>
+        <p:txBody>
+          <a:bodyPr rtlCol="0" anchor="ctr"/>
+          <a:lstStyle/>
+          <a:p>
+            <a:pPr algn="ctr"/>
+            <a:r>
+              <a:rPr kumimoji="1" lang="en-US" altLang="zh-CN" dirty="0"/>
+              <a:t>key</a:t>
+            </a:r>
+            <a:endParaRPr kumimoji="1" lang="zh-CN" altLang="en-US" dirty="0"/>
+          </a:p>
+        </p:txBody>
+      </p:sp>
+      <p:sp>
+        <p:nvSpPr>
+          <p:cNvPr id="21" name="文本框 20">
+            <a:extLst>
+              <a:ext uri="{FF2B5EF4-FFF2-40B4-BE49-F238E27FC236}">
+                <a16:creationId xmlns:a16="http://schemas.microsoft.com/office/drawing/2014/main" id="{3292FEF6-E545-A543-AE53-2AD331080B6A}"/>
+              </a:ext>
+            </a:extLst>
+          </p:cNvPr>
+          <p:cNvSpPr txBox="1"/>
+          <p:nvPr/>
+        </p:nvSpPr>
+        <p:spPr>
+          <a:xfrm>
+            <a:off x="1922521" y="3022255"/>
+            <a:ext cx="121828" cy="492443"/>
+          </a:xfrm>
+          <a:prstGeom prst="rect">
+            <a:avLst/>
+          </a:prstGeom>
+          <a:noFill/>
+        </p:spPr>
+        <p:txBody>
+          <a:bodyPr wrap="none" lIns="0" tIns="0" rIns="0" bIns="0" rtlCol="0">
+            <a:spAutoFit/>
+          </a:bodyPr>
+          <a:lstStyle/>
+          <a:p>
+            <a:r>
+              <a:rPr kumimoji="1" lang="en-US" altLang="zh-CN" sz="3200" b="1" dirty="0" err="1">
+                <a:solidFill>
+                  <a:schemeClr val="accent6"/>
+                </a:solidFill>
+                <a:latin typeface="微软雅黑" panose="020B0503020204020204" pitchFamily="34" charset="-122"/>
+                <a:ea typeface="微软雅黑" panose="020B0503020204020204" pitchFamily="34" charset="-122"/>
+              </a:rPr>
+              <a:t>i</a:t>
+            </a:r>
+            <a:endParaRPr kumimoji="1" lang="zh-CN" altLang="en-US" sz="3600" b="1" dirty="0">
+              <a:solidFill>
+                <a:schemeClr val="accent6"/>
+              </a:solidFill>
+              <a:latin typeface="微软雅黑" panose="020B0503020204020204" pitchFamily="34" charset="-122"/>
+              <a:ea typeface="微软雅黑" panose="020B0503020204020204" pitchFamily="34" charset="-122"/>
+            </a:endParaRPr>
+          </a:p>
+        </p:txBody>
+      </p:sp>
+      <p:sp>
+        <p:nvSpPr>
+          <p:cNvPr id="23" name="文本框 22">
+            <a:extLst>
+              <a:ext uri="{FF2B5EF4-FFF2-40B4-BE49-F238E27FC236}">
+                <a16:creationId xmlns:a16="http://schemas.microsoft.com/office/drawing/2014/main" id="{237303C4-C475-CA48-9849-44C40ADC60CE}"/>
+              </a:ext>
+            </a:extLst>
+          </p:cNvPr>
+          <p:cNvSpPr txBox="1"/>
+          <p:nvPr/>
+        </p:nvSpPr>
+        <p:spPr>
+          <a:xfrm>
+            <a:off x="4696644" y="3254025"/>
+            <a:ext cx="687689" cy="492443"/>
+          </a:xfrm>
+          <a:prstGeom prst="rect">
+            <a:avLst/>
+          </a:prstGeom>
+          <a:noFill/>
+        </p:spPr>
+        <p:txBody>
+          <a:bodyPr wrap="none" lIns="0" tIns="0" rIns="0" bIns="0" rtlCol="0">
+            <a:spAutoFit/>
+          </a:bodyPr>
+          <a:lstStyle/>
+          <a:p>
+            <a:r>
+              <a:rPr kumimoji="1" lang="en-US" altLang="zh-CN" sz="3200" b="1" dirty="0">
+                <a:solidFill>
+                  <a:schemeClr val="accent6"/>
+                </a:solidFill>
+                <a:latin typeface="微软雅黑" panose="020B0503020204020204" pitchFamily="34" charset="-122"/>
+                <a:ea typeface="微软雅黑" panose="020B0503020204020204" pitchFamily="34" charset="-122"/>
+              </a:rPr>
+              <a:t>i+1</a:t>
+            </a:r>
+            <a:endParaRPr kumimoji="1" lang="zh-CN" altLang="en-US" sz="3600" b="1" dirty="0">
+              <a:solidFill>
+                <a:schemeClr val="accent6"/>
+              </a:solidFill>
+              <a:latin typeface="微软雅黑" panose="020B0503020204020204" pitchFamily="34" charset="-122"/>
+              <a:ea typeface="微软雅黑" panose="020B0503020204020204" pitchFamily="34" charset="-122"/>
+            </a:endParaRPr>
+          </a:p>
+        </p:txBody>
+      </p:sp>
+      <p:sp>
+        <p:nvSpPr>
+          <p:cNvPr id="22" name="文本框 21">
+            <a:extLst>
+              <a:ext uri="{FF2B5EF4-FFF2-40B4-BE49-F238E27FC236}">
+                <a16:creationId xmlns:a16="http://schemas.microsoft.com/office/drawing/2014/main" id="{C108A654-D5B9-8240-AFA6-DF19347B8538}"/>
+              </a:ext>
+            </a:extLst>
+          </p:cNvPr>
+          <p:cNvSpPr txBox="1"/>
+          <p:nvPr/>
+        </p:nvSpPr>
+        <p:spPr>
+          <a:xfrm>
+            <a:off x="6096000" y="1278255"/>
+            <a:ext cx="5981446" cy="2585323"/>
+          </a:xfrm>
+          <a:prstGeom prst="rect">
+            <a:avLst/>
+          </a:prstGeom>
+          <a:noFill/>
+        </p:spPr>
+        <p:txBody>
+          <a:bodyPr wrap="square" lIns="0" tIns="0" rIns="0" bIns="0" rtlCol="0">
+            <a:spAutoFit/>
+          </a:bodyPr>
+          <a:lstStyle/>
+          <a:p>
+            <a:pPr algn="ctr"/>
+            <a:r>
+              <a:rPr kumimoji="1" lang="en-US" altLang="zh-CN" sz="2800" dirty="0">
+                <a:latin typeface="微软雅黑" panose="020B0503020204020204" pitchFamily="34" charset="-122"/>
+                <a:ea typeface="微软雅黑" panose="020B0503020204020204" pitchFamily="34" charset="-122"/>
+              </a:rPr>
+              <a:t>J</a:t>
+            </a:r>
+            <a:r>
+              <a:rPr kumimoji="1" lang="zh-CN" altLang="en-US" sz="2800" dirty="0">
+                <a:latin typeface="微软雅黑" panose="020B0503020204020204" pitchFamily="34" charset="-122"/>
+                <a:ea typeface="微软雅黑" panose="020B0503020204020204" pitchFamily="34" charset="-122"/>
+              </a:rPr>
+              <a:t> </a:t>
+            </a:r>
+            <a:r>
+              <a:rPr kumimoji="1" lang="en-US" altLang="zh-CN" sz="2800" dirty="0">
+                <a:latin typeface="微软雅黑" panose="020B0503020204020204" pitchFamily="34" charset="-122"/>
+                <a:ea typeface="微软雅黑" panose="020B0503020204020204" pitchFamily="34" charset="-122"/>
+              </a:rPr>
+              <a:t>=</a:t>
+            </a:r>
+            <a:r>
+              <a:rPr kumimoji="1" lang="zh-CN" altLang="en-US" sz="2800" dirty="0">
+                <a:latin typeface="微软雅黑" panose="020B0503020204020204" pitchFamily="34" charset="-122"/>
+                <a:ea typeface="微软雅黑" panose="020B0503020204020204" pitchFamily="34" charset="-122"/>
+              </a:rPr>
+              <a:t> </a:t>
+            </a:r>
+            <a:r>
+              <a:rPr kumimoji="1" lang="en-US" altLang="zh-CN" sz="2800" dirty="0">
+                <a:latin typeface="微软雅黑" panose="020B0503020204020204" pitchFamily="34" charset="-122"/>
+                <a:ea typeface="微软雅黑" panose="020B0503020204020204" pitchFamily="34" charset="-122"/>
+              </a:rPr>
+              <a:t>n</a:t>
+            </a:r>
+            <a:r>
+              <a:rPr kumimoji="1" lang="zh-CN" altLang="en-US" sz="2800" dirty="0">
+                <a:latin typeface="微软雅黑" panose="020B0503020204020204" pitchFamily="34" charset="-122"/>
+                <a:ea typeface="微软雅黑" panose="020B0503020204020204" pitchFamily="34" charset="-122"/>
+              </a:rPr>
+              <a:t> </a:t>
+            </a:r>
+            <a:r>
+              <a:rPr kumimoji="1" lang="en-US" altLang="zh-CN" sz="2800" dirty="0">
+                <a:latin typeface="微软雅黑" panose="020B0503020204020204" pitchFamily="34" charset="-122"/>
+                <a:ea typeface="微软雅黑" panose="020B0503020204020204" pitchFamily="34" charset="-122"/>
+              </a:rPr>
+              <a:t>+</a:t>
+            </a:r>
+            <a:r>
+              <a:rPr kumimoji="1" lang="zh-CN" altLang="en-US" sz="2800" dirty="0">
+                <a:latin typeface="微软雅黑" panose="020B0503020204020204" pitchFamily="34" charset="-122"/>
+                <a:ea typeface="微软雅黑" panose="020B0503020204020204" pitchFamily="34" charset="-122"/>
+              </a:rPr>
+              <a:t> </a:t>
+            </a:r>
+            <a:r>
+              <a:rPr kumimoji="1" lang="en-US" altLang="zh-CN" sz="2800" dirty="0">
+                <a:latin typeface="微软雅黑" panose="020B0503020204020204" pitchFamily="34" charset="-122"/>
+                <a:ea typeface="微软雅黑" panose="020B0503020204020204" pitchFamily="34" charset="-122"/>
+              </a:rPr>
+              <a:t>2^(i-1)</a:t>
+            </a:r>
+          </a:p>
+          <a:p>
+            <a:pPr algn="ctr"/>
+            <a:r>
+              <a:rPr kumimoji="1" lang="en-US" altLang="zh-CN" sz="2800" dirty="0">
+                <a:latin typeface="微软雅黑" panose="020B0503020204020204" pitchFamily="34" charset="-122"/>
+                <a:ea typeface="微软雅黑" panose="020B0503020204020204" pitchFamily="34" charset="-122"/>
+              </a:rPr>
+              <a:t>P = n + 2^i</a:t>
+            </a:r>
+          </a:p>
+          <a:p>
+            <a:pPr algn="ctr"/>
+            <a:r>
+              <a:rPr lang="en" altLang="zh-CN" sz="2800" dirty="0"/>
+              <a:t>J-n &lt; hash(Key) – n &lt;P – n</a:t>
+            </a:r>
+          </a:p>
+          <a:p>
+            <a:pPr algn="ctr"/>
+            <a:r>
+              <a:rPr kumimoji="1" lang="en-US" altLang="zh-CN" sz="2800" dirty="0">
+                <a:latin typeface="微软雅黑" panose="020B0503020204020204" pitchFamily="34" charset="-122"/>
+                <a:ea typeface="微软雅黑" panose="020B0503020204020204" pitchFamily="34" charset="-122"/>
+              </a:rPr>
+              <a:t>2^(i-1) &lt; hash(key) – n &lt; 2^i</a:t>
+            </a:r>
+          </a:p>
+          <a:p>
+            <a:pPr algn="ctr"/>
+            <a:endParaRPr kumimoji="1" lang="en-US" altLang="zh-CN" sz="2800" dirty="0">
+              <a:latin typeface="微软雅黑" panose="020B0503020204020204" pitchFamily="34" charset="-122"/>
+              <a:ea typeface="微软雅黑" panose="020B0503020204020204" pitchFamily="34" charset="-122"/>
+            </a:endParaRPr>
+          </a:p>
+          <a:p>
+            <a:pPr algn="ctr"/>
+            <a:endParaRPr kumimoji="1" lang="zh-CN" altLang="en-US" sz="2800" dirty="0">
+              <a:latin typeface="微软雅黑" panose="020B0503020204020204" pitchFamily="34" charset="-122"/>
+              <a:ea typeface="微软雅黑" panose="020B0503020204020204" pitchFamily="34" charset="-122"/>
+            </a:endParaRPr>
+          </a:p>
+        </p:txBody>
+      </p:sp>
+      <p:sp>
+        <p:nvSpPr>
+          <p:cNvPr id="25" name="文本框 24">
+            <a:extLst>
+              <a:ext uri="{FF2B5EF4-FFF2-40B4-BE49-F238E27FC236}">
+                <a16:creationId xmlns:a16="http://schemas.microsoft.com/office/drawing/2014/main" id="{9C2EFAEB-B964-B547-B51F-CD4FEA5F0732}"/>
+              </a:ext>
+            </a:extLst>
+          </p:cNvPr>
+          <p:cNvSpPr txBox="1"/>
+          <p:nvPr/>
+        </p:nvSpPr>
+        <p:spPr>
+          <a:xfrm>
+            <a:off x="758708" y="3432854"/>
+            <a:ext cx="266098" cy="492443"/>
+          </a:xfrm>
+          <a:prstGeom prst="rect">
+            <a:avLst/>
+          </a:prstGeom>
+          <a:noFill/>
+        </p:spPr>
+        <p:txBody>
+          <a:bodyPr wrap="none" lIns="0" tIns="0" rIns="0" bIns="0" rtlCol="0">
+            <a:spAutoFit/>
+          </a:bodyPr>
+          <a:lstStyle/>
+          <a:p>
+            <a:r>
+              <a:rPr kumimoji="1" lang="en-US" altLang="zh-CN" sz="3200" b="1" dirty="0">
+                <a:solidFill>
+                  <a:schemeClr val="accent6"/>
+                </a:solidFill>
+                <a:latin typeface="微软雅黑" panose="020B0503020204020204" pitchFamily="34" charset="-122"/>
+                <a:ea typeface="微软雅黑" panose="020B0503020204020204" pitchFamily="34" charset="-122"/>
+              </a:rPr>
+              <a:t>n</a:t>
+            </a:r>
+            <a:endParaRPr kumimoji="1" lang="zh-CN" altLang="en-US" sz="3600" b="1" dirty="0">
+              <a:solidFill>
+                <a:schemeClr val="accent6"/>
+              </a:solidFill>
+              <a:latin typeface="微软雅黑" panose="020B0503020204020204" pitchFamily="34" charset="-122"/>
+              <a:ea typeface="微软雅黑" panose="020B0503020204020204" pitchFamily="34" charset="-122"/>
+            </a:endParaRPr>
+          </a:p>
+        </p:txBody>
+      </p:sp>
+      <p:sp>
+        <p:nvSpPr>
+          <p:cNvPr id="24" name="文本框 23">
+            <a:extLst>
+              <a:ext uri="{FF2B5EF4-FFF2-40B4-BE49-F238E27FC236}">
+                <a16:creationId xmlns:a16="http://schemas.microsoft.com/office/drawing/2014/main" id="{162EEAEB-BB8F-A847-8F8F-765E18851F07}"/>
+              </a:ext>
+            </a:extLst>
+          </p:cNvPr>
+          <p:cNvSpPr txBox="1"/>
+          <p:nvPr/>
+        </p:nvSpPr>
+        <p:spPr>
+          <a:xfrm>
+            <a:off x="6570133" y="3746468"/>
+            <a:ext cx="5155514" cy="492443"/>
+          </a:xfrm>
+          <a:prstGeom prst="rect">
+            <a:avLst/>
+          </a:prstGeom>
+          <a:noFill/>
+        </p:spPr>
+        <p:txBody>
+          <a:bodyPr wrap="none" lIns="0" tIns="0" rIns="0" bIns="0" rtlCol="0">
+            <a:spAutoFit/>
+          </a:bodyPr>
+          <a:lstStyle/>
+          <a:p>
+            <a:r>
+              <a:rPr kumimoji="1" lang="en-US" altLang="zh-CN" sz="1600" b="1" dirty="0">
+                <a:solidFill>
+                  <a:schemeClr val="accent6"/>
+                </a:solidFill>
+                <a:latin typeface="微软雅黑" panose="020B0503020204020204" pitchFamily="34" charset="-122"/>
+                <a:ea typeface="微软雅黑" panose="020B0503020204020204" pitchFamily="34" charset="-122"/>
+              </a:rPr>
+              <a:t>Distance(Key, J) &lt; Distance( J, P ) = P – J = 2^(i-1)</a:t>
+            </a:r>
+          </a:p>
+          <a:p>
+            <a:r>
+              <a:rPr kumimoji="1" lang="en-US" altLang="zh-CN" sz="1600" b="1" dirty="0">
+                <a:solidFill>
+                  <a:schemeClr val="accent6"/>
+                </a:solidFill>
+                <a:latin typeface="微软雅黑" panose="020B0503020204020204" pitchFamily="34" charset="-122"/>
+                <a:ea typeface="微软雅黑" panose="020B0503020204020204" pitchFamily="34" charset="-122"/>
+              </a:rPr>
+              <a:t> </a:t>
+            </a:r>
+            <a:endParaRPr kumimoji="1" lang="zh-CN" altLang="en-US" sz="1600" b="1" dirty="0">
+              <a:solidFill>
+                <a:schemeClr val="accent6"/>
+              </a:solidFill>
+              <a:latin typeface="微软雅黑" panose="020B0503020204020204" pitchFamily="34" charset="-122"/>
+              <a:ea typeface="微软雅黑" panose="020B0503020204020204" pitchFamily="34" charset="-122"/>
+            </a:endParaRPr>
+          </a:p>
+        </p:txBody>
+      </p:sp>
+      <p:sp>
+        <p:nvSpPr>
+          <p:cNvPr id="26" name="文本框 25">
+            <a:extLst>
+              <a:ext uri="{FF2B5EF4-FFF2-40B4-BE49-F238E27FC236}">
+                <a16:creationId xmlns:a16="http://schemas.microsoft.com/office/drawing/2014/main" id="{63F1268B-0596-E642-A703-5B89D712E1AD}"/>
+              </a:ext>
+            </a:extLst>
+          </p:cNvPr>
+          <p:cNvSpPr txBox="1"/>
+          <p:nvPr/>
+        </p:nvSpPr>
+        <p:spPr>
+          <a:xfrm>
+            <a:off x="5508978" y="4560711"/>
+            <a:ext cx="6175793" cy="492443"/>
+          </a:xfrm>
+          <a:prstGeom prst="rect">
+            <a:avLst/>
+          </a:prstGeom>
+          <a:noFill/>
+        </p:spPr>
+        <p:txBody>
+          <a:bodyPr wrap="none" lIns="0" tIns="0" rIns="0" bIns="0" rtlCol="0">
+            <a:spAutoFit/>
+          </a:bodyPr>
+          <a:lstStyle/>
+          <a:p>
+            <a:r>
+              <a:rPr kumimoji="1" lang="en-US" altLang="zh-CN" sz="1600" b="1" dirty="0">
+                <a:solidFill>
+                  <a:schemeClr val="accent6"/>
+                </a:solidFill>
+                <a:latin typeface="微软雅黑" panose="020B0503020204020204" pitchFamily="34" charset="-122"/>
+                <a:ea typeface="微软雅黑" panose="020B0503020204020204" pitchFamily="34" charset="-122"/>
+              </a:rPr>
+              <a:t>Above</a:t>
+            </a:r>
+            <a:r>
+              <a:rPr kumimoji="1" lang="zh-CN" altLang="en-US" sz="1600" b="1" dirty="0">
+                <a:solidFill>
+                  <a:schemeClr val="accent6"/>
+                </a:solidFill>
+                <a:latin typeface="微软雅黑" panose="020B0503020204020204" pitchFamily="34" charset="-122"/>
+                <a:ea typeface="微软雅黑" panose="020B0503020204020204" pitchFamily="34" charset="-122"/>
+              </a:rPr>
+              <a:t> </a:t>
+            </a:r>
+            <a:r>
+              <a:rPr kumimoji="1" lang="en-US" altLang="zh-CN" sz="1600" b="1" dirty="0">
+                <a:solidFill>
+                  <a:schemeClr val="accent6"/>
+                </a:solidFill>
+                <a:latin typeface="微软雅黑" panose="020B0503020204020204" pitchFamily="34" charset="-122"/>
+                <a:ea typeface="微软雅黑" panose="020B0503020204020204" pitchFamily="34" charset="-122"/>
+              </a:rPr>
+              <a:t>all</a:t>
+            </a:r>
+            <a:r>
+              <a:rPr kumimoji="1" lang="zh-CN" altLang="en-US" sz="1600" b="1" dirty="0">
+                <a:solidFill>
+                  <a:schemeClr val="accent6"/>
+                </a:solidFill>
+                <a:latin typeface="微软雅黑" panose="020B0503020204020204" pitchFamily="34" charset="-122"/>
+                <a:ea typeface="微软雅黑" panose="020B0503020204020204" pitchFamily="34" charset="-122"/>
+              </a:rPr>
+              <a:t>：</a:t>
+            </a:r>
+            <a:endParaRPr kumimoji="1" lang="en-US" altLang="zh-CN" sz="1600" b="1" dirty="0">
+              <a:solidFill>
+                <a:schemeClr val="accent6"/>
+              </a:solidFill>
+              <a:latin typeface="微软雅黑" panose="020B0503020204020204" pitchFamily="34" charset="-122"/>
+              <a:ea typeface="微软雅黑" panose="020B0503020204020204" pitchFamily="34" charset="-122"/>
+            </a:endParaRPr>
+          </a:p>
+          <a:p>
+            <a:r>
+              <a:rPr kumimoji="1" lang="en-US" altLang="zh-CN" sz="1600" b="1" dirty="0">
+                <a:solidFill>
+                  <a:schemeClr val="accent6"/>
+                </a:solidFill>
+                <a:latin typeface="微软雅黑" panose="020B0503020204020204" pitchFamily="34" charset="-122"/>
+                <a:ea typeface="微软雅黑" panose="020B0503020204020204" pitchFamily="34" charset="-122"/>
+              </a:rPr>
+              <a:t>	Distance(Key, J) &lt; Distance(J, P) &lt; Distance(n, Key)</a:t>
+            </a:r>
+            <a:endParaRPr kumimoji="1" lang="zh-CN" altLang="en-US" sz="1600" b="1" dirty="0">
+              <a:solidFill>
+                <a:schemeClr val="accent6"/>
+              </a:solidFill>
+              <a:latin typeface="微软雅黑" panose="020B0503020204020204" pitchFamily="34" charset="-122"/>
+              <a:ea typeface="微软雅黑" panose="020B0503020204020204" pitchFamily="34" charset="-122"/>
+            </a:endParaRPr>
+          </a:p>
+        </p:txBody>
+      </p:sp>
+    </p:spTree>
+    <p:extLst>
+      <p:ext uri="{BB962C8B-B14F-4D97-AF65-F5344CB8AC3E}">
+        <p14:creationId xmlns:p14="http://schemas.microsoft.com/office/powerpoint/2010/main" val="1827650555"/>
+      </p:ext>
+    </p:extLst>
+  </p:cSld>
+  <p:clrMapOvr>
+    <a:masterClrMapping/>
+  </p:clrMapOvr>
+  <mc:AlternateContent xmlns:mc="http://schemas.openxmlformats.org/markup-compatibility/2006">
+    <mc:Choice xmlns:p14="http://schemas.microsoft.com/office/powerpoint/2010/main" Requires="p14">
+      <p:transition spd="slow" p14:dur="1600"/>
+    </mc:Choice>
+    <mc:Fallback>
+      <p:transition spd="slow"/>
+    </mc:Fallback>
+  </mc:AlternateContent>
+</p:sld>
+</file>
+
+<file path=ppt/slides/slide16.xml><?xml version="1.0" encoding="utf-8"?>
 <p:sld xmlns:a="http://schemas.openxmlformats.org/drawingml/2006/main" xmlns:r="http://schemas.openxmlformats.org/officeDocument/2006/relationships" xmlns:p="http://schemas.openxmlformats.org/presentationml/2006/main">
   <p:cSld>
     <p:spTree>
@@ -6352,11 +10840,11 @@
   <p:clrMapOvr>
     <a:masterClrMapping/>
   </p:clrMapOvr>
-  <mc:AlternateContent xmlns:mc="http://schemas.openxmlformats.org/markup-compatibility/2006">
-    <mc:Choice xmlns:p14="http://schemas.microsoft.com/office/powerpoint/2010/main" Requires="p14">
+  <mc:AlternateContent xmlns:mc="http://schemas.openxmlformats.org/markup-compatibility/2006" xmlns:p14="http://schemas.microsoft.com/office/powerpoint/2010/main">
+    <mc:Choice Requires="p14">
       <p:transition spd="slow" p14:dur="1600"/>
     </mc:Choice>
-    <mc:Fallback>
+    <mc:Fallback xmlns="">
       <p:transition spd="slow"/>
     </mc:Fallback>
   </mc:AlternateContent>
@@ -7062,11 +11550,11 @@
   <p:clrMapOvr>
     <a:masterClrMapping/>
   </p:clrMapOvr>
-  <mc:AlternateContent xmlns:mc="http://schemas.openxmlformats.org/markup-compatibility/2006">
-    <mc:Choice xmlns:p14="http://schemas.microsoft.com/office/powerpoint/2010/main" Requires="p14">
+  <mc:AlternateContent xmlns:mc="http://schemas.openxmlformats.org/markup-compatibility/2006" xmlns:p14="http://schemas.microsoft.com/office/powerpoint/2010/main">
+    <mc:Choice Requires="p14">
       <p:transition spd="slow" p14:dur="1600"/>
     </mc:Choice>
-    <mc:Fallback>
+    <mc:Fallback xmlns="">
       <p:transition spd="slow"/>
     </mc:Fallback>
   </mc:AlternateContent>
@@ -7310,11 +11798,11 @@
   <p:clrMapOvr>
     <a:masterClrMapping/>
   </p:clrMapOvr>
-  <mc:AlternateContent xmlns:mc="http://schemas.openxmlformats.org/markup-compatibility/2006">
-    <mc:Choice xmlns:p14="http://schemas.microsoft.com/office/powerpoint/2010/main" Requires="p14">
+  <mc:AlternateContent xmlns:mc="http://schemas.openxmlformats.org/markup-compatibility/2006" xmlns:p14="http://schemas.microsoft.com/office/powerpoint/2010/main">
+    <mc:Choice Requires="p14">
       <p:transition spd="slow" p14:dur="1600"/>
     </mc:Choice>
-    <mc:Fallback>
+    <mc:Fallback xmlns="">
       <p:transition spd="slow"/>
     </mc:Fallback>
   </mc:AlternateContent>
@@ -8212,6 +12700,36 @@
           </a:p>
         </p:txBody>
       </p:sp>
+      <p:pic>
+        <p:nvPicPr>
+          <p:cNvPr id="5" name="图片 4">
+            <a:extLst>
+              <a:ext uri="{FF2B5EF4-FFF2-40B4-BE49-F238E27FC236}">
+                <a16:creationId xmlns:a16="http://schemas.microsoft.com/office/drawing/2014/main" id="{7FCD0DC1-D955-F64E-88D1-7F92FD83148E}"/>
+              </a:ext>
+            </a:extLst>
+          </p:cNvPr>
+          <p:cNvPicPr>
+            <a:picLocks noChangeAspect="1"/>
+          </p:cNvPicPr>
+          <p:nvPr/>
+        </p:nvPicPr>
+        <p:blipFill>
+          <a:blip r:embed="rId4"/>
+          <a:stretch>
+            <a:fillRect/>
+          </a:stretch>
+        </p:blipFill>
+        <p:spPr>
+          <a:xfrm>
+            <a:off x="0" y="5537846"/>
+            <a:ext cx="4978400" cy="1344060"/>
+          </a:xfrm>
+          <a:prstGeom prst="rect">
+            <a:avLst/>
+          </a:prstGeom>
+        </p:spPr>
+      </p:pic>
     </p:spTree>
     <p:extLst>
       <p:ext uri="{BB962C8B-B14F-4D97-AF65-F5344CB8AC3E}">
@@ -8222,11 +12740,11 @@
   <p:clrMapOvr>
     <a:masterClrMapping/>
   </p:clrMapOvr>
-  <mc:AlternateContent xmlns:mc="http://schemas.openxmlformats.org/markup-compatibility/2006">
-    <mc:Choice xmlns:p14="http://schemas.microsoft.com/office/powerpoint/2010/main" Requires="p14">
+  <mc:AlternateContent xmlns:mc="http://schemas.openxmlformats.org/markup-compatibility/2006" xmlns:p14="http://schemas.microsoft.com/office/powerpoint/2010/main">
+    <mc:Choice Requires="p14">
       <p:transition spd="slow" p14:dur="1600"/>
     </mc:Choice>
-    <mc:Fallback>
+    <mc:Fallback xmlns="">
       <p:transition spd="slow"/>
     </mc:Fallback>
   </mc:AlternateContent>
@@ -9184,6 +13702,36 @@
           </a:p>
         </p:txBody>
       </p:sp>
+      <p:pic>
+        <p:nvPicPr>
+          <p:cNvPr id="5" name="图片 4">
+            <a:extLst>
+              <a:ext uri="{FF2B5EF4-FFF2-40B4-BE49-F238E27FC236}">
+                <a16:creationId xmlns:a16="http://schemas.microsoft.com/office/drawing/2014/main" id="{684F280E-899C-4D47-A4BB-22822540E5D4}"/>
+              </a:ext>
+            </a:extLst>
+          </p:cNvPr>
+          <p:cNvPicPr>
+            <a:picLocks noChangeAspect="1"/>
+          </p:cNvPicPr>
+          <p:nvPr/>
+        </p:nvPicPr>
+        <p:blipFill>
+          <a:blip r:embed="rId4"/>
+          <a:stretch>
+            <a:fillRect/>
+          </a:stretch>
+        </p:blipFill>
+        <p:spPr>
+          <a:xfrm>
+            <a:off x="32711" y="5549171"/>
+            <a:ext cx="4877956" cy="1316943"/>
+          </a:xfrm>
+          <a:prstGeom prst="rect">
+            <a:avLst/>
+          </a:prstGeom>
+        </p:spPr>
+      </p:pic>
     </p:spTree>
     <p:extLst>
       <p:ext uri="{BB962C8B-B14F-4D97-AF65-F5344CB8AC3E}">
@@ -9194,11 +13742,11 @@
   <p:clrMapOvr>
     <a:masterClrMapping/>
   </p:clrMapOvr>
-  <mc:AlternateContent xmlns:mc="http://schemas.openxmlformats.org/markup-compatibility/2006">
-    <mc:Choice xmlns:p14="http://schemas.microsoft.com/office/powerpoint/2010/main" Requires="p14">
+  <mc:AlternateContent xmlns:mc="http://schemas.openxmlformats.org/markup-compatibility/2006" xmlns:p14="http://schemas.microsoft.com/office/powerpoint/2010/main">
+    <mc:Choice Requires="p14">
       <p:transition spd="slow" p14:dur="1600"/>
     </mc:Choice>
-    <mc:Fallback>
+    <mc:Fallback xmlns="">
       <p:transition spd="slow"/>
     </mc:Fallback>
   </mc:AlternateContent>
@@ -9222,6 +13770,53 @@
           <a:chExt cx="0" cy="0"/>
         </a:xfrm>
       </p:grpSpPr>
+      <p:pic>
+        <p:nvPicPr>
+          <p:cNvPr id="1032" name="Picture 8" descr="The Gnutella protocol | Download Scientific Diagram">
+            <a:extLst>
+              <a:ext uri="{FF2B5EF4-FFF2-40B4-BE49-F238E27FC236}">
+                <a16:creationId xmlns:a16="http://schemas.microsoft.com/office/drawing/2014/main" id="{77626CD2-0A0A-F441-8C0E-D35B4C48D05B}"/>
+              </a:ext>
+            </a:extLst>
+          </p:cNvPr>
+          <p:cNvPicPr>
+            <a:picLocks noChangeAspect="1" noChangeArrowheads="1"/>
+          </p:cNvPicPr>
+          <p:nvPr/>
+        </p:nvPicPr>
+        <p:blipFill>
+          <a:blip r:embed="rId3">
+            <a:extLst>
+              <a:ext uri="{28A0092B-C50C-407E-A947-70E740481C1C}">
+                <a14:useLocalDpi xmlns:a14="http://schemas.microsoft.com/office/drawing/2010/main" val="0"/>
+              </a:ext>
+            </a:extLst>
+          </a:blip>
+          <a:srcRect/>
+          <a:stretch>
+            <a:fillRect/>
+          </a:stretch>
+        </p:blipFill>
+        <p:spPr bwMode="auto">
+          <a:xfrm>
+            <a:off x="8281256" y="2227956"/>
+            <a:ext cx="3441869" cy="2581402"/>
+          </a:xfrm>
+          <a:prstGeom prst="rect">
+            <a:avLst/>
+          </a:prstGeom>
+          <a:noFill/>
+          <a:extLst>
+            <a:ext uri="{909E8E84-426E-40DD-AFC4-6F175D3DCCD1}">
+              <a14:hiddenFill xmlns:a14="http://schemas.microsoft.com/office/drawing/2010/main">
+                <a:solidFill>
+                  <a:srgbClr val="FFFFFF"/>
+                </a:solidFill>
+              </a14:hiddenFill>
+            </a:ext>
+          </a:extLst>
+        </p:spPr>
+      </p:pic>
       <p:sp>
         <p:nvSpPr>
           <p:cNvPr id="2" name="文本框 1">
@@ -9292,7 +13887,7 @@
         </p:nvSpPr>
         <p:spPr>
           <a:xfrm>
-            <a:off x="3139717" y="1970418"/>
+            <a:off x="3416878" y="1893565"/>
             <a:ext cx="7415394" cy="3250185"/>
           </a:xfrm>
           <a:prstGeom prst="rect">
@@ -9312,20 +13907,20 @@
               </a:lnSpc>
             </a:pPr>
             <a:r>
+              <a:rPr lang="en-US" altLang="zh-CN" sz="2800" dirty="0"/>
+              <a:t>Index</a:t>
+            </a:r>
+            <a:r>
               <a:rPr lang="zh-CN" altLang="en-US" sz="2800" dirty="0"/>
-              <a:t>基于</a:t>
-            </a:r>
-            <a:r>
-              <a:rPr lang="zh-CN" altLang="en-US" sz="2800" dirty="0">
-                <a:solidFill>
-                  <a:srgbClr val="FF0000"/>
-                </a:solidFill>
-              </a:rPr>
-              <a:t>目录/索引</a:t>
+              <a:t> </a:t>
+            </a:r>
+            <a:r>
+              <a:rPr lang="en-US" altLang="zh-CN" sz="2800" dirty="0"/>
+              <a:t>mapping</a:t>
             </a:r>
             <a:r>
               <a:rPr lang="zh-CN" altLang="en-US" sz="2800" dirty="0"/>
-              <a:t>的定位机制（</a:t>
+              <a:t>（</a:t>
             </a:r>
             <a:r>
               <a:rPr lang="en-US" altLang="zh-CN" sz="2800" dirty="0"/>
@@ -9333,7 +13928,15 @@
             </a:r>
             <a:r>
               <a:rPr lang="zh-CN" altLang="en-US" sz="2800" dirty="0"/>
-              <a:t>）</a:t>
+              <a:t> </a:t>
+            </a:r>
+            <a:r>
+              <a:rPr lang="en-US" altLang="zh-CN" sz="2800" dirty="0"/>
+              <a:t>C/S</a:t>
+            </a:r>
+            <a:r>
+              <a:rPr lang="zh-CN" altLang="en-US" sz="2800" dirty="0"/>
+              <a:t> ）</a:t>
             </a:r>
           </a:p>
           <a:p>
@@ -9351,20 +13954,20 @@
               </a:lnSpc>
             </a:pPr>
             <a:r>
+              <a:rPr lang="en-US" altLang="zh-CN" sz="2800" dirty="0"/>
+              <a:t>Flood</a:t>
+            </a:r>
+            <a:r>
               <a:rPr lang="zh-CN" altLang="en-US" sz="2800" dirty="0"/>
-              <a:t>基于</a:t>
-            </a:r>
-            <a:r>
-              <a:rPr lang="zh-CN" altLang="en-US" sz="2800" dirty="0">
-                <a:solidFill>
-                  <a:srgbClr val="FF0000"/>
-                </a:solidFill>
-              </a:rPr>
-              <a:t>洪泛查询</a:t>
+              <a:t> </a:t>
+            </a:r>
+            <a:r>
+              <a:rPr lang="en-US" altLang="zh-CN" sz="2800" dirty="0"/>
+              <a:t>Searching</a:t>
             </a:r>
             <a:r>
               <a:rPr lang="zh-CN" altLang="en-US" sz="2800" dirty="0"/>
-              <a:t>的定位机制（</a:t>
+              <a:t>（</a:t>
             </a:r>
             <a:r>
               <a:rPr lang="en-US" altLang="zh-CN" sz="2800" dirty="0"/>
@@ -9390,20 +13993,28 @@
               </a:lnSpc>
             </a:pPr>
             <a:r>
+              <a:rPr lang="en-US" altLang="zh-CN" sz="2800" dirty="0"/>
+              <a:t>Structural</a:t>
+            </a:r>
+            <a:r>
               <a:rPr lang="zh-CN" altLang="en-US" sz="2800" dirty="0"/>
-              <a:t>基于</a:t>
-            </a:r>
-            <a:r>
-              <a:rPr lang="zh-CN" altLang="en-US" sz="2800" dirty="0">
-                <a:solidFill>
-                  <a:srgbClr val="FF0000"/>
-                </a:solidFill>
-              </a:rPr>
-              <a:t>哈希</a:t>
+              <a:t> </a:t>
+            </a:r>
+            <a:r>
+              <a:rPr lang="en-US" altLang="zh-CN" sz="2800" dirty="0"/>
+              <a:t>Hash</a:t>
             </a:r>
             <a:r>
               <a:rPr lang="zh-CN" altLang="en-US" sz="2800" dirty="0"/>
-              <a:t>的分布式映射定位机制（</a:t>
+              <a:t> </a:t>
+            </a:r>
+            <a:r>
+              <a:rPr lang="en-US" altLang="zh-CN" sz="2800" dirty="0"/>
+              <a:t>Map</a:t>
+            </a:r>
+            <a:r>
+              <a:rPr lang="zh-CN" altLang="en-US" sz="2800" dirty="0"/>
+              <a:t>（</a:t>
             </a:r>
             <a:r>
               <a:rPr lang="en-US" altLang="zh-CN" sz="2800" dirty="0"/>
@@ -9430,7 +14041,7 @@
         </p:nvSpPr>
         <p:spPr>
           <a:xfrm>
-            <a:off x="1557867" y="1049867"/>
+            <a:off x="1535289" y="1332092"/>
             <a:ext cx="846666" cy="5091289"/>
           </a:xfrm>
           <a:prstGeom prst="downArrow">
@@ -9458,7 +14069,18 @@
           <a:lstStyle/>
           <a:p>
             <a:pPr algn="ctr"/>
-            <a:endParaRPr kumimoji="1" lang="zh-CN" altLang="en-US"/>
+            <a:r>
+              <a:rPr kumimoji="1" lang="zh-CN" altLang="en-US" dirty="0"/>
+              <a:t>不用看我</a:t>
+            </a:r>
+            <a:endParaRPr kumimoji="1" lang="en-US" altLang="zh-CN" dirty="0"/>
+          </a:p>
+          <a:p>
+            <a:pPr algn="ctr"/>
+            <a:r>
+              <a:rPr kumimoji="1" lang="zh-CN" altLang="en-US" dirty="0"/>
+              <a:t>，我是时间线</a:t>
+            </a:r>
           </a:p>
         </p:txBody>
       </p:sp>
@@ -9476,7 +14098,7 @@
         </p:nvSpPr>
         <p:spPr>
           <a:xfrm>
-            <a:off x="2404533" y="2249171"/>
+            <a:off x="2743203" y="2249171"/>
             <a:ext cx="506549" cy="246221"/>
           </a:xfrm>
           <a:prstGeom prst="rect">
@@ -9524,7 +14146,7 @@
         </p:nvSpPr>
         <p:spPr>
           <a:xfrm>
-            <a:off x="2404532" y="3518658"/>
+            <a:off x="2743202" y="3518658"/>
             <a:ext cx="506549" cy="246221"/>
           </a:xfrm>
           <a:prstGeom prst="rect">
@@ -9572,7 +14194,7 @@
         </p:nvSpPr>
         <p:spPr>
           <a:xfrm>
-            <a:off x="2404532" y="4841072"/>
+            <a:off x="2743202" y="4841072"/>
             <a:ext cx="506549" cy="246221"/>
           </a:xfrm>
           <a:prstGeom prst="rect">
@@ -9606,6 +14228,100 @@
           </a:p>
         </p:txBody>
       </p:sp>
+      <p:pic>
+        <p:nvPicPr>
+          <p:cNvPr id="1026" name="Picture 2" descr="Napster">
+            <a:extLst>
+              <a:ext uri="{FF2B5EF4-FFF2-40B4-BE49-F238E27FC236}">
+                <a16:creationId xmlns:a16="http://schemas.microsoft.com/office/drawing/2014/main" id="{25CD6EB3-5443-3A4B-BC9F-05BCCB46A899}"/>
+              </a:ext>
+            </a:extLst>
+          </p:cNvPr>
+          <p:cNvPicPr>
+            <a:picLocks noChangeAspect="1" noChangeArrowheads="1"/>
+          </p:cNvPicPr>
+          <p:nvPr/>
+        </p:nvPicPr>
+        <p:blipFill>
+          <a:blip r:embed="rId4">
+            <a:extLst>
+              <a:ext uri="{28A0092B-C50C-407E-A947-70E740481C1C}">
+                <a14:useLocalDpi xmlns:a14="http://schemas.microsoft.com/office/drawing/2010/main" val="0"/>
+              </a:ext>
+            </a:extLst>
+          </a:blip>
+          <a:srcRect/>
+          <a:stretch>
+            <a:fillRect/>
+          </a:stretch>
+        </p:blipFill>
+        <p:spPr bwMode="auto">
+          <a:xfrm>
+            <a:off x="7811003" y="853688"/>
+            <a:ext cx="2465955" cy="1250744"/>
+          </a:xfrm>
+          <a:prstGeom prst="rect">
+            <a:avLst/>
+          </a:prstGeom>
+          <a:noFill/>
+          <a:extLst>
+            <a:ext uri="{909E8E84-426E-40DD-AFC4-6F175D3DCCD1}">
+              <a14:hiddenFill xmlns:a14="http://schemas.microsoft.com/office/drawing/2010/main">
+                <a:solidFill>
+                  <a:srgbClr val="FFFFFF"/>
+                </a:solidFill>
+              </a14:hiddenFill>
+            </a:ext>
+          </a:extLst>
+        </p:spPr>
+      </p:pic>
+      <p:pic>
+        <p:nvPicPr>
+          <p:cNvPr id="1030" name="Picture 6" descr="If two nodes are at a distance 11 apart along the ring (i.e., there are 10 nodes between them), it takes three hops to send a message from one to the other. The first hop covers a distance of 8 units, the second 2 units, and the final hop 1 unit.">
+            <a:extLst>
+              <a:ext uri="{FF2B5EF4-FFF2-40B4-BE49-F238E27FC236}">
+                <a16:creationId xmlns:a16="http://schemas.microsoft.com/office/drawing/2014/main" id="{AA672877-29D9-0749-9D68-B6D93E2D96AC}"/>
+              </a:ext>
+            </a:extLst>
+          </p:cNvPr>
+          <p:cNvPicPr>
+            <a:picLocks noChangeAspect="1" noChangeArrowheads="1"/>
+          </p:cNvPicPr>
+          <p:nvPr/>
+        </p:nvPicPr>
+        <p:blipFill>
+          <a:blip r:embed="rId5">
+            <a:extLst>
+              <a:ext uri="{28A0092B-C50C-407E-A947-70E740481C1C}">
+                <a14:useLocalDpi xmlns:a14="http://schemas.microsoft.com/office/drawing/2010/main" val="0"/>
+              </a:ext>
+            </a:extLst>
+          </a:blip>
+          <a:srcRect/>
+          <a:stretch>
+            <a:fillRect/>
+          </a:stretch>
+        </p:blipFill>
+        <p:spPr bwMode="auto">
+          <a:xfrm>
+            <a:off x="8125418" y="4546231"/>
+            <a:ext cx="2151540" cy="2151540"/>
+          </a:xfrm>
+          <a:prstGeom prst="rect">
+            <a:avLst/>
+          </a:prstGeom>
+          <a:noFill/>
+          <a:extLst>
+            <a:ext uri="{909E8E84-426E-40DD-AFC4-6F175D3DCCD1}">
+              <a14:hiddenFill xmlns:a14="http://schemas.microsoft.com/office/drawing/2010/main">
+                <a:solidFill>
+                  <a:srgbClr val="FFFFFF"/>
+                </a:solidFill>
+              </a14:hiddenFill>
+            </a:ext>
+          </a:extLst>
+        </p:spPr>
+      </p:pic>
     </p:spTree>
     <p:extLst>
       <p:ext uri="{BB962C8B-B14F-4D97-AF65-F5344CB8AC3E}">
@@ -9616,11 +14332,11 @@
   <p:clrMapOvr>
     <a:masterClrMapping/>
   </p:clrMapOvr>
-  <mc:AlternateContent xmlns:mc="http://schemas.openxmlformats.org/markup-compatibility/2006">
-    <mc:Choice xmlns:p14="http://schemas.microsoft.com/office/powerpoint/2010/main" Requires="p14">
+  <mc:AlternateContent xmlns:mc="http://schemas.openxmlformats.org/markup-compatibility/2006" xmlns:p14="http://schemas.microsoft.com/office/powerpoint/2010/main">
+    <mc:Choice Requires="p14">
       <p:transition spd="slow" p14:dur="1600"/>
     </mc:Choice>
-    <mc:Fallback>
+    <mc:Fallback xmlns="">
       <p:transition spd="slow"/>
     </mc:Fallback>
   </mc:AlternateContent>
